--- a/Misc/Flutter-Notes.pptx
+++ b/Misc/Flutter-Notes.pptx
@@ -8,7 +8,7 @@
     <p:notesMasterId r:id="rId4"/>
   </p:notesMasterIdLst>
   <p:handoutMasterIdLst>
-    <p:handoutMasterId r:id="rId14"/>
+    <p:handoutMasterId r:id="rId37"/>
   </p:handoutMasterIdLst>
   <p:sldIdLst>
     <p:sldId id="256" r:id="rId3"/>
@@ -16,16 +16,39 @@
     <p:sldId id="259" r:id="rId6"/>
     <p:sldId id="333" r:id="rId7"/>
     <p:sldId id="349" r:id="rId8"/>
-    <p:sldId id="350" r:id="rId9"/>
-    <p:sldId id="353" r:id="rId10"/>
-    <p:sldId id="307" r:id="rId11"/>
-    <p:sldId id="351" r:id="rId12"/>
-    <p:sldId id="352" r:id="rId13"/>
+    <p:sldId id="358" r:id="rId9"/>
+    <p:sldId id="373" r:id="rId10"/>
+    <p:sldId id="359" r:id="rId11"/>
+    <p:sldId id="362" r:id="rId12"/>
+    <p:sldId id="360" r:id="rId13"/>
+    <p:sldId id="350" r:id="rId14"/>
+    <p:sldId id="353" r:id="rId15"/>
+    <p:sldId id="379" r:id="rId16"/>
+    <p:sldId id="351" r:id="rId17"/>
+    <p:sldId id="352" r:id="rId18"/>
+    <p:sldId id="357" r:id="rId19"/>
+    <p:sldId id="385" r:id="rId20"/>
+    <p:sldId id="386" r:id="rId21"/>
+    <p:sldId id="363" r:id="rId22"/>
+    <p:sldId id="375" r:id="rId23"/>
+    <p:sldId id="365" r:id="rId24"/>
+    <p:sldId id="366" r:id="rId25"/>
+    <p:sldId id="368" r:id="rId26"/>
+    <p:sldId id="367" r:id="rId27"/>
+    <p:sldId id="369" r:id="rId28"/>
+    <p:sldId id="377" r:id="rId29"/>
+    <p:sldId id="378" r:id="rId30"/>
+    <p:sldId id="380" r:id="rId31"/>
+    <p:sldId id="381" r:id="rId32"/>
+    <p:sldId id="382" r:id="rId33"/>
+    <p:sldId id="370" r:id="rId34"/>
+    <p:sldId id="372" r:id="rId35"/>
+    <p:sldId id="371" r:id="rId36"/>
   </p:sldIdLst>
   <p:sldSz cx="12192000" cy="6858000"/>
   <p:notesSz cx="6858000" cy="9144000"/>
   <p:custDataLst>
-    <p:tags r:id="rId18"/>
+    <p:tags r:id="rId41"/>
   </p:custDataLst>
   <p:defaultTextStyle>
     <a:defPPr>
@@ -122,6 +145,22 @@
       </a:defRPr>
     </a:lvl9pPr>
   </p:defaultTextStyle>
+  <p:extLst>
+    <p:ext uri="{EFAFB233-063F-42B5-8137-9DF3F51BA10A}">
+      <p15:sldGuideLst xmlns:p15="http://schemas.microsoft.com/office/powerpoint/2012/main">
+        <p15:guide id="1" orient="horz" pos="2166" userDrawn="1">
+          <p15:clr>
+            <a:srgbClr val="A4A3A4"/>
+          </p15:clr>
+        </p15:guide>
+        <p15:guide id="2" pos="3840" userDrawn="1">
+          <p15:clr>
+            <a:srgbClr val="A4A3A4"/>
+          </p15:clr>
+        </p15:guide>
+      </p15:sldGuideLst>
+    </p:ext>
+  </p:extLst>
 </p:presentation>
 </file>
 
@@ -3803,10 +3842,41 @@
           <a:bodyPr/>
           <a:p>
             <a:r>
-              <a:rPr lang="zh-CN" altLang="en-US"/>
-              <a:t>线程管理</a:t>
-            </a:r>
-            <a:endParaRPr lang="zh-CN" altLang="en-US"/>
+              <a:rPr lang="en-US" altLang="zh-CN"/>
+              <a:t>Android</a:t>
+            </a:r>
+            <a:endParaRPr lang="en-US" altLang="zh-CN"/>
+          </a:p>
+        </p:txBody>
+      </p:sp>
+      <p:sp>
+        <p:nvSpPr>
+          <p:cNvPr id="3" name="内容占位符 2"/>
+          <p:cNvSpPr>
+            <a:spLocks noGrp="1"/>
+          </p:cNvSpPr>
+          <p:nvPr>
+            <p:ph idx="1"/>
+          </p:nvPr>
+        </p:nvSpPr>
+        <p:spPr>
+          <a:xfrm>
+            <a:off x="838200" y="1211580"/>
+            <a:ext cx="4916805" cy="4549140"/>
+          </a:xfrm>
+        </p:spPr>
+        <p:txBody>
+          <a:bodyPr/>
+          <a:p>
+            <a:r>
+              <a:rPr lang="en-US" altLang="zh-CN"/>
+              <a:t>Emulator</a:t>
+            </a:r>
+            <a:endParaRPr lang="en-US" altLang="zh-CN"/>
+          </a:p>
+          <a:p>
+            <a:pPr lvl="1"/>
+            <a:endParaRPr lang="en-US" altLang="zh-CN"/>
           </a:p>
         </p:txBody>
       </p:sp>
@@ -3824,8 +3894,34 @@
         </p:blipFill>
         <p:spPr>
           <a:xfrm>
-            <a:off x="2424113" y="1562100"/>
-            <a:ext cx="6962775" cy="3352800"/>
+            <a:off x="687705" y="3865880"/>
+            <a:ext cx="6122035" cy="2743200"/>
+          </a:xfrm>
+          <a:prstGeom prst="rect">
+            <a:avLst/>
+          </a:prstGeom>
+          <a:noFill/>
+          <a:ln w="9525">
+            <a:noFill/>
+          </a:ln>
+        </p:spPr>
+      </p:pic>
+      <p:pic>
+        <p:nvPicPr>
+          <p:cNvPr id="104" name="图片 103"/>
+          <p:cNvPicPr/>
+          <p:nvPr/>
+        </p:nvPicPr>
+        <p:blipFill>
+          <a:blip r:embed="rId2"/>
+          <a:stretch>
+            <a:fillRect/>
+          </a:stretch>
+        </p:blipFill>
+        <p:spPr>
+          <a:xfrm>
+            <a:off x="7695565" y="1048385"/>
+            <a:ext cx="3944620" cy="5387340"/>
           </a:xfrm>
           <a:prstGeom prst="rect">
             <a:avLst/>
@@ -3838,7 +3934,7 @@
       </p:pic>
     </p:spTree>
     <p:custDataLst>
-      <p:tags r:id="rId2"/>
+      <p:tags r:id="rId3"/>
     </p:custDataLst>
   </p:cSld>
   <p:clrMapOvr>
@@ -3847,427 +3943,7 @@
 </p:sld>
 </file>
 
-<file path=ppt/slides/slide2.xml><?xml version="1.0" encoding="utf-8"?>
-<p:sld xmlns:a="http://schemas.openxmlformats.org/drawingml/2006/main" xmlns:r="http://schemas.openxmlformats.org/officeDocument/2006/relationships" xmlns:p="http://schemas.openxmlformats.org/presentationml/2006/main">
-  <p:cSld>
-    <p:spTree>
-      <p:nvGrpSpPr>
-        <p:cNvPr id="1" name=""/>
-        <p:cNvGrpSpPr/>
-        <p:nvPr/>
-      </p:nvGrpSpPr>
-      <p:grpSpPr/>
-      <p:sp>
-        <p:nvSpPr>
-          <p:cNvPr id="2" name="标题 1"/>
-          <p:cNvSpPr>
-            <a:spLocks noGrp="1"/>
-          </p:cNvSpPr>
-          <p:nvPr>
-            <p:ph type="title"/>
-          </p:nvPr>
-        </p:nvSpPr>
-        <p:spPr/>
-        <p:txBody>
-          <a:bodyPr/>
-          <a:p>
-            <a:r>
-              <a:rPr lang="en-US" altLang="zh-CN"/>
-              <a:t>Change History</a:t>
-            </a:r>
-            <a:endParaRPr lang="en-US" altLang="zh-CN"/>
-          </a:p>
-        </p:txBody>
-      </p:sp>
-      <p:sp>
-        <p:nvSpPr>
-          <p:cNvPr id="3" name="内容占位符 2"/>
-          <p:cNvSpPr>
-            <a:spLocks noGrp="1"/>
-          </p:cNvSpPr>
-          <p:nvPr>
-            <p:ph idx="1"/>
-          </p:nvPr>
-        </p:nvSpPr>
-        <p:spPr/>
-        <p:txBody>
-          <a:bodyPr/>
-          <a:p>
-            <a:r>
-              <a:rPr lang="en-US" altLang="zh-CN"/>
-              <a:t>11/10/2021</a:t>
-            </a:r>
-            <a:endParaRPr lang="en-US" altLang="zh-CN"/>
-          </a:p>
-          <a:p>
-            <a:pPr lvl="1"/>
-            <a:r>
-              <a:rPr lang="en-US" altLang="zh-CN"/>
-              <a:t>Added audio codec conversion</a:t>
-            </a:r>
-            <a:endParaRPr lang="en-US" altLang="zh-CN"/>
-          </a:p>
-        </p:txBody>
-      </p:sp>
-    </p:spTree>
-    <p:custDataLst>
-      <p:tags r:id="rId1"/>
-    </p:custDataLst>
-  </p:cSld>
-  <p:clrMapOvr>
-    <a:masterClrMapping/>
-  </p:clrMapOvr>
-</p:sld>
-</file>
-
-<file path=ppt/slides/slide3.xml><?xml version="1.0" encoding="utf-8"?>
-<p:sld xmlns:a="http://schemas.openxmlformats.org/drawingml/2006/main" xmlns:r="http://schemas.openxmlformats.org/officeDocument/2006/relationships" xmlns:p="http://schemas.openxmlformats.org/presentationml/2006/main">
-  <p:cSld>
-    <p:spTree>
-      <p:nvGrpSpPr>
-        <p:cNvPr id="1" name=""/>
-        <p:cNvGrpSpPr/>
-        <p:nvPr/>
-      </p:nvGrpSpPr>
-      <p:grpSpPr/>
-      <p:sp>
-        <p:nvSpPr>
-          <p:cNvPr id="2" name="标题 1"/>
-          <p:cNvSpPr>
-            <a:spLocks noGrp="1"/>
-          </p:cNvSpPr>
-          <p:nvPr>
-            <p:ph type="title"/>
-          </p:nvPr>
-        </p:nvSpPr>
-        <p:spPr/>
-        <p:txBody>
-          <a:bodyPr/>
-          <a:p>
-            <a:r>
-              <a:rPr lang="en-US" altLang="zh-CN"/>
-              <a:t>References</a:t>
-            </a:r>
-            <a:endParaRPr lang="en-US" altLang="zh-CN"/>
-          </a:p>
-        </p:txBody>
-      </p:sp>
-      <p:sp>
-        <p:nvSpPr>
-          <p:cNvPr id="3" name="内容占位符 2"/>
-          <p:cNvSpPr>
-            <a:spLocks noGrp="1"/>
-          </p:cNvSpPr>
-          <p:nvPr>
-            <p:ph idx="1"/>
-          </p:nvPr>
-        </p:nvSpPr>
-        <p:spPr/>
-        <p:txBody>
-          <a:bodyPr/>
-          <a:p>
-            <a:pPr marL="342900" lvl="1" algn="l">
-              <a:spcBef>
-                <a:spcPts val="1000"/>
-              </a:spcBef>
-              <a:buClrTx/>
-              <a:buSzTx/>
-              <a:buFont typeface="黑体" panose="02010609060101010101" pitchFamily="49" charset="-122"/>
-              <a:buChar char="〉"/>
-            </a:pPr>
-            <a:r>
-              <a:rPr lang="zh-CN" altLang="en-US" sz="2400">
-                <a:sym typeface="+mn-ea"/>
-              </a:rPr>
-              <a:t>https://www.tutorialspoint.com/flutter/index.htm</a:t>
-            </a:r>
-            <a:endParaRPr lang="zh-CN" altLang="en-US" sz="2400">
-              <a:sym typeface="+mn-ea"/>
-            </a:endParaRPr>
-          </a:p>
-          <a:p>
-            <a:pPr marL="342900" lvl="1" algn="l">
-              <a:spcBef>
-                <a:spcPts val="1000"/>
-              </a:spcBef>
-              <a:buClrTx/>
-              <a:buSzTx/>
-              <a:buFont typeface="黑体" panose="02010609060101010101" pitchFamily="49" charset="-122"/>
-              <a:buChar char="〉"/>
-            </a:pPr>
-            <a:r>
-              <a:rPr lang="zh-CN" altLang="en-US" sz="2400"/>
-              <a:t>https://docs.flutter.dev/</a:t>
-            </a:r>
-            <a:endParaRPr lang="zh-CN" altLang="en-US" sz="2400"/>
-          </a:p>
-          <a:p>
-            <a:endParaRPr lang="zh-CN" altLang="en-US"/>
-          </a:p>
-        </p:txBody>
-      </p:sp>
-    </p:spTree>
-    <p:custDataLst>
-      <p:tags r:id="rId1"/>
-    </p:custDataLst>
-  </p:cSld>
-  <p:clrMapOvr>
-    <a:masterClrMapping/>
-  </p:clrMapOvr>
-</p:sld>
-</file>
-
-<file path=ppt/slides/slide4.xml><?xml version="1.0" encoding="utf-8"?>
-<p:sld xmlns:a="http://schemas.openxmlformats.org/drawingml/2006/main" xmlns:r="http://schemas.openxmlformats.org/officeDocument/2006/relationships" xmlns:p="http://schemas.openxmlformats.org/presentationml/2006/main">
-  <p:cSld>
-    <p:spTree>
-      <p:nvGrpSpPr>
-        <p:cNvPr id="1" name=""/>
-        <p:cNvGrpSpPr/>
-        <p:nvPr/>
-      </p:nvGrpSpPr>
-      <p:grpSpPr/>
-      <p:sp>
-        <p:nvSpPr>
-          <p:cNvPr id="2" name="标题 1"/>
-          <p:cNvSpPr>
-            <a:spLocks noGrp="1"/>
-          </p:cNvSpPr>
-          <p:nvPr>
-            <p:ph type="title"/>
-          </p:nvPr>
-        </p:nvSpPr>
-        <p:spPr/>
-        <p:txBody>
-          <a:bodyPr/>
-          <a:p>
-            <a:r>
-              <a:rPr lang="en-US" altLang="zh-CN"/>
-              <a:t>Intro</a:t>
-            </a:r>
-            <a:endParaRPr lang="en-US" altLang="zh-CN"/>
-          </a:p>
-        </p:txBody>
-      </p:sp>
-      <p:sp>
-        <p:nvSpPr>
-          <p:cNvPr id="3" name="内容占位符 2"/>
-          <p:cNvSpPr>
-            <a:spLocks noGrp="1"/>
-          </p:cNvSpPr>
-          <p:nvPr>
-            <p:ph idx="1"/>
-          </p:nvPr>
-        </p:nvSpPr>
-        <p:spPr/>
-        <p:txBody>
-          <a:bodyPr/>
-          <a:p>
-            <a:r>
-              <a:rPr lang="en-US" altLang="zh-CN" sz="2400">
-                <a:sym typeface="+mn-ea"/>
-              </a:rPr>
-              <a:t>Features</a:t>
-            </a:r>
-            <a:endParaRPr lang="en-US" altLang="zh-CN" sz="2400"/>
-          </a:p>
-          <a:p>
-            <a:pPr lvl="1" algn="l">
-              <a:buClrTx/>
-              <a:buSzTx/>
-            </a:pPr>
-            <a:r>
-              <a:rPr lang="en-US" altLang="zh-CN">
-                <a:sym typeface="+mn-ea"/>
-              </a:rPr>
-              <a:t>Modern and reactive framework</a:t>
-            </a:r>
-            <a:endParaRPr lang="en-US" altLang="zh-CN"/>
-          </a:p>
-          <a:p>
-            <a:pPr lvl="1" algn="l">
-              <a:buClrTx/>
-              <a:buSzTx/>
-            </a:pPr>
-            <a:r>
-              <a:rPr lang="en-US" altLang="zh-CN">
-                <a:sym typeface="+mn-ea"/>
-              </a:rPr>
-              <a:t>Uses Dart programming language and it is very easy to learn</a:t>
-            </a:r>
-            <a:endParaRPr lang="en-US" altLang="zh-CN"/>
-          </a:p>
-          <a:p>
-            <a:pPr lvl="1" algn="l">
-              <a:buClrTx/>
-              <a:buSzTx/>
-            </a:pPr>
-            <a:r>
-              <a:rPr lang="en-US" altLang="zh-CN">
-                <a:sym typeface="+mn-ea"/>
-              </a:rPr>
-              <a:t>Fast development</a:t>
-            </a:r>
-            <a:endParaRPr lang="en-US" altLang="zh-CN"/>
-          </a:p>
-          <a:p>
-            <a:pPr lvl="1" algn="l">
-              <a:buClrTx/>
-              <a:buSzTx/>
-            </a:pPr>
-            <a:r>
-              <a:rPr lang="en-US" altLang="zh-CN">
-                <a:sym typeface="+mn-ea"/>
-              </a:rPr>
-              <a:t>Beautiful and fluid user interfaces</a:t>
-            </a:r>
-            <a:endParaRPr lang="en-US" altLang="zh-CN"/>
-          </a:p>
-          <a:p>
-            <a:pPr lvl="1" algn="l">
-              <a:buClrTx/>
-              <a:buSzTx/>
-            </a:pPr>
-            <a:r>
-              <a:rPr lang="en-US" altLang="zh-CN">
-                <a:sym typeface="+mn-ea"/>
-              </a:rPr>
-              <a:t>Huge widget catalog</a:t>
-            </a:r>
-            <a:endParaRPr lang="en-US" altLang="zh-CN"/>
-          </a:p>
-          <a:p>
-            <a:pPr lvl="1" algn="l">
-              <a:buClrTx/>
-              <a:buSzTx/>
-            </a:pPr>
-            <a:r>
-              <a:rPr lang="en-US" altLang="zh-CN">
-                <a:sym typeface="+mn-ea"/>
-              </a:rPr>
-              <a:t>Runs same UI for multiple platforms</a:t>
-            </a:r>
-            <a:endParaRPr lang="en-US" altLang="zh-CN"/>
-          </a:p>
-          <a:p>
-            <a:pPr lvl="1" algn="l">
-              <a:buClrTx/>
-              <a:buSzTx/>
-            </a:pPr>
-            <a:r>
-              <a:rPr lang="en-US" altLang="zh-CN">
-                <a:sym typeface="+mn-ea"/>
-              </a:rPr>
-              <a:t>High performance application</a:t>
-            </a:r>
-            <a:endParaRPr lang="en-US" altLang="zh-CN"/>
-          </a:p>
-          <a:p>
-            <a:pPr lvl="0"/>
-            <a:r>
-              <a:rPr lang="en-US" altLang="zh-CN" sz="2400">
-                <a:sym typeface="+mn-ea"/>
-              </a:rPr>
-              <a:t>Disadvantages</a:t>
-            </a:r>
-            <a:endParaRPr lang="en-US" altLang="zh-CN" sz="2400"/>
-          </a:p>
-          <a:p>
-            <a:pPr lvl="1"/>
-            <a:r>
-              <a:rPr lang="en-US" altLang="zh-CN">
-                <a:sym typeface="+mn-ea"/>
-              </a:rPr>
-              <a:t>user interface and logic is intermixed</a:t>
-            </a:r>
-            <a:endParaRPr lang="en-US" altLang="zh-CN"/>
-          </a:p>
-          <a:p>
-            <a:endParaRPr lang="en-US" altLang="zh-CN"/>
-          </a:p>
-        </p:txBody>
-      </p:sp>
-    </p:spTree>
-    <p:custDataLst>
-      <p:tags r:id="rId1"/>
-    </p:custDataLst>
-  </p:cSld>
-  <p:clrMapOvr>
-    <a:masterClrMapping/>
-  </p:clrMapOvr>
-</p:sld>
-</file>
-
-<file path=ppt/slides/slide5.xml><?xml version="1.0" encoding="utf-8"?>
-<p:sld xmlns:a="http://schemas.openxmlformats.org/drawingml/2006/main" xmlns:r="http://schemas.openxmlformats.org/officeDocument/2006/relationships" xmlns:p="http://schemas.openxmlformats.org/presentationml/2006/main">
-  <p:cSld>
-    <p:spTree>
-      <p:nvGrpSpPr>
-        <p:cNvPr id="1" name=""/>
-        <p:cNvGrpSpPr/>
-        <p:nvPr/>
-      </p:nvGrpSpPr>
-      <p:grpSpPr/>
-      <p:sp>
-        <p:nvSpPr>
-          <p:cNvPr id="2" name="标题 1"/>
-          <p:cNvSpPr>
-            <a:spLocks noGrp="1"/>
-          </p:cNvSpPr>
-          <p:nvPr>
-            <p:ph type="title"/>
-          </p:nvPr>
-        </p:nvSpPr>
-        <p:spPr/>
-        <p:txBody>
-          <a:bodyPr/>
-          <a:p>
-            <a:r>
-              <a:rPr lang="en-US" altLang="zh-CN"/>
-              <a:t>Flutter vs. React Native</a:t>
-            </a:r>
-            <a:endParaRPr lang="en-US" altLang="zh-CN"/>
-          </a:p>
-        </p:txBody>
-      </p:sp>
-      <p:pic>
-        <p:nvPicPr>
-          <p:cNvPr id="100" name="图片 99"/>
-          <p:cNvPicPr/>
-          <p:nvPr/>
-        </p:nvPicPr>
-        <p:blipFill>
-          <a:blip r:embed="rId1"/>
-          <a:stretch>
-            <a:fillRect/>
-          </a:stretch>
-        </p:blipFill>
-        <p:spPr>
-          <a:xfrm>
-            <a:off x="2812415" y="1114425"/>
-            <a:ext cx="6755765" cy="5303520"/>
-          </a:xfrm>
-          <a:prstGeom prst="rect">
-            <a:avLst/>
-          </a:prstGeom>
-          <a:noFill/>
-          <a:ln w="9525">
-            <a:noFill/>
-          </a:ln>
-        </p:spPr>
-      </p:pic>
-    </p:spTree>
-    <p:custDataLst>
-      <p:tags r:id="rId2"/>
-    </p:custDataLst>
-  </p:cSld>
-  <p:clrMapOvr>
-    <a:masterClrMapping/>
-  </p:clrMapOvr>
-</p:sld>
-</file>
-
-<file path=ppt/slides/slide6.xml><?xml version="1.0" encoding="utf-8"?>
+<file path=ppt/slides/slide11.xml><?xml version="1.0" encoding="utf-8"?>
 <p:sld xmlns:a="http://schemas.openxmlformats.org/drawingml/2006/main" xmlns:r="http://schemas.openxmlformats.org/officeDocument/2006/relationships" xmlns:p="http://schemas.openxmlformats.org/presentationml/2006/main">
   <p:cSld>
     <p:spTree>
@@ -4362,7 +4038,7 @@
 </p:sld>
 </file>
 
-<file path=ppt/slides/slide7.xml><?xml version="1.0" encoding="utf-8"?>
+<file path=ppt/slides/slide12.xml><?xml version="1.0" encoding="utf-8"?>
 <p:sld xmlns:a="http://schemas.openxmlformats.org/drawingml/2006/main" xmlns:r="http://schemas.openxmlformats.org/officeDocument/2006/relationships" xmlns:p="http://schemas.openxmlformats.org/presentationml/2006/main">
   <p:cSld>
     <p:spTree>
@@ -4396,7 +4072,7 @@
       </p:sp>
       <p:pic>
         <p:nvPicPr>
-          <p:cNvPr id="104" name="图片 103"/>
+          <p:cNvPr id="109" name="图片 108"/>
           <p:cNvPicPr/>
           <p:nvPr/>
         </p:nvPicPr>
@@ -4408,8 +4084,8 @@
         </p:blipFill>
         <p:spPr>
           <a:xfrm>
-            <a:off x="2009140" y="1293495"/>
-            <a:ext cx="8486140" cy="4985385"/>
+            <a:off x="2743835" y="816610"/>
+            <a:ext cx="6934200" cy="5722620"/>
           </a:xfrm>
           <a:prstGeom prst="rect">
             <a:avLst/>
@@ -4431,7 +4107,7 @@
 </p:sld>
 </file>
 
-<file path=ppt/slides/slide8.xml><?xml version="1.0" encoding="utf-8"?>
+<file path=ppt/slides/slide13.xml><?xml version="1.0" encoding="utf-8"?>
 <p:sld xmlns:a="http://schemas.openxmlformats.org/drawingml/2006/main" xmlns:r="http://schemas.openxmlformats.org/officeDocument/2006/relationships" xmlns:p="http://schemas.openxmlformats.org/presentationml/2006/main">
   <p:cSld>
     <p:spTree>
@@ -4457,47 +4133,15 @@
           <a:p>
             <a:r>
               <a:rPr lang="en-US" altLang="zh-CN"/>
-              <a:t>Dart</a:t>
-            </a:r>
-            <a:endParaRPr lang="en-US" altLang="zh-CN"/>
-          </a:p>
-        </p:txBody>
-      </p:sp>
-      <p:sp>
-        <p:nvSpPr>
-          <p:cNvPr id="3" name="内容占位符 2"/>
-          <p:cNvSpPr>
-            <a:spLocks noGrp="1"/>
-          </p:cNvSpPr>
-          <p:nvPr>
-            <p:ph idx="1"/>
-          </p:nvPr>
-        </p:nvSpPr>
-        <p:spPr>
-          <a:xfrm>
-            <a:off x="838200" y="1211580"/>
-            <a:ext cx="6198870" cy="4549140"/>
-          </a:xfrm>
-        </p:spPr>
-        <p:txBody>
-          <a:bodyPr>
-            <a:noAutofit/>
-          </a:bodyPr>
-          <a:p>
-            <a:r>
-              <a:rPr lang="en-US" altLang="zh-CN" sz="2000"/>
-              <a:t>References</a:t>
-            </a:r>
-            <a:endParaRPr lang="en-US" altLang="zh-CN" sz="2000"/>
-          </a:p>
-          <a:p>
-            <a:endParaRPr lang="en-US" altLang="zh-CN" sz="1800"/>
+              <a:t>App Internal</a:t>
+            </a:r>
+            <a:endParaRPr lang="en-US" altLang="zh-CN"/>
           </a:p>
         </p:txBody>
       </p:sp>
       <p:pic>
         <p:nvPicPr>
-          <p:cNvPr id="100" name="图片 99"/>
+          <p:cNvPr id="110" name="图片 109"/>
           <p:cNvPicPr/>
           <p:nvPr/>
         </p:nvPicPr>
@@ -4509,8 +4153,196 @@
         </p:blipFill>
         <p:spPr>
           <a:xfrm>
-            <a:off x="7037070" y="1068705"/>
-            <a:ext cx="4942840" cy="2269490"/>
+            <a:off x="7733665" y="382905"/>
+            <a:ext cx="3996690" cy="6091555"/>
+          </a:xfrm>
+          <a:prstGeom prst="rect">
+            <a:avLst/>
+          </a:prstGeom>
+          <a:noFill/>
+          <a:ln w="9525">
+            <a:noFill/>
+          </a:ln>
+        </p:spPr>
+      </p:pic>
+      <p:pic>
+        <p:nvPicPr>
+          <p:cNvPr id="111" name="图片 110"/>
+          <p:cNvPicPr/>
+          <p:nvPr/>
+        </p:nvPicPr>
+        <p:blipFill>
+          <a:blip r:embed="rId2"/>
+          <a:stretch>
+            <a:fillRect/>
+          </a:stretch>
+        </p:blipFill>
+        <p:spPr>
+          <a:xfrm>
+            <a:off x="952500" y="1168400"/>
+            <a:ext cx="5641340" cy="5219700"/>
+          </a:xfrm>
+          <a:prstGeom prst="rect">
+            <a:avLst/>
+          </a:prstGeom>
+          <a:noFill/>
+          <a:ln w="9525">
+            <a:noFill/>
+          </a:ln>
+        </p:spPr>
+      </p:pic>
+    </p:spTree>
+    <p:custDataLst>
+      <p:tags r:id="rId3"/>
+    </p:custDataLst>
+  </p:cSld>
+  <p:clrMapOvr>
+    <a:masterClrMapping/>
+  </p:clrMapOvr>
+</p:sld>
+</file>
+
+<file path=ppt/slides/slide14.xml><?xml version="1.0" encoding="utf-8"?>
+<p:sld xmlns:a="http://schemas.openxmlformats.org/drawingml/2006/main" xmlns:r="http://schemas.openxmlformats.org/officeDocument/2006/relationships" xmlns:p="http://schemas.openxmlformats.org/presentationml/2006/main">
+  <p:cSld>
+    <p:spTree>
+      <p:nvGrpSpPr>
+        <p:cNvPr id="1" name=""/>
+        <p:cNvGrpSpPr/>
+        <p:nvPr/>
+      </p:nvGrpSpPr>
+      <p:grpSpPr/>
+      <p:sp>
+        <p:nvSpPr>
+          <p:cNvPr id="2" name="标题 1"/>
+          <p:cNvSpPr>
+            <a:spLocks noGrp="1"/>
+          </p:cNvSpPr>
+          <p:nvPr>
+            <p:ph type="title"/>
+          </p:nvPr>
+        </p:nvSpPr>
+        <p:spPr/>
+        <p:txBody>
+          <a:bodyPr/>
+          <a:p>
+            <a:r>
+              <a:rPr lang="en-US" altLang="zh-CN"/>
+              <a:t>Channel</a:t>
+            </a:r>
+            <a:endParaRPr lang="en-US" altLang="zh-CN"/>
+          </a:p>
+        </p:txBody>
+      </p:sp>
+      <p:sp>
+        <p:nvSpPr>
+          <p:cNvPr id="3" name="内容占位符 2"/>
+          <p:cNvSpPr>
+            <a:spLocks noGrp="1"/>
+          </p:cNvSpPr>
+          <p:nvPr>
+            <p:ph idx="1"/>
+          </p:nvPr>
+        </p:nvSpPr>
+        <p:spPr/>
+        <p:txBody>
+          <a:bodyPr/>
+          <a:p>
+            <a:r>
+              <a:rPr lang="en-US" altLang="zh-CN"/>
+              <a:t>Type</a:t>
+            </a:r>
+            <a:endParaRPr lang="en-US" altLang="zh-CN"/>
+          </a:p>
+          <a:p>
+            <a:pPr lvl="1"/>
+            <a:r>
+              <a:rPr lang="zh-CN" altLang="en-US"/>
+              <a:t>BasicMessageChannel：用于传递字符串和半结构化的信息</a:t>
+            </a:r>
+            <a:endParaRPr lang="zh-CN" altLang="en-US"/>
+          </a:p>
+          <a:p>
+            <a:pPr lvl="1"/>
+            <a:r>
+              <a:rPr lang="zh-CN" altLang="en-US"/>
+              <a:t>MethodChannel：用于传递方法调用（method invocation）</a:t>
+            </a:r>
+            <a:r>
+              <a:rPr lang="en-US" altLang="zh-CN"/>
+              <a:t>,非线程安全的</a:t>
+            </a:r>
+            <a:endParaRPr lang="en-US" altLang="zh-CN"/>
+          </a:p>
+          <a:p>
+            <a:pPr lvl="1"/>
+            <a:r>
+              <a:rPr lang="zh-CN" altLang="en-US"/>
+              <a:t>EventChannel: 用于数据流（event streams）的通信</a:t>
+            </a:r>
+            <a:endParaRPr lang="zh-CN" altLang="en-US"/>
+          </a:p>
+        </p:txBody>
+      </p:sp>
+    </p:spTree>
+    <p:custDataLst>
+      <p:tags r:id="rId1"/>
+    </p:custDataLst>
+  </p:cSld>
+  <p:clrMapOvr>
+    <a:masterClrMapping/>
+  </p:clrMapOvr>
+</p:sld>
+</file>
+
+<file path=ppt/slides/slide15.xml><?xml version="1.0" encoding="utf-8"?>
+<p:sld xmlns:a="http://schemas.openxmlformats.org/drawingml/2006/main" xmlns:r="http://schemas.openxmlformats.org/officeDocument/2006/relationships" xmlns:p="http://schemas.openxmlformats.org/presentationml/2006/main">
+  <p:cSld>
+    <p:spTree>
+      <p:nvGrpSpPr>
+        <p:cNvPr id="1" name=""/>
+        <p:cNvGrpSpPr/>
+        <p:nvPr/>
+      </p:nvGrpSpPr>
+      <p:grpSpPr/>
+      <p:sp>
+        <p:nvSpPr>
+          <p:cNvPr id="2" name="标题 1"/>
+          <p:cNvSpPr>
+            <a:spLocks noGrp="1"/>
+          </p:cNvSpPr>
+          <p:nvPr>
+            <p:ph type="title"/>
+          </p:nvPr>
+        </p:nvSpPr>
+        <p:spPr/>
+        <p:txBody>
+          <a:bodyPr/>
+          <a:p>
+            <a:r>
+              <a:rPr lang="zh-CN" altLang="en-US"/>
+              <a:t>线程管理</a:t>
+            </a:r>
+            <a:endParaRPr lang="zh-CN" altLang="en-US"/>
+          </a:p>
+        </p:txBody>
+      </p:sp>
+      <p:pic>
+        <p:nvPicPr>
+          <p:cNvPr id="103" name="图片 102"/>
+          <p:cNvPicPr/>
+          <p:nvPr/>
+        </p:nvPicPr>
+        <p:blipFill>
+          <a:blip r:embed="rId1"/>
+          <a:stretch>
+            <a:fillRect/>
+          </a:stretch>
+        </p:blipFill>
+        <p:spPr>
+          <a:xfrm>
+            <a:off x="2424113" y="1562100"/>
+            <a:ext cx="6962775" cy="3352800"/>
           </a:xfrm>
           <a:prstGeom prst="rect">
             <a:avLst/>
@@ -4532,6 +4364,6180 @@
 </p:sld>
 </file>
 
+<file path=ppt/slides/slide16.xml><?xml version="1.0" encoding="utf-8"?>
+<p:sld xmlns:a="http://schemas.openxmlformats.org/drawingml/2006/main" xmlns:r="http://schemas.openxmlformats.org/officeDocument/2006/relationships" xmlns:p="http://schemas.openxmlformats.org/presentationml/2006/main">
+  <p:cSld>
+    <p:spTree>
+      <p:nvGrpSpPr>
+        <p:cNvPr id="1" name=""/>
+        <p:cNvGrpSpPr/>
+        <p:nvPr/>
+      </p:nvGrpSpPr>
+      <p:grpSpPr/>
+      <p:sp>
+        <p:nvSpPr>
+          <p:cNvPr id="2" name="标题 1"/>
+          <p:cNvSpPr>
+            <a:spLocks noGrp="1"/>
+          </p:cNvSpPr>
+          <p:nvPr>
+            <p:ph type="title"/>
+          </p:nvPr>
+        </p:nvSpPr>
+        <p:spPr/>
+        <p:txBody>
+          <a:bodyPr/>
+          <a:p>
+            <a:r>
+              <a:rPr lang="en-US" altLang="zh-CN"/>
+              <a:t>Integrate Python Module</a:t>
+            </a:r>
+            <a:endParaRPr lang="en-US" altLang="zh-CN"/>
+          </a:p>
+        </p:txBody>
+      </p:sp>
+      <p:sp>
+        <p:nvSpPr>
+          <p:cNvPr id="3" name="内容占位符 2"/>
+          <p:cNvSpPr>
+            <a:spLocks noGrp="1"/>
+          </p:cNvSpPr>
+          <p:nvPr>
+            <p:ph idx="1"/>
+          </p:nvPr>
+        </p:nvSpPr>
+        <p:spPr>
+          <a:xfrm>
+            <a:off x="838200" y="1211580"/>
+            <a:ext cx="5170170" cy="4549140"/>
+          </a:xfrm>
+        </p:spPr>
+        <p:txBody>
+          <a:bodyPr/>
+          <a:p>
+            <a:r>
+              <a:rPr lang="en-US" altLang="zh-CN"/>
+              <a:t>gRPC server</a:t>
+            </a:r>
+            <a:endParaRPr lang="en-US" altLang="zh-CN"/>
+          </a:p>
+          <a:p>
+            <a:pPr lvl="1"/>
+            <a:r>
+              <a:rPr lang="en-US" altLang="zh-CN"/>
+              <a:t>https://dev.to/maximsaplin/integrating-flutter-all-6-platforms-and-python-a-comprehensive-guide-4ipo</a:t>
+            </a:r>
+            <a:endParaRPr lang="en-US" altLang="zh-CN"/>
+          </a:p>
+          <a:p>
+            <a:pPr lvl="0"/>
+            <a:r>
+              <a:rPr lang="en-US" altLang="zh-CN"/>
+              <a:t>python_ffi</a:t>
+            </a:r>
+            <a:endParaRPr lang="en-US" altLang="zh-CN"/>
+          </a:p>
+          <a:p>
+            <a:pPr lvl="1"/>
+            <a:r>
+              <a:rPr lang="en-US" altLang="zh-CN"/>
+              <a:t>https://pub.dev/documentation/python_ffi/latest/</a:t>
+            </a:r>
+            <a:endParaRPr lang="en-US" altLang="zh-CN"/>
+          </a:p>
+          <a:p>
+            <a:pPr lvl="0"/>
+            <a:r>
+              <a:rPr lang="en-US" altLang="zh-CN"/>
+              <a:t>DartPy</a:t>
+            </a:r>
+            <a:endParaRPr lang="en-US" altLang="zh-CN"/>
+          </a:p>
+        </p:txBody>
+      </p:sp>
+      <p:pic>
+        <p:nvPicPr>
+          <p:cNvPr id="101" name="图片 100"/>
+          <p:cNvPicPr/>
+          <p:nvPr/>
+        </p:nvPicPr>
+        <p:blipFill>
+          <a:blip r:embed="rId1"/>
+          <a:stretch>
+            <a:fillRect/>
+          </a:stretch>
+        </p:blipFill>
+        <p:spPr>
+          <a:xfrm>
+            <a:off x="6677025" y="914400"/>
+            <a:ext cx="5219700" cy="4762500"/>
+          </a:xfrm>
+          <a:prstGeom prst="rect">
+            <a:avLst/>
+          </a:prstGeom>
+          <a:noFill/>
+          <a:ln w="9525">
+            <a:noFill/>
+          </a:ln>
+        </p:spPr>
+      </p:pic>
+    </p:spTree>
+    <p:custDataLst>
+      <p:tags r:id="rId2"/>
+    </p:custDataLst>
+  </p:cSld>
+  <p:clrMapOvr>
+    <a:masterClrMapping/>
+  </p:clrMapOvr>
+</p:sld>
+</file>
+
+<file path=ppt/slides/slide17.xml><?xml version="1.0" encoding="utf-8"?>
+<p:sld xmlns:a="http://schemas.openxmlformats.org/drawingml/2006/main" xmlns:r="http://schemas.openxmlformats.org/officeDocument/2006/relationships" xmlns:p="http://schemas.openxmlformats.org/presentationml/2006/main">
+  <p:cSld>
+    <p:spTree>
+      <p:nvGrpSpPr>
+        <p:cNvPr id="1" name=""/>
+        <p:cNvGrpSpPr/>
+        <p:nvPr/>
+      </p:nvGrpSpPr>
+      <p:grpSpPr/>
+      <p:sp>
+        <p:nvSpPr>
+          <p:cNvPr id="2" name="标题 1"/>
+          <p:cNvSpPr>
+            <a:spLocks noGrp="1"/>
+          </p:cNvSpPr>
+          <p:nvPr>
+            <p:ph type="title"/>
+          </p:nvPr>
+        </p:nvSpPr>
+        <p:spPr/>
+        <p:txBody>
+          <a:bodyPr/>
+          <a:p>
+            <a:r>
+              <a:rPr lang="en-US" altLang="zh-CN"/>
+              <a:t>Packages</a:t>
+            </a:r>
+            <a:endParaRPr lang="en-US" altLang="zh-CN"/>
+          </a:p>
+        </p:txBody>
+      </p:sp>
+      <p:sp>
+        <p:nvSpPr>
+          <p:cNvPr id="3" name="内容占位符 2"/>
+          <p:cNvSpPr>
+            <a:spLocks noGrp="1"/>
+          </p:cNvSpPr>
+          <p:nvPr>
+            <p:ph idx="1"/>
+          </p:nvPr>
+        </p:nvSpPr>
+        <p:spPr>
+          <a:xfrm>
+            <a:off x="838200" y="1211580"/>
+            <a:ext cx="6407150" cy="4549140"/>
+          </a:xfrm>
+        </p:spPr>
+        <p:txBody>
+          <a:bodyPr/>
+          <a:p>
+            <a:r>
+              <a:rPr lang="en-US" altLang="zh-CN"/>
+              <a:t>VideoCompress</a:t>
+            </a:r>
+            <a:endParaRPr lang="en-US" altLang="zh-CN"/>
+          </a:p>
+          <a:p>
+            <a:pPr lvl="1"/>
+            <a:r>
+              <a:rPr lang="zh-CN" altLang="en-US">
+                <a:sym typeface="+mn-ea"/>
+              </a:rPr>
+              <a:t>https://github.com/jonataslaw/VideoCompress</a:t>
+            </a:r>
+            <a:endParaRPr lang="zh-CN" altLang="en-US">
+              <a:sym typeface="+mn-ea"/>
+            </a:endParaRPr>
+          </a:p>
+          <a:p>
+            <a:pPr lvl="1"/>
+            <a:r>
+              <a:rPr lang="zh-CN" altLang="en-US">
+                <a:sym typeface="+mn-ea"/>
+              </a:rPr>
+              <a:t>Could not find com.otaliastudios:transcoder:0.9.1</a:t>
+            </a:r>
+            <a:endParaRPr lang="zh-CN" altLang="en-US">
+              <a:sym typeface="+mn-ea"/>
+            </a:endParaRPr>
+          </a:p>
+          <a:p>
+            <a:pPr lvl="2"/>
+            <a:r>
+              <a:rPr lang="en-US" altLang="zh-CN" sz="1800">
+                <a:sym typeface="+mn-ea"/>
+              </a:rPr>
+              <a:t>modify android/build.gradle, add “</a:t>
+            </a:r>
+            <a:r>
+              <a:rPr lang="zh-CN" altLang="en-US">
+                <a:sym typeface="+mn-ea"/>
+              </a:rPr>
+              <a:t>jcenter()</a:t>
+            </a:r>
+            <a:r>
+              <a:rPr lang="en-US" altLang="zh-CN">
+                <a:sym typeface="+mn-ea"/>
+              </a:rPr>
+              <a:t>” to “repositories”</a:t>
+            </a:r>
+            <a:endParaRPr lang="zh-CN" altLang="en-US">
+              <a:sym typeface="+mn-ea"/>
+            </a:endParaRPr>
+          </a:p>
+          <a:p>
+            <a:pPr lvl="0"/>
+            <a:r>
+              <a:rPr lang="en-US" altLang="zh-CN"/>
+              <a:t>VideoCompressPlus</a:t>
+            </a:r>
+            <a:endParaRPr lang="en-US" altLang="zh-CN"/>
+          </a:p>
+          <a:p>
+            <a:pPr lvl="1"/>
+            <a:r>
+              <a:rPr lang="en-US" altLang="zh-CN"/>
+              <a:t>https://github.com/kamaravichow/VideoCompressPlus</a:t>
+            </a:r>
+            <a:endParaRPr lang="en-US" altLang="zh-CN"/>
+          </a:p>
+          <a:p>
+            <a:pPr lvl="1"/>
+            <a:r>
+              <a:rPr lang="en-US" altLang="zh-CN"/>
+              <a:t>Reason: A property of type 'File' annotated with @Input cannot determine how to interpret the file.</a:t>
+            </a:r>
+            <a:endParaRPr lang="en-US" altLang="zh-CN"/>
+          </a:p>
+        </p:txBody>
+      </p:sp>
+    </p:spTree>
+    <p:custDataLst>
+      <p:tags r:id="rId1"/>
+    </p:custDataLst>
+  </p:cSld>
+  <p:clrMapOvr>
+    <a:masterClrMapping/>
+  </p:clrMapOvr>
+</p:sld>
+</file>
+
+<file path=ppt/slides/slide18.xml><?xml version="1.0" encoding="utf-8"?>
+<p:sld xmlns:a="http://schemas.openxmlformats.org/drawingml/2006/main" xmlns:r="http://schemas.openxmlformats.org/officeDocument/2006/relationships" xmlns:p="http://schemas.openxmlformats.org/presentationml/2006/main">
+  <p:cSld>
+    <p:spTree>
+      <p:nvGrpSpPr>
+        <p:cNvPr id="1" name=""/>
+        <p:cNvGrpSpPr/>
+        <p:nvPr/>
+      </p:nvGrpSpPr>
+      <p:grpSpPr/>
+      <p:sp>
+        <p:nvSpPr>
+          <p:cNvPr id="2" name="标题 1"/>
+          <p:cNvSpPr>
+            <a:spLocks noGrp="1"/>
+          </p:cNvSpPr>
+          <p:nvPr>
+            <p:ph type="title"/>
+          </p:nvPr>
+        </p:nvSpPr>
+        <p:spPr/>
+        <p:txBody>
+          <a:bodyPr/>
+          <a:p>
+            <a:r>
+              <a:rPr lang="en-US" altLang="zh-CN"/>
+              <a:t>Animation</a:t>
+            </a:r>
+            <a:endParaRPr lang="en-US" altLang="zh-CN"/>
+          </a:p>
+        </p:txBody>
+      </p:sp>
+      <p:sp>
+        <p:nvSpPr>
+          <p:cNvPr id="3" name="内容占位符 2"/>
+          <p:cNvSpPr>
+            <a:spLocks noGrp="1"/>
+          </p:cNvSpPr>
+          <p:nvPr>
+            <p:ph idx="1"/>
+          </p:nvPr>
+        </p:nvSpPr>
+        <p:spPr>
+          <a:xfrm>
+            <a:off x="838200" y="1211580"/>
+            <a:ext cx="6666230" cy="4549140"/>
+          </a:xfrm>
+        </p:spPr>
+        <p:txBody>
+          <a:bodyPr/>
+          <a:p>
+            <a:r>
+              <a:rPr lang="en-US" altLang="zh-CN"/>
+              <a:t>References</a:t>
+            </a:r>
+            <a:endParaRPr lang="en-US" altLang="zh-CN"/>
+          </a:p>
+          <a:p>
+            <a:pPr lvl="1"/>
+            <a:r>
+              <a:rPr lang="en-US" altLang="zh-CN"/>
+              <a:t>https://docs.flutter.dev/ui/animations</a:t>
+            </a:r>
+            <a:endParaRPr lang="en-US" altLang="zh-CN"/>
+          </a:p>
+          <a:p>
+            <a:pPr lvl="0"/>
+            <a:r>
+              <a:rPr lang="en-US" altLang="zh-CN"/>
+              <a:t>Intro</a:t>
+            </a:r>
+            <a:endParaRPr lang="en-US" altLang="zh-CN"/>
+          </a:p>
+          <a:p>
+            <a:pPr lvl="1"/>
+            <a:r>
+              <a:rPr lang="en-US" altLang="zh-CN"/>
+              <a:t>types: tween animation, physics-based animation, pre-canned animation</a:t>
+            </a:r>
+            <a:endParaRPr lang="en-US" altLang="zh-CN"/>
+          </a:p>
+          <a:p>
+            <a:pPr lvl="1"/>
+            <a:r>
+              <a:rPr lang="en-US" altLang="zh-CN"/>
+              <a:t>import package:flutter/animation.dart</a:t>
+            </a:r>
+            <a:endParaRPr lang="en-US" altLang="zh-CN"/>
+          </a:p>
+        </p:txBody>
+      </p:sp>
+      <p:pic>
+        <p:nvPicPr>
+          <p:cNvPr id="4" name="curve_ease_out_cubic">
+            <a:hlinkClick r:id="" action="ppaction://media"/>
+          </p:cNvPr>
+          <p:cNvPicPr/>
+          <p:nvPr>
+            <a:videoFile r:link="rId1"/>
+            <p:extLst>
+              <p:ext uri="{DAA4B4D4-6D71-4841-9C94-3DE7FCFB9230}">
+                <p14:media xmlns:p14="http://schemas.microsoft.com/office/powerpoint/2010/main" r:embed="rId2"/>
+              </p:ext>
+            </p:extLst>
+          </p:nvPr>
+        </p:nvPicPr>
+        <p:blipFill>
+          <a:blip r:embed="rId3"/>
+          <a:stretch>
+            <a:fillRect/>
+          </a:stretch>
+        </p:blipFill>
+        <p:spPr>
+          <a:xfrm>
+            <a:off x="8197850" y="1127125"/>
+            <a:ext cx="3535680" cy="1463040"/>
+          </a:xfrm>
+          <a:prstGeom prst="rect">
+            <a:avLst/>
+          </a:prstGeom>
+        </p:spPr>
+      </p:pic>
+    </p:spTree>
+    <p:custDataLst>
+      <p:tags r:id="rId4"/>
+    </p:custDataLst>
+  </p:cSld>
+  <p:clrMapOvr>
+    <a:masterClrMapping/>
+  </p:clrMapOvr>
+  <p:timing>
+    <p:tnLst>
+      <p:par>
+        <p:cTn id="1" dur="indefinite" restart="never" nodeType="tmRoot">
+          <p:childTnLst>
+            <p:video fullScrn="0">
+              <p:cMediaNode>
+                <p:cTn id="2" fill="hold" display="1">
+                  <p:stCondLst>
+                    <p:cond delay="indefinite"/>
+                  </p:stCondLst>
+                </p:cTn>
+                <p:tgtEl>
+                  <p:spTgt spid="4"/>
+                </p:tgtEl>
+              </p:cMediaNode>
+            </p:video>
+          </p:childTnLst>
+        </p:cTn>
+      </p:par>
+    </p:tnLst>
+  </p:timing>
+</p:sld>
+</file>
+
+<file path=ppt/slides/slide19.xml><?xml version="1.0" encoding="utf-8"?>
+<p:sld xmlns:a="http://schemas.openxmlformats.org/drawingml/2006/main" xmlns:r="http://schemas.openxmlformats.org/officeDocument/2006/relationships" xmlns:p="http://schemas.openxmlformats.org/presentationml/2006/main">
+  <p:cSld>
+    <p:spTree>
+      <p:nvGrpSpPr>
+        <p:cNvPr id="1" name=""/>
+        <p:cNvGrpSpPr/>
+        <p:nvPr/>
+      </p:nvGrpSpPr>
+      <p:grpSpPr/>
+      <p:sp>
+        <p:nvSpPr>
+          <p:cNvPr id="2" name="标题 1"/>
+          <p:cNvSpPr>
+            <a:spLocks noGrp="1"/>
+          </p:cNvSpPr>
+          <p:nvPr>
+            <p:ph type="title"/>
+          </p:nvPr>
+        </p:nvSpPr>
+        <p:spPr/>
+        <p:txBody>
+          <a:bodyPr/>
+          <a:p>
+            <a:r>
+              <a:rPr lang="en-US" altLang="zh-CN"/>
+              <a:t>FAQ</a:t>
+            </a:r>
+            <a:endParaRPr lang="en-US" altLang="zh-CN"/>
+          </a:p>
+        </p:txBody>
+      </p:sp>
+      <p:sp>
+        <p:nvSpPr>
+          <p:cNvPr id="3" name="内容占位符 2"/>
+          <p:cNvSpPr>
+            <a:spLocks noGrp="1"/>
+          </p:cNvSpPr>
+          <p:nvPr>
+            <p:ph idx="1"/>
+          </p:nvPr>
+        </p:nvSpPr>
+        <p:spPr>
+          <a:xfrm>
+            <a:off x="838200" y="1211580"/>
+            <a:ext cx="5804535" cy="5304790"/>
+          </a:xfrm>
+        </p:spPr>
+        <p:txBody>
+          <a:bodyPr>
+            <a:normAutofit fontScale="90000"/>
+          </a:bodyPr>
+          <a:p>
+            <a:r>
+              <a:rPr lang="en-US" altLang="zh-CN" sz="1800"/>
+              <a:t>Got TLS error trying to find package...</a:t>
+            </a:r>
+            <a:endParaRPr lang="en-US" altLang="zh-CN" sz="1800"/>
+          </a:p>
+          <a:p>
+            <a:pPr lvl="1"/>
+            <a:r>
+              <a:rPr lang="en-US" altLang="zh-CN" sz="1775"/>
+              <a:t>Add env variables</a:t>
+            </a:r>
+            <a:endParaRPr lang="en-US" altLang="zh-CN" sz="1775"/>
+          </a:p>
+          <a:p>
+            <a:pPr lvl="2"/>
+            <a:r>
+              <a:rPr lang="en-US" altLang="zh-CN" sz="1400"/>
+              <a:t>PUB_HOSTED_URL=https://mirrors.tuna.tsinghua.edu.cn/dart-pub</a:t>
+            </a:r>
+            <a:endParaRPr lang="en-US" altLang="zh-CN" sz="1400"/>
+          </a:p>
+          <a:p>
+            <a:pPr lvl="2"/>
+            <a:r>
+              <a:rPr lang="en-US" altLang="zh-CN" sz="1400"/>
+              <a:t>FLUTTER_STORAGE_BASE_URL=https://mirrors.tuna.tsinghua.edu.cn/flutter</a:t>
+            </a:r>
+            <a:endParaRPr lang="en-US" altLang="zh-CN" sz="1400"/>
+          </a:p>
+          <a:p>
+            <a:pPr lvl="0"/>
+            <a:r>
+              <a:rPr lang="en-US" altLang="zh-CN" sz="2160"/>
+              <a:t>Unable to find valid certification path to requested target</a:t>
+            </a:r>
+            <a:endParaRPr lang="en-US" altLang="zh-CN" sz="2160"/>
+          </a:p>
+          <a:p>
+            <a:pPr lvl="1"/>
+            <a:r>
+              <a:rPr lang="en-US" altLang="zh-CN" sz="1775"/>
+              <a:t>Solution</a:t>
+            </a:r>
+            <a:endParaRPr lang="en-US" altLang="zh-CN" sz="1775"/>
+          </a:p>
+          <a:p>
+            <a:pPr lvl="0"/>
+            <a:r>
+              <a:rPr lang="en-US" altLang="zh-CN" sz="2160"/>
+              <a:t>Can't load Kernel binary: Invalid kernel binary format version.</a:t>
+            </a:r>
+            <a:endParaRPr lang="en-US" altLang="zh-CN" sz="2160"/>
+          </a:p>
+          <a:p>
+            <a:pPr lvl="0"/>
+            <a:r>
+              <a:rPr lang="en-US" altLang="zh-CN" sz="2130"/>
+              <a:t>Could not initialize class org.codehaus.groovy.runtime.InvokerHelper</a:t>
+            </a:r>
+            <a:endParaRPr lang="en-US" altLang="zh-CN" sz="2130"/>
+          </a:p>
+          <a:p>
+            <a:pPr lvl="1"/>
+            <a:r>
+              <a:rPr lang="en-US" altLang="zh-CN" sz="1775"/>
+              <a:t>Java/gradle compatibility</a:t>
+            </a:r>
+            <a:endParaRPr lang="en-US" altLang="zh-CN" sz="1775"/>
+          </a:p>
+          <a:p>
+            <a:pPr lvl="2"/>
+            <a:r>
+              <a:rPr lang="en-US" altLang="zh-CN" sz="1600"/>
+              <a:t>https://docs.gradle.org/current/userguide/compatibility.html#java</a:t>
+            </a:r>
+            <a:endParaRPr lang="en-US" altLang="zh-CN" sz="1600"/>
+          </a:p>
+          <a:p>
+            <a:pPr lvl="2"/>
+            <a:r>
+              <a:rPr lang="en-US" altLang="zh-CN" sz="1600"/>
+              <a:t>flutter docter --verbose // check Java version in Flutter</a:t>
+            </a:r>
+            <a:endParaRPr lang="en-US" altLang="zh-CN" sz="1600"/>
+          </a:p>
+          <a:p>
+            <a:pPr lvl="2"/>
+            <a:r>
+              <a:rPr lang="en-US" altLang="zh-CN" sz="1600">
+                <a:sym typeface="+mn-ea"/>
+              </a:rPr>
+              <a:t>Edit android\gradle\wrapper\gradle-wrapper.properties</a:t>
+            </a:r>
+            <a:endParaRPr lang="en-US" altLang="zh-CN" sz="1600"/>
+          </a:p>
+          <a:p>
+            <a:pPr lvl="3"/>
+            <a:r>
+              <a:rPr lang="en-US" altLang="zh-CN" sz="1300">
+                <a:sym typeface="+mn-ea"/>
+              </a:rPr>
+              <a:t>distributionUrl=https\://services.gradle.org/distributions/gradle-</a:t>
+            </a:r>
+            <a:r>
+              <a:rPr lang="en-US" altLang="zh-CN" sz="1300" i="1">
+                <a:sym typeface="+mn-ea"/>
+              </a:rPr>
+              <a:t>{7.3}</a:t>
+            </a:r>
+            <a:r>
+              <a:rPr lang="en-US" altLang="zh-CN" sz="1300">
+                <a:sym typeface="+mn-ea"/>
+              </a:rPr>
+              <a:t>-all.zip</a:t>
+            </a:r>
+            <a:endParaRPr lang="en-US" altLang="zh-CN" sz="1300"/>
+          </a:p>
+          <a:p>
+            <a:pPr lvl="2"/>
+            <a:endParaRPr lang="en-US" altLang="zh-CN" sz="1300"/>
+          </a:p>
+        </p:txBody>
+      </p:sp>
+      <p:pic>
+        <p:nvPicPr>
+          <p:cNvPr id="108" name="图片 107"/>
+          <p:cNvPicPr/>
+          <p:nvPr/>
+        </p:nvPicPr>
+        <p:blipFill>
+          <a:blip r:embed="rId1"/>
+          <a:stretch>
+            <a:fillRect/>
+          </a:stretch>
+        </p:blipFill>
+        <p:spPr>
+          <a:xfrm>
+            <a:off x="6718935" y="1061720"/>
+            <a:ext cx="5067300" cy="4189095"/>
+          </a:xfrm>
+          <a:prstGeom prst="rect">
+            <a:avLst/>
+          </a:prstGeom>
+          <a:noFill/>
+          <a:ln w="9525">
+            <a:noFill/>
+          </a:ln>
+        </p:spPr>
+      </p:pic>
+    </p:spTree>
+    <p:custDataLst>
+      <p:tags r:id="rId2"/>
+    </p:custDataLst>
+  </p:cSld>
+  <p:clrMapOvr>
+    <a:masterClrMapping/>
+  </p:clrMapOvr>
+</p:sld>
+</file>
+
+<file path=ppt/slides/slide2.xml><?xml version="1.0" encoding="utf-8"?>
+<p:sld xmlns:a="http://schemas.openxmlformats.org/drawingml/2006/main" xmlns:r="http://schemas.openxmlformats.org/officeDocument/2006/relationships" xmlns:p="http://schemas.openxmlformats.org/presentationml/2006/main">
+  <p:cSld>
+    <p:spTree>
+      <p:nvGrpSpPr>
+        <p:cNvPr id="1" name=""/>
+        <p:cNvGrpSpPr/>
+        <p:nvPr/>
+      </p:nvGrpSpPr>
+      <p:grpSpPr/>
+      <p:sp>
+        <p:nvSpPr>
+          <p:cNvPr id="2" name="标题 1"/>
+          <p:cNvSpPr>
+            <a:spLocks noGrp="1"/>
+          </p:cNvSpPr>
+          <p:nvPr>
+            <p:ph type="title"/>
+          </p:nvPr>
+        </p:nvSpPr>
+        <p:spPr/>
+        <p:txBody>
+          <a:bodyPr/>
+          <a:p>
+            <a:r>
+              <a:rPr lang="en-US" altLang="zh-CN"/>
+              <a:t>Change History</a:t>
+            </a:r>
+            <a:endParaRPr lang="en-US" altLang="zh-CN"/>
+          </a:p>
+        </p:txBody>
+      </p:sp>
+      <p:sp>
+        <p:nvSpPr>
+          <p:cNvPr id="3" name="内容占位符 2"/>
+          <p:cNvSpPr>
+            <a:spLocks noGrp="1"/>
+          </p:cNvSpPr>
+          <p:nvPr>
+            <p:ph idx="1"/>
+          </p:nvPr>
+        </p:nvSpPr>
+        <p:spPr/>
+        <p:txBody>
+          <a:bodyPr/>
+          <a:p>
+            <a:r>
+              <a:rPr lang="en-US" altLang="zh-CN"/>
+              <a:t>11/10/2021</a:t>
+            </a:r>
+            <a:endParaRPr lang="en-US" altLang="zh-CN"/>
+          </a:p>
+          <a:p>
+            <a:pPr lvl="1"/>
+            <a:r>
+              <a:rPr lang="en-US" altLang="zh-CN"/>
+              <a:t>Added audio codec conversion</a:t>
+            </a:r>
+            <a:endParaRPr lang="en-US" altLang="zh-CN"/>
+          </a:p>
+        </p:txBody>
+      </p:sp>
+    </p:spTree>
+    <p:custDataLst>
+      <p:tags r:id="rId1"/>
+    </p:custDataLst>
+  </p:cSld>
+  <p:clrMapOvr>
+    <a:masterClrMapping/>
+  </p:clrMapOvr>
+</p:sld>
+</file>
+
+<file path=ppt/slides/slide20.xml><?xml version="1.0" encoding="utf-8"?>
+<p:sld xmlns:a="http://schemas.openxmlformats.org/drawingml/2006/main" xmlns:r="http://schemas.openxmlformats.org/officeDocument/2006/relationships" xmlns:p="http://schemas.openxmlformats.org/presentationml/2006/main">
+  <p:cSld>
+    <p:spTree>
+      <p:nvGrpSpPr>
+        <p:cNvPr id="1" name=""/>
+        <p:cNvGrpSpPr/>
+        <p:nvPr/>
+      </p:nvGrpSpPr>
+      <p:grpSpPr/>
+      <p:sp>
+        <p:nvSpPr>
+          <p:cNvPr id="2" name="标题 1"/>
+          <p:cNvSpPr>
+            <a:spLocks noGrp="1"/>
+          </p:cNvSpPr>
+          <p:nvPr>
+            <p:ph type="title"/>
+          </p:nvPr>
+        </p:nvSpPr>
+        <p:spPr/>
+        <p:txBody>
+          <a:bodyPr/>
+          <a:p>
+            <a:r>
+              <a:rPr lang="en-US" altLang="zh-CN"/>
+              <a:t>FAQ 2</a:t>
+            </a:r>
+            <a:endParaRPr lang="en-US" altLang="zh-CN"/>
+          </a:p>
+        </p:txBody>
+      </p:sp>
+      <p:sp>
+        <p:nvSpPr>
+          <p:cNvPr id="3" name="内容占位符 2"/>
+          <p:cNvSpPr>
+            <a:spLocks noGrp="1"/>
+          </p:cNvSpPr>
+          <p:nvPr>
+            <p:ph idx="1"/>
+          </p:nvPr>
+        </p:nvSpPr>
+        <p:spPr>
+          <a:xfrm>
+            <a:off x="838200" y="1211580"/>
+            <a:ext cx="7297420" cy="4549140"/>
+          </a:xfrm>
+        </p:spPr>
+        <p:txBody>
+          <a:bodyPr/>
+          <a:p>
+            <a:r>
+              <a:rPr lang="zh-CN" altLang="en-US"/>
+              <a:t>java.lang.NoClassDefFoundError: Could not initialize class org.codehaus.groovy.vmplugin.v7.Java7</a:t>
+            </a:r>
+            <a:endParaRPr lang="zh-CN" altLang="en-US"/>
+          </a:p>
+        </p:txBody>
+      </p:sp>
+    </p:spTree>
+    <p:custDataLst>
+      <p:tags r:id="rId1"/>
+    </p:custDataLst>
+  </p:cSld>
+  <p:clrMapOvr>
+    <a:masterClrMapping/>
+  </p:clrMapOvr>
+</p:sld>
+</file>
+
+<file path=ppt/slides/slide21.xml><?xml version="1.0" encoding="utf-8"?>
+<p:sld xmlns:a="http://schemas.openxmlformats.org/drawingml/2006/main" xmlns:r="http://schemas.openxmlformats.org/officeDocument/2006/relationships" xmlns:p="http://schemas.openxmlformats.org/presentationml/2006/main">
+  <p:cSld>
+    <p:spTree>
+      <p:nvGrpSpPr>
+        <p:cNvPr id="1" name=""/>
+        <p:cNvGrpSpPr/>
+        <p:nvPr/>
+      </p:nvGrpSpPr>
+      <p:grpSpPr/>
+      <p:sp>
+        <p:nvSpPr>
+          <p:cNvPr id="4" name="标题 3"/>
+          <p:cNvSpPr>
+            <a:spLocks noGrp="1"/>
+          </p:cNvSpPr>
+          <p:nvPr>
+            <p:ph type="title"/>
+          </p:nvPr>
+        </p:nvSpPr>
+        <p:spPr/>
+        <p:txBody>
+          <a:bodyPr/>
+          <a:p>
+            <a:r>
+              <a:rPr lang="en-US" altLang="zh-CN"/>
+              <a:t>Dart</a:t>
+            </a:r>
+            <a:endParaRPr lang="en-US" altLang="zh-CN"/>
+          </a:p>
+        </p:txBody>
+      </p:sp>
+      <p:sp>
+        <p:nvSpPr>
+          <p:cNvPr id="5" name="文本占位符 4"/>
+          <p:cNvSpPr>
+            <a:spLocks noGrp="1"/>
+          </p:cNvSpPr>
+          <p:nvPr>
+            <p:ph type="body" idx="1"/>
+          </p:nvPr>
+        </p:nvSpPr>
+        <p:spPr/>
+        <p:txBody>
+          <a:bodyPr/>
+          <a:p>
+            <a:endParaRPr lang="zh-CN" altLang="en-US"/>
+          </a:p>
+        </p:txBody>
+      </p:sp>
+    </p:spTree>
+    <p:custDataLst>
+      <p:tags r:id="rId1"/>
+    </p:custDataLst>
+  </p:cSld>
+  <p:clrMapOvr>
+    <a:masterClrMapping/>
+  </p:clrMapOvr>
+</p:sld>
+</file>
+
+<file path=ppt/slides/slide22.xml><?xml version="1.0" encoding="utf-8"?>
+<p:sld xmlns:a="http://schemas.openxmlformats.org/drawingml/2006/main" xmlns:r="http://schemas.openxmlformats.org/officeDocument/2006/relationships" xmlns:p="http://schemas.openxmlformats.org/presentationml/2006/main">
+  <p:cSld>
+    <p:spTree>
+      <p:nvGrpSpPr>
+        <p:cNvPr id="1" name=""/>
+        <p:cNvGrpSpPr/>
+        <p:nvPr/>
+      </p:nvGrpSpPr>
+      <p:grpSpPr/>
+      <p:sp>
+        <p:nvSpPr>
+          <p:cNvPr id="4" name="标题 3"/>
+          <p:cNvSpPr>
+            <a:spLocks noGrp="1"/>
+          </p:cNvSpPr>
+          <p:nvPr>
+            <p:ph type="title"/>
+          </p:nvPr>
+        </p:nvSpPr>
+        <p:spPr/>
+        <p:txBody>
+          <a:bodyPr/>
+          <a:p>
+            <a:r>
+              <a:rPr lang="en-US" altLang="zh-CN"/>
+              <a:t>References</a:t>
+            </a:r>
+            <a:endParaRPr lang="en-US" altLang="zh-CN"/>
+          </a:p>
+        </p:txBody>
+      </p:sp>
+      <p:sp>
+        <p:nvSpPr>
+          <p:cNvPr id="5" name="内容占位符 4"/>
+          <p:cNvSpPr>
+            <a:spLocks noGrp="1"/>
+          </p:cNvSpPr>
+          <p:nvPr>
+            <p:ph idx="1"/>
+          </p:nvPr>
+        </p:nvSpPr>
+        <p:spPr/>
+        <p:txBody>
+          <a:bodyPr/>
+          <a:p>
+            <a:r>
+              <a:rPr lang="en-US" altLang="zh-CN"/>
+              <a:t>References</a:t>
+            </a:r>
+            <a:endParaRPr lang="en-US" altLang="zh-CN"/>
+          </a:p>
+          <a:p>
+            <a:pPr lvl="1"/>
+            <a:r>
+              <a:rPr lang="en-US" altLang="zh-CN"/>
+              <a:t>https://www.geeksforgeeks.org/dart-tutorial/</a:t>
+            </a:r>
+            <a:endParaRPr lang="en-US" altLang="zh-CN"/>
+          </a:p>
+          <a:p>
+            <a:pPr lvl="1"/>
+            <a:r>
+              <a:rPr lang="en-US" altLang="zh-CN"/>
+              <a:t>https://dart.dev/</a:t>
+            </a:r>
+            <a:endParaRPr lang="en-US" altLang="zh-CN"/>
+          </a:p>
+        </p:txBody>
+      </p:sp>
+    </p:spTree>
+    <p:custDataLst>
+      <p:tags r:id="rId1"/>
+    </p:custDataLst>
+  </p:cSld>
+  <p:clrMapOvr>
+    <a:masterClrMapping/>
+  </p:clrMapOvr>
+</p:sld>
+</file>
+
+<file path=ppt/slides/slide23.xml><?xml version="1.0" encoding="utf-8"?>
+<p:sld xmlns:a="http://schemas.openxmlformats.org/drawingml/2006/main" xmlns:r="http://schemas.openxmlformats.org/officeDocument/2006/relationships" xmlns:p="http://schemas.openxmlformats.org/presentationml/2006/main">
+  <p:cSld>
+    <p:spTree>
+      <p:nvGrpSpPr>
+        <p:cNvPr id="1" name=""/>
+        <p:cNvGrpSpPr/>
+        <p:nvPr/>
+      </p:nvGrpSpPr>
+      <p:grpSpPr/>
+      <p:sp>
+        <p:nvSpPr>
+          <p:cNvPr id="2" name="标题 1"/>
+          <p:cNvSpPr>
+            <a:spLocks noGrp="1"/>
+          </p:cNvSpPr>
+          <p:nvPr>
+            <p:ph type="title"/>
+          </p:nvPr>
+        </p:nvSpPr>
+        <p:spPr/>
+        <p:txBody>
+          <a:bodyPr/>
+          <a:p>
+            <a:r>
+              <a:rPr lang="en-US" altLang="zh-CN"/>
+              <a:t>Install</a:t>
+            </a:r>
+            <a:endParaRPr lang="en-US" altLang="zh-CN"/>
+          </a:p>
+        </p:txBody>
+      </p:sp>
+      <p:sp>
+        <p:nvSpPr>
+          <p:cNvPr id="3" name="内容占位符 2"/>
+          <p:cNvSpPr>
+            <a:spLocks noGrp="1"/>
+          </p:cNvSpPr>
+          <p:nvPr>
+            <p:ph idx="1"/>
+          </p:nvPr>
+        </p:nvSpPr>
+        <p:spPr>
+          <a:xfrm>
+            <a:off x="838200" y="1211580"/>
+            <a:ext cx="4280535" cy="4549140"/>
+          </a:xfrm>
+        </p:spPr>
+        <p:txBody>
+          <a:bodyPr/>
+          <a:p>
+            <a:r>
+              <a:rPr lang="en-US" altLang="zh-CN"/>
+              <a:t>Linux Install Dart</a:t>
+            </a:r>
+            <a:endParaRPr lang="en-US" altLang="zh-CN"/>
+          </a:p>
+          <a:p>
+            <a:pPr lvl="1"/>
+            <a:r>
+              <a:rPr lang="en-US" altLang="zh-CN"/>
+              <a:t>https://dart.dev/get-dart</a:t>
+            </a:r>
+            <a:endParaRPr lang="en-US" altLang="zh-CN"/>
+          </a:p>
+          <a:p>
+            <a:pPr lvl="1"/>
+            <a:r>
+              <a:rPr lang="en-US" altLang="zh-CN"/>
+              <a:t>sudo dpkg -i dart_3.1.2-1_amd64.deb</a:t>
+            </a:r>
+            <a:endParaRPr lang="en-US" altLang="zh-CN"/>
+          </a:p>
+          <a:p>
+            <a:pPr lvl="0"/>
+            <a:r>
+              <a:rPr lang="en-US" altLang="zh-CN"/>
+              <a:t>Windows Install Dart</a:t>
+            </a:r>
+            <a:endParaRPr lang="en-US" altLang="zh-CN"/>
+          </a:p>
+          <a:p>
+            <a:pPr lvl="1"/>
+            <a:r>
+              <a:rPr lang="en-US" altLang="zh-CN"/>
+              <a:t>wget https://storage.googleapis.com/dart-archive/channels/stable/release/</a:t>
+            </a:r>
+            <a:r>
+              <a:rPr lang="en-US" altLang="zh-CN" i="1"/>
+              <a:t>{2.19.0}</a:t>
+            </a:r>
+            <a:r>
+              <a:rPr lang="en-US" altLang="zh-CN"/>
+              <a:t>/sdk/dartsdk-windows-x64-release.zip</a:t>
+            </a:r>
+            <a:endParaRPr lang="en-US" altLang="zh-CN"/>
+          </a:p>
+          <a:p>
+            <a:pPr lvl="1"/>
+            <a:r>
+              <a:rPr lang="en-US" altLang="zh-CN"/>
+              <a:t>extract to $flutter/bin/cache/ with “dart-sdk” folder</a:t>
+            </a:r>
+            <a:endParaRPr lang="en-US" altLang="zh-CN"/>
+          </a:p>
+        </p:txBody>
+      </p:sp>
+      <p:graphicFrame>
+        <p:nvGraphicFramePr>
+          <p:cNvPr id="4" name="表格 3"/>
+          <p:cNvGraphicFramePr/>
+          <p:nvPr>
+            <p:custDataLst>
+              <p:tags r:id="rId1"/>
+            </p:custDataLst>
+          </p:nvPr>
+        </p:nvGraphicFramePr>
+        <p:xfrm>
+          <a:off x="5535295" y="1348105"/>
+          <a:ext cx="5966460" cy="2667000"/>
+        </p:xfrm>
+        <a:graphic>
+          <a:graphicData uri="http://schemas.openxmlformats.org/drawingml/2006/table">
+            <a:tbl>
+              <a:tblPr firstRow="1" bandRow="1">
+                <a:tableStyleId>{5C22544A-7EE6-4342-B048-85BDC9FD1C3A}</a:tableStyleId>
+              </a:tblPr>
+              <a:tblGrid>
+                <a:gridCol w="1939290"/>
+                <a:gridCol w="4027170"/>
+              </a:tblGrid>
+              <a:tr h="381000">
+                <a:tc>
+                  <a:txBody>
+                    <a:bodyPr/>
+                    <a:p>
+                      <a:pPr algn="ctr">
+                        <a:buNone/>
+                      </a:pPr>
+                      <a:r>
+                        <a:rPr lang="en-US" altLang="zh-CN"/>
+                        <a:t>Command</a:t>
+                      </a:r>
+                      <a:endParaRPr lang="en-US" altLang="zh-CN"/>
+                    </a:p>
+                  </a:txBody>
+                  <a:tcPr anchor="ctr" anchorCtr="0"/>
+                </a:tc>
+                <a:tc>
+                  <a:txBody>
+                    <a:bodyPr/>
+                    <a:p>
+                      <a:pPr algn="ctr">
+                        <a:buNone/>
+                      </a:pPr>
+                      <a:r>
+                        <a:rPr lang="en-US" altLang="zh-CN"/>
+                        <a:t>Note</a:t>
+                      </a:r>
+                      <a:endParaRPr lang="en-US" altLang="zh-CN"/>
+                    </a:p>
+                  </a:txBody>
+                  <a:tcPr anchor="ctr" anchorCtr="0"/>
+                </a:tc>
+              </a:tr>
+              <a:tr h="381000">
+                <a:tc>
+                  <a:txBody>
+                    <a:bodyPr/>
+                    <a:p>
+                      <a:pPr>
+                        <a:buNone/>
+                      </a:pPr>
+                      <a:r>
+                        <a:rPr lang="en-US" altLang="zh-CN"/>
+                        <a:t>dart info</a:t>
+                      </a:r>
+                      <a:endParaRPr lang="en-US" altLang="zh-CN"/>
+                    </a:p>
+                  </a:txBody>
+                  <a:tcPr/>
+                </a:tc>
+                <a:tc>
+                  <a:txBody>
+                    <a:bodyPr/>
+                    <a:p>
+                      <a:pPr>
+                        <a:buNone/>
+                      </a:pPr>
+                      <a:r>
+                        <a:rPr lang="en-US" altLang="zh-CN"/>
+                        <a:t>Show info</a:t>
+                      </a:r>
+                      <a:endParaRPr lang="en-US" altLang="zh-CN"/>
+                    </a:p>
+                  </a:txBody>
+                  <a:tcPr/>
+                </a:tc>
+              </a:tr>
+              <a:tr h="381000">
+                <a:tc>
+                  <a:txBody>
+                    <a:bodyPr/>
+                    <a:p>
+                      <a:pPr>
+                        <a:buNone/>
+                      </a:pPr>
+                      <a:r>
+                        <a:rPr lang="en-US" altLang="zh-CN"/>
+                        <a:t>dart analyze</a:t>
+                      </a:r>
+                      <a:endParaRPr lang="en-US" altLang="zh-CN"/>
+                    </a:p>
+                  </a:txBody>
+                  <a:tcPr/>
+                </a:tc>
+                <a:tc>
+                  <a:txBody>
+                    <a:bodyPr/>
+                    <a:p>
+                      <a:pPr>
+                        <a:buNone/>
+                      </a:pPr>
+                      <a:r>
+                        <a:rPr lang="en-US" altLang="zh-CN"/>
+                        <a:t>Analyze</a:t>
+                      </a:r>
+                      <a:endParaRPr lang="en-US" altLang="zh-CN"/>
+                    </a:p>
+                  </a:txBody>
+                  <a:tcPr/>
+                </a:tc>
+              </a:tr>
+              <a:tr h="381000">
+                <a:tc>
+                  <a:txBody>
+                    <a:bodyPr/>
+                    <a:p>
+                      <a:pPr>
+                        <a:buNone/>
+                      </a:pPr>
+                      <a:r>
+                        <a:rPr lang="en-US" altLang="zh-CN"/>
+                        <a:t>dart pub cache clean</a:t>
+                      </a:r>
+                      <a:endParaRPr lang="en-US" altLang="zh-CN"/>
+                    </a:p>
+                  </a:txBody>
+                  <a:tcPr/>
+                </a:tc>
+                <a:tc>
+                  <a:txBody>
+                    <a:bodyPr/>
+                    <a:p>
+                      <a:pPr>
+                        <a:buNone/>
+                      </a:pPr>
+                      <a:endParaRPr lang="zh-CN" altLang="en-US"/>
+                    </a:p>
+                  </a:txBody>
+                  <a:tcPr/>
+                </a:tc>
+              </a:tr>
+              <a:tr h="381000">
+                <a:tc>
+                  <a:txBody>
+                    <a:bodyPr/>
+                    <a:p>
+                      <a:pPr>
+                        <a:buNone/>
+                      </a:pPr>
+                      <a:endParaRPr lang="zh-CN" altLang="en-US"/>
+                    </a:p>
+                  </a:txBody>
+                  <a:tcPr/>
+                </a:tc>
+                <a:tc>
+                  <a:txBody>
+                    <a:bodyPr/>
+                    <a:p>
+                      <a:pPr>
+                        <a:buNone/>
+                      </a:pPr>
+                      <a:endParaRPr lang="zh-CN" altLang="en-US"/>
+                    </a:p>
+                  </a:txBody>
+                  <a:tcPr/>
+                </a:tc>
+              </a:tr>
+              <a:tr h="381000">
+                <a:tc>
+                  <a:txBody>
+                    <a:bodyPr/>
+                    <a:p>
+                      <a:pPr>
+                        <a:buNone/>
+                      </a:pPr>
+                      <a:endParaRPr lang="zh-CN" altLang="en-US"/>
+                    </a:p>
+                  </a:txBody>
+                  <a:tcPr/>
+                </a:tc>
+                <a:tc>
+                  <a:txBody>
+                    <a:bodyPr/>
+                    <a:p>
+                      <a:pPr>
+                        <a:buNone/>
+                      </a:pPr>
+                      <a:endParaRPr lang="zh-CN" altLang="en-US"/>
+                    </a:p>
+                  </a:txBody>
+                  <a:tcPr/>
+                </a:tc>
+              </a:tr>
+              <a:tr h="381000">
+                <a:tc>
+                  <a:txBody>
+                    <a:bodyPr/>
+                    <a:p>
+                      <a:pPr>
+                        <a:buNone/>
+                      </a:pPr>
+                      <a:endParaRPr lang="zh-CN" altLang="en-US"/>
+                    </a:p>
+                  </a:txBody>
+                  <a:tcPr/>
+                </a:tc>
+                <a:tc>
+                  <a:txBody>
+                    <a:bodyPr/>
+                    <a:p>
+                      <a:pPr>
+                        <a:buNone/>
+                      </a:pPr>
+                      <a:endParaRPr lang="zh-CN" altLang="en-US"/>
+                    </a:p>
+                  </a:txBody>
+                  <a:tcPr/>
+                </a:tc>
+              </a:tr>
+            </a:tbl>
+          </a:graphicData>
+        </a:graphic>
+      </p:graphicFrame>
+    </p:spTree>
+    <p:custDataLst>
+      <p:tags r:id="rId2"/>
+    </p:custDataLst>
+  </p:cSld>
+  <p:clrMapOvr>
+    <a:masterClrMapping/>
+  </p:clrMapOvr>
+</p:sld>
+</file>
+
+<file path=ppt/slides/slide24.xml><?xml version="1.0" encoding="utf-8"?>
+<p:sld xmlns:a="http://schemas.openxmlformats.org/drawingml/2006/main" xmlns:r="http://schemas.openxmlformats.org/officeDocument/2006/relationships" xmlns:p="http://schemas.openxmlformats.org/presentationml/2006/main">
+  <p:cSld>
+    <p:spTree>
+      <p:nvGrpSpPr>
+        <p:cNvPr id="1" name=""/>
+        <p:cNvGrpSpPr/>
+        <p:nvPr/>
+      </p:nvGrpSpPr>
+      <p:grpSpPr/>
+      <p:sp>
+        <p:nvSpPr>
+          <p:cNvPr id="2" name="标题 1"/>
+          <p:cNvSpPr>
+            <a:spLocks noGrp="1"/>
+          </p:cNvSpPr>
+          <p:nvPr>
+            <p:ph type="title"/>
+          </p:nvPr>
+        </p:nvSpPr>
+        <p:spPr/>
+        <p:txBody>
+          <a:bodyPr/>
+          <a:p>
+            <a:r>
+              <a:rPr lang="en-US" altLang="zh-CN"/>
+              <a:t>Basic</a:t>
+            </a:r>
+            <a:endParaRPr lang="en-US" altLang="zh-CN"/>
+          </a:p>
+        </p:txBody>
+      </p:sp>
+      <p:sp>
+        <p:nvSpPr>
+          <p:cNvPr id="3" name="内容占位符 2"/>
+          <p:cNvSpPr>
+            <a:spLocks noGrp="1"/>
+          </p:cNvSpPr>
+          <p:nvPr>
+            <p:ph idx="1"/>
+          </p:nvPr>
+        </p:nvSpPr>
+        <p:spPr>
+          <a:xfrm>
+            <a:off x="838200" y="1211580"/>
+            <a:ext cx="5372100" cy="5200650"/>
+          </a:xfrm>
+        </p:spPr>
+        <p:txBody>
+          <a:bodyPr/>
+          <a:p>
+            <a:r>
+              <a:rPr lang="en-US" altLang="zh-CN" sz="1600"/>
+              <a:t>Data types</a:t>
+            </a:r>
+            <a:endParaRPr lang="en-US" altLang="zh-CN" sz="1600"/>
+          </a:p>
+          <a:p>
+            <a:pPr lvl="1"/>
+            <a:r>
+              <a:rPr lang="en-US" altLang="zh-CN" sz="1400"/>
+              <a:t>int, double, num, </a:t>
+            </a:r>
+            <a:r>
+              <a:rPr lang="en-US" altLang="zh-CN" sz="1400">
+                <a:sym typeface="+mn-ea"/>
+              </a:rPr>
+              <a:t>bool, </a:t>
+            </a:r>
+            <a:r>
+              <a:rPr lang="en-US" altLang="zh-CN" sz="1400"/>
+              <a:t>BigInt</a:t>
+            </a:r>
+            <a:endParaRPr lang="en-US" altLang="zh-CN" sz="1400"/>
+          </a:p>
+          <a:p>
+            <a:pPr lvl="1"/>
+            <a:r>
+              <a:rPr lang="en-US" altLang="zh-CN" sz="1400"/>
+              <a:t>String, </a:t>
+            </a:r>
+            <a:r>
+              <a:rPr lang="en-US" altLang="zh-CN" sz="1400">
+                <a:sym typeface="+mn-ea"/>
+              </a:rPr>
+              <a:t>List, Map</a:t>
+            </a:r>
+            <a:endParaRPr lang="en-US" altLang="zh-CN" sz="1400">
+              <a:sym typeface="+mn-ea"/>
+            </a:endParaRPr>
+          </a:p>
+          <a:p>
+            <a:pPr lvl="1"/>
+            <a:r>
+              <a:rPr lang="en-US" altLang="zh-CN" sz="1400">
+                <a:sym typeface="+mn-ea"/>
+              </a:rPr>
+              <a:t>Set</a:t>
+            </a:r>
+            <a:endParaRPr lang="en-US" altLang="zh-CN" sz="1400">
+              <a:sym typeface="+mn-ea"/>
+            </a:endParaRPr>
+          </a:p>
+          <a:p>
+            <a:pPr lvl="2"/>
+            <a:r>
+              <a:rPr lang="en-US" altLang="zh-CN" sz="1200"/>
+              <a:t>Set&lt;String&gt; gfg2 = {'GeeksForGeeks'};</a:t>
+            </a:r>
+            <a:endParaRPr lang="en-US" altLang="zh-CN" sz="1200"/>
+          </a:p>
+          <a:p>
+            <a:pPr lvl="2"/>
+            <a:r>
+              <a:rPr lang="en-US" altLang="zh-CN" sz="1200"/>
+              <a:t>set1.add(val), set1.addAll(val1, val2)</a:t>
+            </a:r>
+            <a:endParaRPr lang="en-US" altLang="zh-CN" sz="1200"/>
+          </a:p>
+          <a:p>
+            <a:pPr lvl="2"/>
+            <a:r>
+              <a:rPr lang="en-US" altLang="zh-CN" sz="1200"/>
+              <a:t>length(), elementAt(), contains(), remove(), forEach(),clear(), toList()</a:t>
+            </a:r>
+            <a:endParaRPr lang="en-US" altLang="zh-CN" sz="1200"/>
+          </a:p>
+          <a:p>
+            <a:pPr lvl="0"/>
+            <a:r>
+              <a:rPr lang="en-US" altLang="zh-CN" sz="1600"/>
+              <a:t>Control flow</a:t>
+            </a:r>
+            <a:endParaRPr lang="en-US" altLang="zh-CN" sz="1600"/>
+          </a:p>
+          <a:p>
+            <a:pPr lvl="0"/>
+            <a:r>
+              <a:rPr lang="en-US" altLang="zh-CN" sz="1600"/>
+              <a:t>Key functions</a:t>
+            </a:r>
+            <a:endParaRPr lang="en-US" altLang="zh-CN" sz="1600"/>
+          </a:p>
+          <a:p>
+            <a:pPr lvl="1"/>
+            <a:r>
+              <a:rPr lang="en-US" altLang="zh-CN" sz="1400"/>
+              <a:t>Optional named params with default values</a:t>
+            </a:r>
+            <a:endParaRPr lang="en-US" altLang="zh-CN" sz="1400"/>
+          </a:p>
+          <a:p>
+            <a:pPr lvl="2"/>
+            <a:r>
+              <a:rPr lang="en-US" altLang="zh-CN" sz="1200"/>
+              <a:t>void gfg3(int g1, { int g2 : 12 })</a:t>
+            </a:r>
+            <a:endParaRPr lang="en-US" altLang="zh-CN" sz="1200"/>
+          </a:p>
+          <a:p>
+            <a:pPr lvl="1"/>
+            <a:r>
+              <a:rPr lang="en-US" altLang="zh-CN" sz="1400"/>
+              <a:t>lambda function</a:t>
+            </a:r>
+            <a:endParaRPr lang="en-US" altLang="zh-CN" sz="1400"/>
+          </a:p>
+          <a:p>
+            <a:pPr lvl="2"/>
+            <a:r>
+              <a:rPr lang="en-US" altLang="zh-CN" sz="1200"/>
+              <a:t>void gfg() =&gt; print("Welcome to GeeksforGeeks");</a:t>
+            </a:r>
+            <a:endParaRPr lang="en-US" altLang="zh-CN" sz="1200"/>
+          </a:p>
+          <a:p>
+            <a:pPr lvl="1"/>
+            <a:r>
+              <a:rPr lang="en-US" altLang="zh-CN" sz="1400"/>
+              <a:t>anonymous function</a:t>
+            </a:r>
+            <a:endParaRPr lang="en-US" altLang="zh-CN" sz="1400"/>
+          </a:p>
+          <a:p>
+            <a:pPr lvl="2"/>
+            <a:r>
+              <a:rPr lang="en-US" altLang="zh-CN" sz="1200"/>
+              <a:t>(parameter_list) {..}</a:t>
+            </a:r>
+            <a:endParaRPr lang="en-US" altLang="zh-CN" sz="1200"/>
+          </a:p>
+          <a:p>
+            <a:pPr lvl="1"/>
+            <a:r>
+              <a:rPr lang="en-US" altLang="zh-CN" sz="1400"/>
+              <a:t>main(), exit(0)</a:t>
+            </a:r>
+            <a:endParaRPr lang="en-US" altLang="zh-CN" sz="1400"/>
+          </a:p>
+          <a:p>
+            <a:pPr lvl="1"/>
+            <a:r>
+              <a:rPr lang="en-US" altLang="zh-CN" sz="1400"/>
+              <a:t>getter/setter</a:t>
+            </a:r>
+            <a:endParaRPr lang="en-US" altLang="zh-CN" sz="1400"/>
+          </a:p>
+          <a:p>
+            <a:pPr lvl="2"/>
+            <a:r>
+              <a:rPr lang="en-US" altLang="zh-CN" sz="1200"/>
+              <a:t>return_type  get identifier  {}</a:t>
+            </a:r>
+            <a:endParaRPr lang="en-US" altLang="zh-CN" sz="1200"/>
+          </a:p>
+          <a:p>
+            <a:pPr lvl="2"/>
+            <a:r>
+              <a:rPr lang="en-US" altLang="zh-CN" sz="1200"/>
+              <a:t>set identifier {}</a:t>
+            </a:r>
+            <a:endParaRPr lang="en-US" altLang="zh-CN" sz="1200"/>
+          </a:p>
+        </p:txBody>
+      </p:sp>
+      <p:sp>
+        <p:nvSpPr>
+          <p:cNvPr id="4" name="内容占位符 2"/>
+          <p:cNvSpPr>
+            <a:spLocks noGrp="1"/>
+          </p:cNvSpPr>
+          <p:nvPr/>
+        </p:nvSpPr>
+        <p:spPr>
+          <a:xfrm>
+            <a:off x="6345555" y="1211580"/>
+            <a:ext cx="5372100" cy="1430020"/>
+          </a:xfrm>
+          <a:prstGeom prst="rect">
+            <a:avLst/>
+          </a:prstGeom>
+        </p:spPr>
+        <p:txBody>
+          <a:bodyPr vert="horz" lIns="91440" tIns="45720" rIns="91440" bIns="45720" rtlCol="0"/>
+          <a:lstStyle>
+            <a:lvl1pPr marL="342900" indent="-342900" algn="l" defTabSz="914400" rtl="0" eaLnBrk="1" latinLnBrk="0" hangingPunct="1">
+              <a:lnSpc>
+                <a:spcPct val="90000"/>
+              </a:lnSpc>
+              <a:spcBef>
+                <a:spcPts val="1000"/>
+              </a:spcBef>
+              <a:buFont typeface="黑体" panose="02010609060101010101" pitchFamily="49" charset="-122"/>
+              <a:buChar char="〉"/>
+              <a:defRPr sz="2400" kern="1200">
+                <a:solidFill>
+                  <a:schemeClr val="tx1"/>
+                </a:solidFill>
+                <a:latin typeface="+mn-lt"/>
+                <a:ea typeface="+mn-ea"/>
+                <a:cs typeface="+mn-cs"/>
+              </a:defRPr>
+            </a:lvl1pPr>
+            <a:lvl2pPr marL="800100" indent="-342900" algn="l" defTabSz="914400" rtl="0" eaLnBrk="1" latinLnBrk="0" hangingPunct="1">
+              <a:lnSpc>
+                <a:spcPct val="90000"/>
+              </a:lnSpc>
+              <a:spcBef>
+                <a:spcPts val="500"/>
+              </a:spcBef>
+              <a:buFont typeface="Arial" panose="020B0604020202020204" pitchFamily="34" charset="0"/>
+              <a:buChar char="•"/>
+              <a:defRPr sz="2000" kern="1200">
+                <a:solidFill>
+                  <a:schemeClr val="tx1"/>
+                </a:solidFill>
+                <a:latin typeface="+mn-lt"/>
+                <a:ea typeface="+mn-ea"/>
+                <a:cs typeface="+mn-cs"/>
+              </a:defRPr>
+            </a:lvl2pPr>
+            <a:lvl3pPr marL="1257300" indent="-342900" algn="l" defTabSz="914400" rtl="0" eaLnBrk="1" latinLnBrk="0" hangingPunct="1">
+              <a:lnSpc>
+                <a:spcPct val="90000"/>
+              </a:lnSpc>
+              <a:spcBef>
+                <a:spcPts val="500"/>
+              </a:spcBef>
+              <a:buFont typeface="Arial" panose="020B0604020202020204" pitchFamily="34" charset="0"/>
+              <a:buChar char="•"/>
+              <a:defRPr sz="1800" kern="1200">
+                <a:solidFill>
+                  <a:schemeClr val="tx1"/>
+                </a:solidFill>
+                <a:latin typeface="+mn-lt"/>
+                <a:ea typeface="+mn-ea"/>
+                <a:cs typeface="+mn-cs"/>
+              </a:defRPr>
+            </a:lvl3pPr>
+            <a:lvl4pPr marL="1657350" indent="-285750" algn="l" defTabSz="914400" rtl="0" eaLnBrk="1" latinLnBrk="0" hangingPunct="1">
+              <a:lnSpc>
+                <a:spcPct val="90000"/>
+              </a:lnSpc>
+              <a:spcBef>
+                <a:spcPts val="500"/>
+              </a:spcBef>
+              <a:buFont typeface="Arial" panose="020B0604020202020204" pitchFamily="34" charset="0"/>
+              <a:buChar char="•"/>
+              <a:defRPr sz="1800" kern="1200">
+                <a:solidFill>
+                  <a:schemeClr val="tx1"/>
+                </a:solidFill>
+                <a:latin typeface="+mn-lt"/>
+                <a:ea typeface="+mn-ea"/>
+                <a:cs typeface="+mn-cs"/>
+              </a:defRPr>
+            </a:lvl4pPr>
+            <a:lvl5pPr marL="2114550" indent="-285750" algn="l" defTabSz="914400" rtl="0" eaLnBrk="1" latinLnBrk="0" hangingPunct="1">
+              <a:lnSpc>
+                <a:spcPct val="90000"/>
+              </a:lnSpc>
+              <a:spcBef>
+                <a:spcPts val="500"/>
+              </a:spcBef>
+              <a:buFont typeface="Arial" panose="020B0604020202020204" pitchFamily="34" charset="0"/>
+              <a:buChar char="•"/>
+              <a:defRPr sz="1800" kern="1200">
+                <a:solidFill>
+                  <a:schemeClr val="tx1"/>
+                </a:solidFill>
+                <a:latin typeface="+mn-lt"/>
+                <a:ea typeface="+mn-ea"/>
+                <a:cs typeface="+mn-cs"/>
+              </a:defRPr>
+            </a:lvl5pPr>
+            <a:lvl6pPr marL="2514600" indent="-228600" algn="l" defTabSz="914400" rtl="0" eaLnBrk="1" latinLnBrk="0" hangingPunct="1">
+              <a:lnSpc>
+                <a:spcPct val="90000"/>
+              </a:lnSpc>
+              <a:spcBef>
+                <a:spcPts val="500"/>
+              </a:spcBef>
+              <a:buFont typeface="Arial" panose="020B0604020202020204" pitchFamily="34" charset="0"/>
+              <a:buChar char="•"/>
+              <a:defRPr sz="1800" kern="1200">
+                <a:solidFill>
+                  <a:schemeClr val="tx1"/>
+                </a:solidFill>
+                <a:latin typeface="+mn-lt"/>
+                <a:ea typeface="+mn-ea"/>
+                <a:cs typeface="+mn-cs"/>
+              </a:defRPr>
+            </a:lvl6pPr>
+            <a:lvl7pPr marL="2971800" indent="-228600" algn="l" defTabSz="914400" rtl="0" eaLnBrk="1" latinLnBrk="0" hangingPunct="1">
+              <a:lnSpc>
+                <a:spcPct val="90000"/>
+              </a:lnSpc>
+              <a:spcBef>
+                <a:spcPts val="500"/>
+              </a:spcBef>
+              <a:buFont typeface="Arial" panose="020B0604020202020204" pitchFamily="34" charset="0"/>
+              <a:buChar char="•"/>
+              <a:defRPr sz="1800" kern="1200">
+                <a:solidFill>
+                  <a:schemeClr val="tx1"/>
+                </a:solidFill>
+                <a:latin typeface="+mn-lt"/>
+                <a:ea typeface="+mn-ea"/>
+                <a:cs typeface="+mn-cs"/>
+              </a:defRPr>
+            </a:lvl7pPr>
+            <a:lvl8pPr marL="3429000" indent="-228600" algn="l" defTabSz="914400" rtl="0" eaLnBrk="1" latinLnBrk="0" hangingPunct="1">
+              <a:lnSpc>
+                <a:spcPct val="90000"/>
+              </a:lnSpc>
+              <a:spcBef>
+                <a:spcPts val="500"/>
+              </a:spcBef>
+              <a:buFont typeface="Arial" panose="020B0604020202020204" pitchFamily="34" charset="0"/>
+              <a:buChar char="•"/>
+              <a:defRPr sz="1800" kern="1200">
+                <a:solidFill>
+                  <a:schemeClr val="tx1"/>
+                </a:solidFill>
+                <a:latin typeface="+mn-lt"/>
+                <a:ea typeface="+mn-ea"/>
+                <a:cs typeface="+mn-cs"/>
+              </a:defRPr>
+            </a:lvl8pPr>
+            <a:lvl9pPr marL="3886200" indent="-228600" algn="l" defTabSz="914400" rtl="0" eaLnBrk="1" latinLnBrk="0" hangingPunct="1">
+              <a:lnSpc>
+                <a:spcPct val="90000"/>
+              </a:lnSpc>
+              <a:spcBef>
+                <a:spcPts val="500"/>
+              </a:spcBef>
+              <a:buFont typeface="Arial" panose="020B0604020202020204" pitchFamily="34" charset="0"/>
+              <a:buChar char="•"/>
+              <a:defRPr sz="1800" kern="1200">
+                <a:solidFill>
+                  <a:schemeClr val="tx1"/>
+                </a:solidFill>
+                <a:latin typeface="+mn-lt"/>
+                <a:ea typeface="+mn-ea"/>
+                <a:cs typeface="+mn-cs"/>
+              </a:defRPr>
+            </a:lvl9pPr>
+          </a:lstStyle>
+          <a:p>
+            <a:r>
+              <a:rPr lang="en-US" altLang="zh-CN" sz="1800"/>
+              <a:t>Collection functions</a:t>
+            </a:r>
+            <a:endParaRPr lang="en-US" altLang="zh-CN" sz="1800"/>
+          </a:p>
+          <a:p>
+            <a:pPr lvl="1"/>
+            <a:r>
+              <a:rPr lang="en-US" altLang="zh-CN" sz="1600"/>
+              <a:t>isEmpty, isNotEmpty</a:t>
+            </a:r>
+            <a:endParaRPr lang="en-US" altLang="zh-CN" sz="1600"/>
+          </a:p>
+          <a:p>
+            <a:pPr lvl="1"/>
+            <a:r>
+              <a:rPr lang="en-US" altLang="zh-CN" sz="1600"/>
+              <a:t>forEach()</a:t>
+            </a:r>
+            <a:endParaRPr lang="en-US" altLang="zh-CN" sz="1600"/>
+          </a:p>
+          <a:p>
+            <a:pPr lvl="1"/>
+            <a:r>
+              <a:rPr lang="en-US" altLang="zh-CN" sz="1600"/>
+              <a:t>where(), any(), every()</a:t>
+            </a:r>
+            <a:endParaRPr lang="en-US" altLang="zh-CN" sz="1600"/>
+          </a:p>
+        </p:txBody>
+      </p:sp>
+      <p:pic>
+        <p:nvPicPr>
+          <p:cNvPr id="106" name="图片 105"/>
+          <p:cNvPicPr/>
+          <p:nvPr/>
+        </p:nvPicPr>
+        <p:blipFill>
+          <a:blip r:embed="rId1"/>
+          <a:stretch>
+            <a:fillRect/>
+          </a:stretch>
+        </p:blipFill>
+        <p:spPr>
+          <a:xfrm>
+            <a:off x="6210300" y="2642235"/>
+            <a:ext cx="5257800" cy="3859530"/>
+          </a:xfrm>
+          <a:prstGeom prst="rect">
+            <a:avLst/>
+          </a:prstGeom>
+          <a:noFill/>
+          <a:ln w="9525">
+            <a:noFill/>
+          </a:ln>
+        </p:spPr>
+      </p:pic>
+    </p:spTree>
+    <p:custDataLst>
+      <p:tags r:id="rId2"/>
+    </p:custDataLst>
+  </p:cSld>
+  <p:clrMapOvr>
+    <a:masterClrMapping/>
+  </p:clrMapOvr>
+</p:sld>
+</file>
+
+<file path=ppt/slides/slide25.xml><?xml version="1.0" encoding="utf-8"?>
+<p:sld xmlns:a="http://schemas.openxmlformats.org/drawingml/2006/main" xmlns:r="http://schemas.openxmlformats.org/officeDocument/2006/relationships" xmlns:p="http://schemas.openxmlformats.org/presentationml/2006/main">
+  <p:cSld>
+    <p:spTree>
+      <p:nvGrpSpPr>
+        <p:cNvPr id="1" name=""/>
+        <p:cNvGrpSpPr/>
+        <p:nvPr/>
+      </p:nvGrpSpPr>
+      <p:grpSpPr/>
+      <p:sp>
+        <p:nvSpPr>
+          <p:cNvPr id="2" name="标题 1"/>
+          <p:cNvSpPr>
+            <a:spLocks noGrp="1"/>
+          </p:cNvSpPr>
+          <p:nvPr>
+            <p:ph type="title"/>
+          </p:nvPr>
+        </p:nvSpPr>
+        <p:spPr/>
+        <p:txBody>
+          <a:bodyPr/>
+          <a:p>
+            <a:r>
+              <a:rPr lang="en-US" altLang="zh-CN"/>
+              <a:t>Basic 2</a:t>
+            </a:r>
+            <a:endParaRPr lang="en-US" altLang="zh-CN"/>
+          </a:p>
+        </p:txBody>
+      </p:sp>
+      <p:sp>
+        <p:nvSpPr>
+          <p:cNvPr id="3" name="内容占位符 2"/>
+          <p:cNvSpPr>
+            <a:spLocks noGrp="1"/>
+          </p:cNvSpPr>
+          <p:nvPr>
+            <p:ph idx="1"/>
+          </p:nvPr>
+        </p:nvSpPr>
+        <p:spPr>
+          <a:xfrm>
+            <a:off x="838200" y="1211580"/>
+            <a:ext cx="4932680" cy="4549140"/>
+          </a:xfrm>
+        </p:spPr>
+        <p:txBody>
+          <a:bodyPr>
+            <a:normAutofit fontScale="60000"/>
+          </a:bodyPr>
+          <a:p>
+            <a:r>
+              <a:rPr lang="en-US" altLang="zh-CN"/>
+              <a:t>Class</a:t>
+            </a:r>
+            <a:endParaRPr lang="en-US" altLang="zh-CN"/>
+          </a:p>
+          <a:p>
+            <a:pPr lvl="1"/>
+            <a:r>
+              <a:rPr lang="en-US" altLang="zh-CN"/>
+              <a:t>class child_class extends parent_class</a:t>
+            </a:r>
+            <a:endParaRPr lang="en-US" altLang="zh-CN"/>
+          </a:p>
+          <a:p>
+            <a:pPr lvl="0"/>
+            <a:r>
+              <a:rPr lang="en-US" altLang="zh-CN"/>
+              <a:t>Utilities</a:t>
+            </a:r>
+            <a:endParaRPr lang="en-US" altLang="zh-CN"/>
+          </a:p>
+          <a:p>
+            <a:pPr lvl="1"/>
+            <a:r>
+              <a:rPr lang="en-US" altLang="zh-CN"/>
+              <a:t>DateTime</a:t>
+            </a:r>
+            <a:endParaRPr lang="en-US" altLang="zh-CN"/>
+          </a:p>
+          <a:p>
+            <a:pPr lvl="2"/>
+            <a:r>
+              <a:rPr lang="en-US" altLang="zh-CN"/>
+              <a:t>now(), utc()</a:t>
+            </a:r>
+            <a:endParaRPr lang="en-US" altLang="zh-CN"/>
+          </a:p>
+          <a:p>
+            <a:pPr lvl="2"/>
+            <a:r>
+              <a:rPr lang="en-US" altLang="zh-CN"/>
+              <a:t>DateTime.fromMillisecondsSinceEpoch(946684800000, isUtc: true) </a:t>
+            </a:r>
+            <a:endParaRPr lang="en-US" altLang="zh-CN"/>
+          </a:p>
+          <a:p>
+            <a:pPr lvl="2"/>
+            <a:r>
+              <a:rPr lang="en-US" altLang="zh-CN"/>
+              <a:t>DateTime.parse('2000-01-01T00:00:00Z')</a:t>
+            </a:r>
+            <a:endParaRPr lang="en-US" altLang="zh-CN"/>
+          </a:p>
+          <a:p>
+            <a:pPr lvl="2"/>
+            <a:r>
+              <a:rPr lang="en-US" altLang="zh-CN"/>
+              <a:t>add(Duration(days: 366)), subtract(Duration(days: 30)), difference(y2k)</a:t>
+            </a:r>
+            <a:endParaRPr lang="en-US" altLang="zh-CN"/>
+          </a:p>
+          <a:p>
+            <a:pPr lvl="1"/>
+            <a:r>
+              <a:rPr lang="en-US" altLang="zh-CN"/>
+              <a:t>async/await</a:t>
+            </a:r>
+            <a:endParaRPr lang="en-US" altLang="zh-CN"/>
+          </a:p>
+          <a:p>
+            <a:pPr lvl="1"/>
+            <a:r>
+              <a:rPr lang="en-US" altLang="zh-CN"/>
+              <a:t>Iterable: synchronous generator</a:t>
+            </a:r>
+            <a:endParaRPr lang="en-US" altLang="zh-CN"/>
+          </a:p>
+          <a:p>
+            <a:pPr lvl="1"/>
+            <a:r>
+              <a:rPr lang="en-US" altLang="zh-CN"/>
+              <a:t>Stream: asynchronous generator</a:t>
+            </a:r>
+            <a:endParaRPr lang="en-US" altLang="zh-CN"/>
+          </a:p>
+          <a:p>
+            <a:pPr lvl="0"/>
+            <a:r>
+              <a:rPr lang="en-US" altLang="zh-CN"/>
+              <a:t>Exceptions</a:t>
+            </a:r>
+            <a:endParaRPr lang="en-US" altLang="zh-CN"/>
+          </a:p>
+          <a:p>
+            <a:pPr lvl="1"/>
+            <a:r>
+              <a:rPr lang="en-US" altLang="zh-CN"/>
+              <a:t>try/on/catch/finally</a:t>
+            </a:r>
+            <a:endParaRPr lang="en-US" altLang="zh-CN"/>
+          </a:p>
+          <a:p>
+            <a:pPr lvl="0"/>
+            <a:r>
+              <a:rPr lang="en-US" altLang="zh-CN"/>
+              <a:t>Isolate</a:t>
+            </a:r>
+            <a:endParaRPr lang="en-US" altLang="zh-CN"/>
+          </a:p>
+          <a:p>
+            <a:pPr lvl="0"/>
+            <a:r>
+              <a:rPr lang="en-US" altLang="zh-CN"/>
+              <a:t>null safety</a:t>
+            </a:r>
+            <a:endParaRPr lang="en-US" altLang="zh-CN"/>
+          </a:p>
+          <a:p>
+            <a:pPr lvl="1"/>
+            <a:r>
+              <a:rPr lang="en-US" altLang="zh-CN"/>
+              <a:t>non-nullable by default</a:t>
+            </a:r>
+            <a:endParaRPr lang="en-US" altLang="zh-CN"/>
+          </a:p>
+          <a:p>
+            <a:pPr lvl="1"/>
+            <a:r>
+              <a:rPr lang="en-US" altLang="zh-CN"/>
+              <a:t>int? aNullableInt = null;</a:t>
+            </a:r>
+            <a:endParaRPr lang="en-US" altLang="zh-CN"/>
+          </a:p>
+        </p:txBody>
+      </p:sp>
+      <p:pic>
+        <p:nvPicPr>
+          <p:cNvPr id="107" name="图片 106"/>
+          <p:cNvPicPr/>
+          <p:nvPr/>
+        </p:nvPicPr>
+        <p:blipFill>
+          <a:blip r:embed="rId1"/>
+          <a:stretch>
+            <a:fillRect/>
+          </a:stretch>
+        </p:blipFill>
+        <p:spPr>
+          <a:xfrm>
+            <a:off x="5900420" y="454025"/>
+            <a:ext cx="6177915" cy="1853565"/>
+          </a:xfrm>
+          <a:prstGeom prst="rect">
+            <a:avLst/>
+          </a:prstGeom>
+          <a:noFill/>
+          <a:ln w="9525">
+            <a:noFill/>
+          </a:ln>
+        </p:spPr>
+      </p:pic>
+    </p:spTree>
+    <p:custDataLst>
+      <p:tags r:id="rId2"/>
+    </p:custDataLst>
+  </p:cSld>
+  <p:clrMapOvr>
+    <a:masterClrMapping/>
+  </p:clrMapOvr>
+</p:sld>
+</file>
+
+<file path=ppt/slides/slide26.xml><?xml version="1.0" encoding="utf-8"?>
+<p:sld xmlns:a="http://schemas.openxmlformats.org/drawingml/2006/main" xmlns:r="http://schemas.openxmlformats.org/officeDocument/2006/relationships" xmlns:p="http://schemas.openxmlformats.org/presentationml/2006/main">
+  <p:cSld>
+    <p:spTree>
+      <p:nvGrpSpPr>
+        <p:cNvPr id="1" name=""/>
+        <p:cNvGrpSpPr/>
+        <p:nvPr/>
+      </p:nvGrpSpPr>
+      <p:grpSpPr/>
+      <p:sp>
+        <p:nvSpPr>
+          <p:cNvPr id="2" name="标题 1"/>
+          <p:cNvSpPr>
+            <a:spLocks noGrp="1"/>
+          </p:cNvSpPr>
+          <p:nvPr>
+            <p:ph type="title"/>
+          </p:nvPr>
+        </p:nvSpPr>
+        <p:spPr/>
+        <p:txBody>
+          <a:bodyPr/>
+          <a:p>
+            <a:r>
+              <a:rPr lang="en-US" altLang="zh-CN"/>
+              <a:t>Core Libraries</a:t>
+            </a:r>
+            <a:endParaRPr lang="en-US" altLang="zh-CN"/>
+          </a:p>
+        </p:txBody>
+      </p:sp>
+      <p:sp>
+        <p:nvSpPr>
+          <p:cNvPr id="4" name="圆角矩形 3"/>
+          <p:cNvSpPr/>
+          <p:nvPr/>
+        </p:nvSpPr>
+        <p:spPr>
+          <a:xfrm>
+            <a:off x="751205" y="1473200"/>
+            <a:ext cx="3919220" cy="5031740"/>
+          </a:xfrm>
+          <a:prstGeom prst="roundRect">
+            <a:avLst/>
+          </a:prstGeom>
+          <a:noFill/>
+        </p:spPr>
+        <p:style>
+          <a:lnRef idx="2">
+            <a:schemeClr val="accent1">
+              <a:lumMod val="75000"/>
+            </a:schemeClr>
+          </a:lnRef>
+          <a:fillRef idx="1">
+            <a:schemeClr val="accent1"/>
+          </a:fillRef>
+          <a:effectRef idx="0">
+            <a:srgbClr val="FFFFFF"/>
+          </a:effectRef>
+          <a:fontRef idx="minor">
+            <a:schemeClr val="lt1"/>
+          </a:fontRef>
+        </p:style>
+        <p:txBody>
+          <a:bodyPr rtlCol="0" anchor="t" anchorCtr="0"/>
+          <a:p>
+            <a:pPr algn="ctr"/>
+            <a:r>
+              <a:rPr lang="en-US" altLang="zh-CN" sz="2000">
+                <a:solidFill>
+                  <a:schemeClr val="tx1"/>
+                </a:solidFill>
+              </a:rPr>
+              <a:t>Core</a:t>
+            </a:r>
+            <a:endParaRPr lang="en-US" altLang="zh-CN" sz="2000">
+              <a:solidFill>
+                <a:schemeClr val="tx1"/>
+              </a:solidFill>
+            </a:endParaRPr>
+          </a:p>
+        </p:txBody>
+      </p:sp>
+      <p:sp>
+        <p:nvSpPr>
+          <p:cNvPr id="5" name="圆角矩形 4"/>
+          <p:cNvSpPr/>
+          <p:nvPr/>
+        </p:nvSpPr>
+        <p:spPr>
+          <a:xfrm>
+            <a:off x="4876800" y="1473200"/>
+            <a:ext cx="3487420" cy="4547870"/>
+          </a:xfrm>
+          <a:prstGeom prst="roundRect">
+            <a:avLst/>
+          </a:prstGeom>
+          <a:noFill/>
+        </p:spPr>
+        <p:style>
+          <a:lnRef idx="2">
+            <a:schemeClr val="accent1">
+              <a:lumMod val="75000"/>
+            </a:schemeClr>
+          </a:lnRef>
+          <a:fillRef idx="1">
+            <a:schemeClr val="accent1"/>
+          </a:fillRef>
+          <a:effectRef idx="0">
+            <a:srgbClr val="FFFFFF"/>
+          </a:effectRef>
+          <a:fontRef idx="minor">
+            <a:schemeClr val="lt1"/>
+          </a:fontRef>
+        </p:style>
+        <p:txBody>
+          <a:bodyPr rtlCol="0" anchor="t" anchorCtr="0"/>
+          <a:p>
+            <a:pPr algn="ctr"/>
+            <a:r>
+              <a:rPr lang="en-US" altLang="zh-CN" sz="2000">
+                <a:solidFill>
+                  <a:schemeClr val="tx1"/>
+                </a:solidFill>
+              </a:rPr>
+              <a:t>VM</a:t>
+            </a:r>
+            <a:endParaRPr lang="en-US" altLang="zh-CN" sz="2000">
+              <a:solidFill>
+                <a:schemeClr val="tx1"/>
+              </a:solidFill>
+            </a:endParaRPr>
+          </a:p>
+        </p:txBody>
+      </p:sp>
+      <p:sp>
+        <p:nvSpPr>
+          <p:cNvPr id="6" name="圆角矩形 5"/>
+          <p:cNvSpPr/>
+          <p:nvPr/>
+        </p:nvSpPr>
+        <p:spPr>
+          <a:xfrm>
+            <a:off x="8508365" y="1473200"/>
+            <a:ext cx="3487420" cy="5123815"/>
+          </a:xfrm>
+          <a:prstGeom prst="roundRect">
+            <a:avLst/>
+          </a:prstGeom>
+          <a:noFill/>
+        </p:spPr>
+        <p:style>
+          <a:lnRef idx="2">
+            <a:schemeClr val="accent1">
+              <a:lumMod val="75000"/>
+            </a:schemeClr>
+          </a:lnRef>
+          <a:fillRef idx="1">
+            <a:schemeClr val="accent1"/>
+          </a:fillRef>
+          <a:effectRef idx="0">
+            <a:srgbClr val="FFFFFF"/>
+          </a:effectRef>
+          <a:fontRef idx="minor">
+            <a:schemeClr val="lt1"/>
+          </a:fontRef>
+        </p:style>
+        <p:txBody>
+          <a:bodyPr rtlCol="0" anchor="t" anchorCtr="0"/>
+          <a:p>
+            <a:pPr algn="ctr"/>
+            <a:r>
+              <a:rPr lang="en-US" altLang="zh-CN">
+                <a:solidFill>
+                  <a:schemeClr val="tx1"/>
+                </a:solidFill>
+              </a:rPr>
+              <a:t>Web</a:t>
+            </a:r>
+            <a:endParaRPr lang="en-US" altLang="zh-CN">
+              <a:solidFill>
+                <a:schemeClr val="tx1"/>
+              </a:solidFill>
+            </a:endParaRPr>
+          </a:p>
+        </p:txBody>
+      </p:sp>
+      <p:sp>
+        <p:nvSpPr>
+          <p:cNvPr id="7" name="矩形 6"/>
+          <p:cNvSpPr/>
+          <p:nvPr/>
+        </p:nvSpPr>
+        <p:spPr>
+          <a:xfrm>
+            <a:off x="1610360" y="2008505"/>
+            <a:ext cx="2201545" cy="514350"/>
+          </a:xfrm>
+          <a:prstGeom prst="rect">
+            <a:avLst/>
+          </a:prstGeom>
+        </p:spPr>
+        <p:style>
+          <a:lnRef idx="2">
+            <a:schemeClr val="accent1">
+              <a:lumMod val="75000"/>
+            </a:schemeClr>
+          </a:lnRef>
+          <a:fillRef idx="1">
+            <a:schemeClr val="accent1"/>
+          </a:fillRef>
+          <a:effectRef idx="0">
+            <a:srgbClr val="FFFFFF"/>
+          </a:effectRef>
+          <a:fontRef idx="minor">
+            <a:schemeClr val="lt1"/>
+          </a:fontRef>
+        </p:style>
+        <p:txBody>
+          <a:bodyPr rtlCol="0" anchor="ctr"/>
+          <a:p>
+            <a:pPr algn="ctr"/>
+            <a:r>
+              <a:rPr lang="en-US" altLang="zh-CN"/>
+              <a:t>dart:async</a:t>
+            </a:r>
+            <a:endParaRPr lang="en-US" altLang="zh-CN"/>
+          </a:p>
+        </p:txBody>
+      </p:sp>
+      <p:sp>
+        <p:nvSpPr>
+          <p:cNvPr id="8" name="矩形 7"/>
+          <p:cNvSpPr/>
+          <p:nvPr/>
+        </p:nvSpPr>
+        <p:spPr>
+          <a:xfrm>
+            <a:off x="1610360" y="2677160"/>
+            <a:ext cx="2201545" cy="514350"/>
+          </a:xfrm>
+          <a:prstGeom prst="rect">
+            <a:avLst/>
+          </a:prstGeom>
+        </p:spPr>
+        <p:style>
+          <a:lnRef idx="2">
+            <a:schemeClr val="accent1">
+              <a:lumMod val="75000"/>
+            </a:schemeClr>
+          </a:lnRef>
+          <a:fillRef idx="1">
+            <a:schemeClr val="accent1"/>
+          </a:fillRef>
+          <a:effectRef idx="0">
+            <a:srgbClr val="FFFFFF"/>
+          </a:effectRef>
+          <a:fontRef idx="minor">
+            <a:schemeClr val="lt1"/>
+          </a:fontRef>
+        </p:style>
+        <p:txBody>
+          <a:bodyPr rtlCol="0" anchor="ctr"/>
+          <a:p>
+            <a:pPr algn="ctr"/>
+            <a:r>
+              <a:rPr lang="en-US" altLang="zh-CN"/>
+              <a:t>dart:collection</a:t>
+            </a:r>
+            <a:endParaRPr lang="en-US" altLang="zh-CN"/>
+          </a:p>
+        </p:txBody>
+      </p:sp>
+      <p:sp>
+        <p:nvSpPr>
+          <p:cNvPr id="9" name="矩形 8"/>
+          <p:cNvSpPr/>
+          <p:nvPr/>
+        </p:nvSpPr>
+        <p:spPr>
+          <a:xfrm>
+            <a:off x="1610360" y="3345815"/>
+            <a:ext cx="2201545" cy="514350"/>
+          </a:xfrm>
+          <a:prstGeom prst="rect">
+            <a:avLst/>
+          </a:prstGeom>
+        </p:spPr>
+        <p:style>
+          <a:lnRef idx="2">
+            <a:schemeClr val="accent1">
+              <a:lumMod val="75000"/>
+            </a:schemeClr>
+          </a:lnRef>
+          <a:fillRef idx="1">
+            <a:schemeClr val="accent1"/>
+          </a:fillRef>
+          <a:effectRef idx="0">
+            <a:srgbClr val="FFFFFF"/>
+          </a:effectRef>
+          <a:fontRef idx="minor">
+            <a:schemeClr val="lt1"/>
+          </a:fontRef>
+        </p:style>
+        <p:txBody>
+          <a:bodyPr rtlCol="0" anchor="ctr"/>
+          <a:p>
+            <a:pPr algn="ctr"/>
+            <a:r>
+              <a:rPr lang="en-US" altLang="zh-CN"/>
+              <a:t>dart:convert</a:t>
+            </a:r>
+            <a:endParaRPr lang="en-US" altLang="zh-CN"/>
+          </a:p>
+        </p:txBody>
+      </p:sp>
+      <p:sp>
+        <p:nvSpPr>
+          <p:cNvPr id="10" name="矩形 9"/>
+          <p:cNvSpPr/>
+          <p:nvPr/>
+        </p:nvSpPr>
+        <p:spPr>
+          <a:xfrm>
+            <a:off x="1610360" y="4014470"/>
+            <a:ext cx="2201545" cy="514350"/>
+          </a:xfrm>
+          <a:prstGeom prst="rect">
+            <a:avLst/>
+          </a:prstGeom>
+        </p:spPr>
+        <p:style>
+          <a:lnRef idx="2">
+            <a:schemeClr val="accent1">
+              <a:lumMod val="75000"/>
+            </a:schemeClr>
+          </a:lnRef>
+          <a:fillRef idx="1">
+            <a:schemeClr val="accent1"/>
+          </a:fillRef>
+          <a:effectRef idx="0">
+            <a:srgbClr val="FFFFFF"/>
+          </a:effectRef>
+          <a:fontRef idx="minor">
+            <a:schemeClr val="lt1"/>
+          </a:fontRef>
+        </p:style>
+        <p:txBody>
+          <a:bodyPr rtlCol="0" anchor="ctr"/>
+          <a:p>
+            <a:pPr algn="ctr"/>
+            <a:r>
+              <a:rPr lang="en-US" altLang="zh-CN"/>
+              <a:t>dart:core</a:t>
+            </a:r>
+            <a:endParaRPr lang="en-US" altLang="zh-CN"/>
+          </a:p>
+        </p:txBody>
+      </p:sp>
+      <p:sp>
+        <p:nvSpPr>
+          <p:cNvPr id="11" name="矩形 10"/>
+          <p:cNvSpPr/>
+          <p:nvPr/>
+        </p:nvSpPr>
+        <p:spPr>
+          <a:xfrm>
+            <a:off x="1610360" y="4683125"/>
+            <a:ext cx="2201545" cy="514350"/>
+          </a:xfrm>
+          <a:prstGeom prst="rect">
+            <a:avLst/>
+          </a:prstGeom>
+        </p:spPr>
+        <p:style>
+          <a:lnRef idx="2">
+            <a:schemeClr val="accent1">
+              <a:lumMod val="75000"/>
+            </a:schemeClr>
+          </a:lnRef>
+          <a:fillRef idx="1">
+            <a:schemeClr val="accent1"/>
+          </a:fillRef>
+          <a:effectRef idx="0">
+            <a:srgbClr val="FFFFFF"/>
+          </a:effectRef>
+          <a:fontRef idx="minor">
+            <a:schemeClr val="lt1"/>
+          </a:fontRef>
+        </p:style>
+        <p:txBody>
+          <a:bodyPr rtlCol="0" anchor="ctr"/>
+          <a:p>
+            <a:pPr algn="ctr"/>
+            <a:r>
+              <a:rPr lang="en-US" altLang="zh-CN"/>
+              <a:t>dart:developer</a:t>
+            </a:r>
+            <a:endParaRPr lang="en-US" altLang="zh-CN"/>
+          </a:p>
+        </p:txBody>
+      </p:sp>
+      <p:sp>
+        <p:nvSpPr>
+          <p:cNvPr id="12" name="矩形 11"/>
+          <p:cNvSpPr/>
+          <p:nvPr>
+            <p:custDataLst>
+              <p:tags r:id="rId1"/>
+            </p:custDataLst>
+          </p:nvPr>
+        </p:nvSpPr>
+        <p:spPr>
+          <a:xfrm>
+            <a:off x="1610360" y="5293995"/>
+            <a:ext cx="2201545" cy="514350"/>
+          </a:xfrm>
+          <a:prstGeom prst="rect">
+            <a:avLst/>
+          </a:prstGeom>
+        </p:spPr>
+        <p:style>
+          <a:lnRef idx="2">
+            <a:schemeClr val="accent1">
+              <a:lumMod val="75000"/>
+            </a:schemeClr>
+          </a:lnRef>
+          <a:fillRef idx="1">
+            <a:schemeClr val="accent1"/>
+          </a:fillRef>
+          <a:effectRef idx="0">
+            <a:srgbClr val="FFFFFF"/>
+          </a:effectRef>
+          <a:fontRef idx="minor">
+            <a:schemeClr val="lt1"/>
+          </a:fontRef>
+        </p:style>
+        <p:txBody>
+          <a:bodyPr rtlCol="0" anchor="ctr"/>
+          <a:p>
+            <a:pPr algn="ctr"/>
+            <a:r>
+              <a:rPr lang="en-US" altLang="zh-CN"/>
+              <a:t>dart:math</a:t>
+            </a:r>
+            <a:endParaRPr lang="en-US" altLang="zh-CN"/>
+          </a:p>
+        </p:txBody>
+      </p:sp>
+      <p:sp>
+        <p:nvSpPr>
+          <p:cNvPr id="13" name="矩形 12"/>
+          <p:cNvSpPr/>
+          <p:nvPr>
+            <p:custDataLst>
+              <p:tags r:id="rId2"/>
+            </p:custDataLst>
+          </p:nvPr>
+        </p:nvSpPr>
+        <p:spPr>
+          <a:xfrm>
+            <a:off x="1610360" y="5904865"/>
+            <a:ext cx="2201545" cy="514350"/>
+          </a:xfrm>
+          <a:prstGeom prst="rect">
+            <a:avLst/>
+          </a:prstGeom>
+        </p:spPr>
+        <p:style>
+          <a:lnRef idx="2">
+            <a:schemeClr val="accent1">
+              <a:lumMod val="75000"/>
+            </a:schemeClr>
+          </a:lnRef>
+          <a:fillRef idx="1">
+            <a:schemeClr val="accent1"/>
+          </a:fillRef>
+          <a:effectRef idx="0">
+            <a:srgbClr val="FFFFFF"/>
+          </a:effectRef>
+          <a:fontRef idx="minor">
+            <a:schemeClr val="lt1"/>
+          </a:fontRef>
+        </p:style>
+        <p:txBody>
+          <a:bodyPr rtlCol="0" anchor="ctr"/>
+          <a:p>
+            <a:pPr algn="ctr"/>
+            <a:r>
+              <a:rPr lang="en-US" altLang="zh-CN"/>
+              <a:t>dart:typed_data</a:t>
+            </a:r>
+            <a:endParaRPr lang="en-US" altLang="zh-CN"/>
+          </a:p>
+        </p:txBody>
+      </p:sp>
+      <p:sp>
+        <p:nvSpPr>
+          <p:cNvPr id="14" name="矩形 13"/>
+          <p:cNvSpPr/>
+          <p:nvPr>
+            <p:custDataLst>
+              <p:tags r:id="rId3"/>
+            </p:custDataLst>
+          </p:nvPr>
+        </p:nvSpPr>
+        <p:spPr>
+          <a:xfrm>
+            <a:off x="5520055" y="2008505"/>
+            <a:ext cx="2201545" cy="514350"/>
+          </a:xfrm>
+          <a:prstGeom prst="rect">
+            <a:avLst/>
+          </a:prstGeom>
+        </p:spPr>
+        <p:style>
+          <a:lnRef idx="2">
+            <a:schemeClr val="accent1">
+              <a:lumMod val="75000"/>
+            </a:schemeClr>
+          </a:lnRef>
+          <a:fillRef idx="1">
+            <a:schemeClr val="accent1"/>
+          </a:fillRef>
+          <a:effectRef idx="0">
+            <a:srgbClr val="FFFFFF"/>
+          </a:effectRef>
+          <a:fontRef idx="minor">
+            <a:schemeClr val="lt1"/>
+          </a:fontRef>
+        </p:style>
+        <p:txBody>
+          <a:bodyPr rtlCol="0" anchor="ctr"/>
+          <a:p>
+            <a:pPr algn="ctr"/>
+            <a:r>
+              <a:rPr lang="en-US" altLang="zh-CN"/>
+              <a:t>dart:ffi</a:t>
+            </a:r>
+            <a:endParaRPr lang="en-US" altLang="zh-CN"/>
+          </a:p>
+        </p:txBody>
+      </p:sp>
+      <p:sp>
+        <p:nvSpPr>
+          <p:cNvPr id="15" name="矩形 14"/>
+          <p:cNvSpPr/>
+          <p:nvPr>
+            <p:custDataLst>
+              <p:tags r:id="rId4"/>
+            </p:custDataLst>
+          </p:nvPr>
+        </p:nvSpPr>
+        <p:spPr>
+          <a:xfrm>
+            <a:off x="5520055" y="2677160"/>
+            <a:ext cx="2201545" cy="514350"/>
+          </a:xfrm>
+          <a:prstGeom prst="rect">
+            <a:avLst/>
+          </a:prstGeom>
+        </p:spPr>
+        <p:style>
+          <a:lnRef idx="2">
+            <a:schemeClr val="accent1">
+              <a:lumMod val="75000"/>
+            </a:schemeClr>
+          </a:lnRef>
+          <a:fillRef idx="1">
+            <a:schemeClr val="accent1"/>
+          </a:fillRef>
+          <a:effectRef idx="0">
+            <a:srgbClr val="FFFFFF"/>
+          </a:effectRef>
+          <a:fontRef idx="minor">
+            <a:schemeClr val="lt1"/>
+          </a:fontRef>
+        </p:style>
+        <p:txBody>
+          <a:bodyPr rtlCol="0" anchor="ctr"/>
+          <a:p>
+            <a:pPr algn="ctr"/>
+            <a:r>
+              <a:rPr lang="en-US" altLang="zh-CN"/>
+              <a:t>dart:io</a:t>
+            </a:r>
+            <a:endParaRPr lang="en-US" altLang="zh-CN"/>
+          </a:p>
+        </p:txBody>
+      </p:sp>
+      <p:sp>
+        <p:nvSpPr>
+          <p:cNvPr id="16" name="矩形 15"/>
+          <p:cNvSpPr/>
+          <p:nvPr>
+            <p:custDataLst>
+              <p:tags r:id="rId5"/>
+            </p:custDataLst>
+          </p:nvPr>
+        </p:nvSpPr>
+        <p:spPr>
+          <a:xfrm>
+            <a:off x="5520055" y="3345815"/>
+            <a:ext cx="2201545" cy="514350"/>
+          </a:xfrm>
+          <a:prstGeom prst="rect">
+            <a:avLst/>
+          </a:prstGeom>
+        </p:spPr>
+        <p:style>
+          <a:lnRef idx="2">
+            <a:schemeClr val="accent1">
+              <a:lumMod val="75000"/>
+            </a:schemeClr>
+          </a:lnRef>
+          <a:fillRef idx="1">
+            <a:schemeClr val="accent1"/>
+          </a:fillRef>
+          <a:effectRef idx="0">
+            <a:srgbClr val="FFFFFF"/>
+          </a:effectRef>
+          <a:fontRef idx="minor">
+            <a:schemeClr val="lt1"/>
+          </a:fontRef>
+        </p:style>
+        <p:txBody>
+          <a:bodyPr rtlCol="0" anchor="ctr"/>
+          <a:p>
+            <a:pPr algn="ctr"/>
+            <a:r>
+              <a:rPr lang="en-US" altLang="zh-CN"/>
+              <a:t>dart:isolate</a:t>
+            </a:r>
+            <a:endParaRPr lang="en-US" altLang="zh-CN"/>
+          </a:p>
+        </p:txBody>
+      </p:sp>
+      <p:sp>
+        <p:nvSpPr>
+          <p:cNvPr id="17" name="矩形 16"/>
+          <p:cNvSpPr/>
+          <p:nvPr>
+            <p:custDataLst>
+              <p:tags r:id="rId6"/>
+            </p:custDataLst>
+          </p:nvPr>
+        </p:nvSpPr>
+        <p:spPr>
+          <a:xfrm>
+            <a:off x="5488940" y="4014470"/>
+            <a:ext cx="2201545" cy="514350"/>
+          </a:xfrm>
+          <a:prstGeom prst="rect">
+            <a:avLst/>
+          </a:prstGeom>
+        </p:spPr>
+        <p:style>
+          <a:lnRef idx="2">
+            <a:schemeClr val="accent1">
+              <a:lumMod val="75000"/>
+            </a:schemeClr>
+          </a:lnRef>
+          <a:fillRef idx="1">
+            <a:schemeClr val="accent1"/>
+          </a:fillRef>
+          <a:effectRef idx="0">
+            <a:srgbClr val="FFFFFF"/>
+          </a:effectRef>
+          <a:fontRef idx="minor">
+            <a:schemeClr val="lt1"/>
+          </a:fontRef>
+        </p:style>
+        <p:txBody>
+          <a:bodyPr rtlCol="0" anchor="ctr"/>
+          <a:p>
+            <a:pPr algn="ctr"/>
+            <a:r>
+              <a:rPr lang="en-US" altLang="zh-CN"/>
+              <a:t>dart:mirrors</a:t>
+            </a:r>
+            <a:endParaRPr lang="en-US" altLang="zh-CN"/>
+          </a:p>
+        </p:txBody>
+      </p:sp>
+      <p:sp>
+        <p:nvSpPr>
+          <p:cNvPr id="18" name="矩形 17"/>
+          <p:cNvSpPr/>
+          <p:nvPr>
+            <p:custDataLst>
+              <p:tags r:id="rId7"/>
+            </p:custDataLst>
+          </p:nvPr>
+        </p:nvSpPr>
+        <p:spPr>
+          <a:xfrm>
+            <a:off x="9152255" y="2008505"/>
+            <a:ext cx="2201545" cy="414655"/>
+          </a:xfrm>
+          <a:prstGeom prst="rect">
+            <a:avLst/>
+          </a:prstGeom>
+        </p:spPr>
+        <p:style>
+          <a:lnRef idx="2">
+            <a:schemeClr val="accent1">
+              <a:lumMod val="75000"/>
+            </a:schemeClr>
+          </a:lnRef>
+          <a:fillRef idx="1">
+            <a:schemeClr val="accent1"/>
+          </a:fillRef>
+          <a:effectRef idx="0">
+            <a:srgbClr val="FFFFFF"/>
+          </a:effectRef>
+          <a:fontRef idx="minor">
+            <a:schemeClr val="lt1"/>
+          </a:fontRef>
+        </p:style>
+        <p:txBody>
+          <a:bodyPr rtlCol="0" anchor="ctr"/>
+          <a:p>
+            <a:pPr algn="ctr"/>
+            <a:r>
+              <a:rPr lang="en-US" altLang="zh-CN"/>
+              <a:t>dart:html</a:t>
+            </a:r>
+            <a:endParaRPr lang="en-US" altLang="zh-CN"/>
+          </a:p>
+        </p:txBody>
+      </p:sp>
+      <p:sp>
+        <p:nvSpPr>
+          <p:cNvPr id="19" name="矩形 18"/>
+          <p:cNvSpPr/>
+          <p:nvPr>
+            <p:custDataLst>
+              <p:tags r:id="rId8"/>
+            </p:custDataLst>
+          </p:nvPr>
+        </p:nvSpPr>
+        <p:spPr>
+          <a:xfrm>
+            <a:off x="9150985" y="2519045"/>
+            <a:ext cx="2201545" cy="414655"/>
+          </a:xfrm>
+          <a:prstGeom prst="rect">
+            <a:avLst/>
+          </a:prstGeom>
+        </p:spPr>
+        <p:style>
+          <a:lnRef idx="2">
+            <a:schemeClr val="accent1">
+              <a:lumMod val="75000"/>
+            </a:schemeClr>
+          </a:lnRef>
+          <a:fillRef idx="1">
+            <a:schemeClr val="accent1"/>
+          </a:fillRef>
+          <a:effectRef idx="0">
+            <a:srgbClr val="FFFFFF"/>
+          </a:effectRef>
+          <a:fontRef idx="minor">
+            <a:schemeClr val="lt1"/>
+          </a:fontRef>
+        </p:style>
+        <p:txBody>
+          <a:bodyPr rtlCol="0" anchor="ctr"/>
+          <a:p>
+            <a:pPr algn="ctr"/>
+            <a:r>
+              <a:rPr lang="en-US" altLang="zh-CN"/>
+              <a:t>dart:indexed_db</a:t>
+            </a:r>
+            <a:endParaRPr lang="en-US" altLang="zh-CN"/>
+          </a:p>
+        </p:txBody>
+      </p:sp>
+      <p:sp>
+        <p:nvSpPr>
+          <p:cNvPr id="20" name="矩形 19"/>
+          <p:cNvSpPr/>
+          <p:nvPr>
+            <p:custDataLst>
+              <p:tags r:id="rId9"/>
+            </p:custDataLst>
+          </p:nvPr>
+        </p:nvSpPr>
+        <p:spPr>
+          <a:xfrm>
+            <a:off x="9153525" y="2978785"/>
+            <a:ext cx="2201545" cy="414655"/>
+          </a:xfrm>
+          <a:prstGeom prst="rect">
+            <a:avLst/>
+          </a:prstGeom>
+        </p:spPr>
+        <p:style>
+          <a:lnRef idx="2">
+            <a:schemeClr val="accent1">
+              <a:lumMod val="75000"/>
+            </a:schemeClr>
+          </a:lnRef>
+          <a:fillRef idx="1">
+            <a:schemeClr val="accent1"/>
+          </a:fillRef>
+          <a:effectRef idx="0">
+            <a:srgbClr val="FFFFFF"/>
+          </a:effectRef>
+          <a:fontRef idx="minor">
+            <a:schemeClr val="lt1"/>
+          </a:fontRef>
+        </p:style>
+        <p:txBody>
+          <a:bodyPr rtlCol="0" anchor="ctr"/>
+          <a:p>
+            <a:pPr algn="ctr"/>
+            <a:r>
+              <a:rPr lang="en-US" altLang="zh-CN"/>
+              <a:t>dart:js</a:t>
+            </a:r>
+            <a:endParaRPr lang="en-US" altLang="zh-CN"/>
+          </a:p>
+        </p:txBody>
+      </p:sp>
+      <p:sp>
+        <p:nvSpPr>
+          <p:cNvPr id="21" name="矩形 20"/>
+          <p:cNvSpPr/>
+          <p:nvPr>
+            <p:custDataLst>
+              <p:tags r:id="rId10"/>
+            </p:custDataLst>
+          </p:nvPr>
+        </p:nvSpPr>
+        <p:spPr>
+          <a:xfrm>
+            <a:off x="9154795" y="3438525"/>
+            <a:ext cx="2201545" cy="414655"/>
+          </a:xfrm>
+          <a:prstGeom prst="rect">
+            <a:avLst/>
+          </a:prstGeom>
+        </p:spPr>
+        <p:style>
+          <a:lnRef idx="2">
+            <a:schemeClr val="accent1">
+              <a:lumMod val="75000"/>
+            </a:schemeClr>
+          </a:lnRef>
+          <a:fillRef idx="1">
+            <a:schemeClr val="accent1"/>
+          </a:fillRef>
+          <a:effectRef idx="0">
+            <a:srgbClr val="FFFFFF"/>
+          </a:effectRef>
+          <a:fontRef idx="minor">
+            <a:schemeClr val="lt1"/>
+          </a:fontRef>
+        </p:style>
+        <p:txBody>
+          <a:bodyPr rtlCol="0" anchor="ctr"/>
+          <a:p>
+            <a:pPr algn="ctr"/>
+            <a:r>
+              <a:rPr lang="en-US" altLang="zh-CN"/>
+              <a:t>dart:js_interop</a:t>
+            </a:r>
+            <a:endParaRPr lang="en-US" altLang="zh-CN"/>
+          </a:p>
+        </p:txBody>
+      </p:sp>
+      <p:sp>
+        <p:nvSpPr>
+          <p:cNvPr id="22" name="矩形 21"/>
+          <p:cNvSpPr/>
+          <p:nvPr>
+            <p:custDataLst>
+              <p:tags r:id="rId11"/>
+            </p:custDataLst>
+          </p:nvPr>
+        </p:nvSpPr>
+        <p:spPr>
+          <a:xfrm>
+            <a:off x="9154795" y="3949065"/>
+            <a:ext cx="2201545" cy="414655"/>
+          </a:xfrm>
+          <a:prstGeom prst="rect">
+            <a:avLst/>
+          </a:prstGeom>
+        </p:spPr>
+        <p:style>
+          <a:lnRef idx="2">
+            <a:schemeClr val="accent1">
+              <a:lumMod val="75000"/>
+            </a:schemeClr>
+          </a:lnRef>
+          <a:fillRef idx="1">
+            <a:schemeClr val="accent1"/>
+          </a:fillRef>
+          <a:effectRef idx="0">
+            <a:srgbClr val="FFFFFF"/>
+          </a:effectRef>
+          <a:fontRef idx="minor">
+            <a:schemeClr val="lt1"/>
+          </a:fontRef>
+        </p:style>
+        <p:txBody>
+          <a:bodyPr rtlCol="0" anchor="ctr"/>
+          <a:p>
+            <a:pPr algn="ctr"/>
+            <a:r>
+              <a:rPr lang="en-US" altLang="zh-CN"/>
+              <a:t>dart:js_interop_unsafe</a:t>
+            </a:r>
+            <a:endParaRPr lang="en-US" altLang="zh-CN"/>
+          </a:p>
+        </p:txBody>
+      </p:sp>
+      <p:sp>
+        <p:nvSpPr>
+          <p:cNvPr id="23" name="矩形 22"/>
+          <p:cNvSpPr/>
+          <p:nvPr>
+            <p:custDataLst>
+              <p:tags r:id="rId12"/>
+            </p:custDataLst>
+          </p:nvPr>
+        </p:nvSpPr>
+        <p:spPr>
+          <a:xfrm>
+            <a:off x="9153525" y="4459605"/>
+            <a:ext cx="2201545" cy="414655"/>
+          </a:xfrm>
+          <a:prstGeom prst="rect">
+            <a:avLst/>
+          </a:prstGeom>
+        </p:spPr>
+        <p:style>
+          <a:lnRef idx="2">
+            <a:schemeClr val="accent1">
+              <a:lumMod val="75000"/>
+            </a:schemeClr>
+          </a:lnRef>
+          <a:fillRef idx="1">
+            <a:schemeClr val="accent1"/>
+          </a:fillRef>
+          <a:effectRef idx="0">
+            <a:srgbClr val="FFFFFF"/>
+          </a:effectRef>
+          <a:fontRef idx="minor">
+            <a:schemeClr val="lt1"/>
+          </a:fontRef>
+        </p:style>
+        <p:txBody>
+          <a:bodyPr rtlCol="0" anchor="ctr"/>
+          <a:p>
+            <a:pPr algn="ctr"/>
+            <a:r>
+              <a:rPr lang="en-US" altLang="zh-CN"/>
+              <a:t>dart:js_util</a:t>
+            </a:r>
+            <a:endParaRPr lang="en-US" altLang="zh-CN"/>
+          </a:p>
+        </p:txBody>
+      </p:sp>
+      <p:sp>
+        <p:nvSpPr>
+          <p:cNvPr id="24" name="矩形 23"/>
+          <p:cNvSpPr/>
+          <p:nvPr>
+            <p:custDataLst>
+              <p:tags r:id="rId13"/>
+            </p:custDataLst>
+          </p:nvPr>
+        </p:nvSpPr>
+        <p:spPr>
+          <a:xfrm>
+            <a:off x="9154795" y="4970145"/>
+            <a:ext cx="2201545" cy="414655"/>
+          </a:xfrm>
+          <a:prstGeom prst="rect">
+            <a:avLst/>
+          </a:prstGeom>
+        </p:spPr>
+        <p:style>
+          <a:lnRef idx="2">
+            <a:schemeClr val="accent1">
+              <a:lumMod val="75000"/>
+            </a:schemeClr>
+          </a:lnRef>
+          <a:fillRef idx="1">
+            <a:schemeClr val="accent1"/>
+          </a:fillRef>
+          <a:effectRef idx="0">
+            <a:srgbClr val="FFFFFF"/>
+          </a:effectRef>
+          <a:fontRef idx="minor">
+            <a:schemeClr val="lt1"/>
+          </a:fontRef>
+        </p:style>
+        <p:txBody>
+          <a:bodyPr rtlCol="0" anchor="ctr"/>
+          <a:p>
+            <a:pPr algn="ctr"/>
+            <a:r>
+              <a:rPr lang="en-US" altLang="zh-CN"/>
+              <a:t>dart:svg</a:t>
+            </a:r>
+            <a:endParaRPr lang="en-US" altLang="zh-CN"/>
+          </a:p>
+        </p:txBody>
+      </p:sp>
+      <p:sp>
+        <p:nvSpPr>
+          <p:cNvPr id="25" name="矩形 24"/>
+          <p:cNvSpPr/>
+          <p:nvPr>
+            <p:custDataLst>
+              <p:tags r:id="rId14"/>
+            </p:custDataLst>
+          </p:nvPr>
+        </p:nvSpPr>
+        <p:spPr>
+          <a:xfrm>
+            <a:off x="9154795" y="5480685"/>
+            <a:ext cx="2201545" cy="414655"/>
+          </a:xfrm>
+          <a:prstGeom prst="rect">
+            <a:avLst/>
+          </a:prstGeom>
+        </p:spPr>
+        <p:style>
+          <a:lnRef idx="2">
+            <a:schemeClr val="accent1">
+              <a:lumMod val="75000"/>
+            </a:schemeClr>
+          </a:lnRef>
+          <a:fillRef idx="1">
+            <a:schemeClr val="accent1"/>
+          </a:fillRef>
+          <a:effectRef idx="0">
+            <a:srgbClr val="FFFFFF"/>
+          </a:effectRef>
+          <a:fontRef idx="minor">
+            <a:schemeClr val="lt1"/>
+          </a:fontRef>
+        </p:style>
+        <p:txBody>
+          <a:bodyPr rtlCol="0" anchor="ctr"/>
+          <a:p>
+            <a:pPr algn="ctr"/>
+            <a:r>
+              <a:rPr lang="en-US" altLang="zh-CN"/>
+              <a:t>dart:web_audio</a:t>
+            </a:r>
+            <a:endParaRPr lang="en-US" altLang="zh-CN"/>
+          </a:p>
+        </p:txBody>
+      </p:sp>
+      <p:sp>
+        <p:nvSpPr>
+          <p:cNvPr id="26" name="矩形 25"/>
+          <p:cNvSpPr/>
+          <p:nvPr>
+            <p:custDataLst>
+              <p:tags r:id="rId15"/>
+            </p:custDataLst>
+          </p:nvPr>
+        </p:nvSpPr>
+        <p:spPr>
+          <a:xfrm>
+            <a:off x="9154795" y="5991225"/>
+            <a:ext cx="2201545" cy="414655"/>
+          </a:xfrm>
+          <a:prstGeom prst="rect">
+            <a:avLst/>
+          </a:prstGeom>
+        </p:spPr>
+        <p:style>
+          <a:lnRef idx="2">
+            <a:schemeClr val="accent1">
+              <a:lumMod val="75000"/>
+            </a:schemeClr>
+          </a:lnRef>
+          <a:fillRef idx="1">
+            <a:schemeClr val="accent1"/>
+          </a:fillRef>
+          <a:effectRef idx="0">
+            <a:srgbClr val="FFFFFF"/>
+          </a:effectRef>
+          <a:fontRef idx="minor">
+            <a:schemeClr val="lt1"/>
+          </a:fontRef>
+        </p:style>
+        <p:txBody>
+          <a:bodyPr rtlCol="0" anchor="ctr"/>
+          <a:p>
+            <a:pPr algn="ctr"/>
+            <a:r>
+              <a:rPr lang="en-US" altLang="zh-CN"/>
+              <a:t>dart:web_gl</a:t>
+            </a:r>
+            <a:endParaRPr lang="en-US" altLang="zh-CN"/>
+          </a:p>
+        </p:txBody>
+      </p:sp>
+    </p:spTree>
+    <p:custDataLst>
+      <p:tags r:id="rId16"/>
+    </p:custDataLst>
+  </p:cSld>
+  <p:clrMapOvr>
+    <a:masterClrMapping/>
+  </p:clrMapOvr>
+</p:sld>
+</file>
+
+<file path=ppt/slides/slide27.xml><?xml version="1.0" encoding="utf-8"?>
+<p:sld xmlns:a="http://schemas.openxmlformats.org/drawingml/2006/main" xmlns:r="http://schemas.openxmlformats.org/officeDocument/2006/relationships" xmlns:p="http://schemas.openxmlformats.org/presentationml/2006/main">
+  <p:cSld>
+    <p:spTree>
+      <p:nvGrpSpPr>
+        <p:cNvPr id="1" name=""/>
+        <p:cNvGrpSpPr/>
+        <p:nvPr/>
+      </p:nvGrpSpPr>
+      <p:grpSpPr/>
+      <p:sp>
+        <p:nvSpPr>
+          <p:cNvPr id="2" name="标题 1"/>
+          <p:cNvSpPr>
+            <a:spLocks noGrp="1"/>
+          </p:cNvSpPr>
+          <p:nvPr>
+            <p:ph type="title"/>
+          </p:nvPr>
+        </p:nvSpPr>
+        <p:spPr/>
+        <p:txBody>
+          <a:bodyPr/>
+          <a:p>
+            <a:r>
+              <a:rPr lang="en-US" altLang="zh-CN"/>
+              <a:t>Core</a:t>
+            </a:r>
+            <a:endParaRPr lang="en-US" altLang="zh-CN"/>
+          </a:p>
+        </p:txBody>
+      </p:sp>
+      <p:sp>
+        <p:nvSpPr>
+          <p:cNvPr id="3" name="内容占位符 2"/>
+          <p:cNvSpPr>
+            <a:spLocks noGrp="1"/>
+          </p:cNvSpPr>
+          <p:nvPr>
+            <p:ph idx="1"/>
+          </p:nvPr>
+        </p:nvSpPr>
+        <p:spPr>
+          <a:xfrm>
+            <a:off x="838200" y="1211580"/>
+            <a:ext cx="5997575" cy="4549140"/>
+          </a:xfrm>
+        </p:spPr>
+        <p:txBody>
+          <a:bodyPr>
+            <a:normAutofit lnSpcReduction="10000"/>
+          </a:bodyPr>
+          <a:p>
+            <a:r>
+              <a:rPr lang="en-US" altLang="zh-CN"/>
+              <a:t>data:core</a:t>
+            </a:r>
+            <a:endParaRPr lang="en-US" altLang="zh-CN"/>
+          </a:p>
+          <a:p>
+            <a:pPr lvl="1"/>
+            <a:r>
+              <a:rPr lang="en-US" altLang="zh-CN"/>
+              <a:t>numbers, strings, collections, uris, dates and times, exceptions</a:t>
+            </a:r>
+            <a:endParaRPr lang="en-US" altLang="zh-CN"/>
+          </a:p>
+          <a:p>
+            <a:pPr lvl="0"/>
+            <a:r>
+              <a:rPr lang="en-US" altLang="zh-CN"/>
+              <a:t>data:async</a:t>
+            </a:r>
+            <a:endParaRPr lang="en-US" altLang="zh-CN"/>
+          </a:p>
+          <a:p>
+            <a:pPr lvl="1"/>
+            <a:r>
+              <a:rPr lang="en-US" altLang="zh-CN"/>
+              <a:t>import 'dart:async';</a:t>
+            </a:r>
+            <a:endParaRPr lang="en-US" altLang="zh-CN"/>
+          </a:p>
+          <a:p>
+            <a:pPr lvl="1"/>
+            <a:r>
+              <a:rPr lang="en-US" altLang="zh-CN"/>
+              <a:t>async/await</a:t>
+            </a:r>
+            <a:endParaRPr lang="en-US" altLang="zh-CN"/>
+          </a:p>
+          <a:p>
+            <a:pPr lvl="0"/>
+            <a:r>
+              <a:rPr lang="en-US" altLang="zh-CN"/>
+              <a:t>dart:convert</a:t>
+            </a:r>
+            <a:endParaRPr lang="en-US" altLang="zh-CN"/>
+          </a:p>
+          <a:p>
+            <a:pPr lvl="1"/>
+            <a:r>
+              <a:rPr lang="en-US" altLang="zh-CN"/>
+              <a:t>jscon, utf-8</a:t>
+            </a:r>
+            <a:endParaRPr lang="en-US" altLang="zh-CN"/>
+          </a:p>
+          <a:p>
+            <a:pPr lvl="0"/>
+            <a:r>
+              <a:rPr lang="en-US" altLang="zh-CN" sz="2400"/>
+              <a:t>dart:io</a:t>
+            </a:r>
+            <a:endParaRPr lang="en-US" altLang="zh-CN" sz="2400"/>
+          </a:p>
+          <a:p>
+            <a:pPr lvl="1"/>
+            <a:r>
+              <a:rPr lang="en-US" altLang="zh-CN"/>
+              <a:t>import 'dart:io';</a:t>
+            </a:r>
+            <a:endParaRPr lang="en-US" altLang="zh-CN"/>
+          </a:p>
+          <a:p>
+            <a:pPr lvl="1"/>
+            <a:r>
+              <a:rPr lang="en-US" altLang="zh-CN"/>
+              <a:t>Platform</a:t>
+            </a:r>
+            <a:endParaRPr lang="en-US" altLang="zh-CN"/>
+          </a:p>
+          <a:p>
+            <a:pPr lvl="2"/>
+            <a:r>
+              <a:rPr lang="en-US" altLang="zh-CN" sz="1800"/>
+              <a:t>environment, operatingSystem, isMacOS, </a:t>
+            </a:r>
+            <a:endParaRPr lang="en-US" altLang="zh-CN" sz="1800"/>
+          </a:p>
+          <a:p>
+            <a:pPr lvl="0"/>
+            <a:r>
+              <a:rPr lang="en-US" altLang="zh-CN" sz="2400"/>
+              <a:t>dart:ui</a:t>
+            </a:r>
+            <a:endParaRPr lang="en-US" altLang="zh-CN"/>
+          </a:p>
+        </p:txBody>
+      </p:sp>
+      <p:sp>
+        <p:nvSpPr>
+          <p:cNvPr id="4" name="圆角矩形 3"/>
+          <p:cNvSpPr/>
+          <p:nvPr>
+            <p:custDataLst>
+              <p:tags r:id="rId1"/>
+            </p:custDataLst>
+          </p:nvPr>
+        </p:nvSpPr>
+        <p:spPr>
+          <a:xfrm>
+            <a:off x="7434580" y="3368675"/>
+            <a:ext cx="4474210" cy="2874645"/>
+          </a:xfrm>
+          <a:prstGeom prst="roundRect">
+            <a:avLst/>
+          </a:prstGeom>
+          <a:noFill/>
+        </p:spPr>
+        <p:style>
+          <a:lnRef idx="2">
+            <a:schemeClr val="accent1">
+              <a:lumMod val="75000"/>
+            </a:schemeClr>
+          </a:lnRef>
+          <a:fillRef idx="1">
+            <a:schemeClr val="accent1"/>
+          </a:fillRef>
+          <a:effectRef idx="0">
+            <a:srgbClr val="FFFFFF"/>
+          </a:effectRef>
+          <a:fontRef idx="minor">
+            <a:schemeClr val="lt1"/>
+          </a:fontRef>
+        </p:style>
+        <p:txBody>
+          <a:bodyPr rtlCol="0" anchor="t" anchorCtr="0"/>
+          <a:p>
+            <a:pPr algn="ctr"/>
+            <a:r>
+              <a:rPr lang="en-US" altLang="zh-CN" sz="2000">
+                <a:solidFill>
+                  <a:schemeClr val="tx1"/>
+                </a:solidFill>
+              </a:rPr>
+              <a:t>dart:ui</a:t>
+            </a:r>
+            <a:endParaRPr lang="en-US" altLang="zh-CN" sz="2000">
+              <a:solidFill>
+                <a:schemeClr val="tx1"/>
+              </a:solidFill>
+            </a:endParaRPr>
+          </a:p>
+        </p:txBody>
+      </p:sp>
+      <p:sp>
+        <p:nvSpPr>
+          <p:cNvPr id="8" name="矩形 7"/>
+          <p:cNvSpPr/>
+          <p:nvPr>
+            <p:custDataLst>
+              <p:tags r:id="rId2"/>
+            </p:custDataLst>
+          </p:nvPr>
+        </p:nvSpPr>
+        <p:spPr>
+          <a:xfrm>
+            <a:off x="7502525" y="5577840"/>
+            <a:ext cx="982345" cy="428625"/>
+          </a:xfrm>
+          <a:prstGeom prst="rect">
+            <a:avLst/>
+          </a:prstGeom>
+        </p:spPr>
+        <p:style>
+          <a:lnRef idx="2">
+            <a:schemeClr val="accent1">
+              <a:lumMod val="75000"/>
+            </a:schemeClr>
+          </a:lnRef>
+          <a:fillRef idx="1">
+            <a:schemeClr val="accent1"/>
+          </a:fillRef>
+          <a:effectRef idx="0">
+            <a:srgbClr val="FFFFFF"/>
+          </a:effectRef>
+          <a:fontRef idx="minor">
+            <a:schemeClr val="lt1"/>
+          </a:fontRef>
+        </p:style>
+        <p:txBody>
+          <a:bodyPr rtlCol="0" anchor="ctr"/>
+          <a:p>
+            <a:pPr algn="ctr"/>
+            <a:r>
+              <a:rPr lang="en-US" altLang="zh-CN" sz="1200"/>
+              <a:t>Canvas</a:t>
+            </a:r>
+            <a:endParaRPr lang="en-US" altLang="zh-CN" sz="1200"/>
+          </a:p>
+        </p:txBody>
+      </p:sp>
+      <p:sp>
+        <p:nvSpPr>
+          <p:cNvPr id="5" name="矩形 4"/>
+          <p:cNvSpPr/>
+          <p:nvPr>
+            <p:custDataLst>
+              <p:tags r:id="rId3"/>
+            </p:custDataLst>
+          </p:nvPr>
+        </p:nvSpPr>
+        <p:spPr>
+          <a:xfrm>
+            <a:off x="8585200" y="5577840"/>
+            <a:ext cx="982345" cy="428625"/>
+          </a:xfrm>
+          <a:prstGeom prst="rect">
+            <a:avLst/>
+          </a:prstGeom>
+        </p:spPr>
+        <p:style>
+          <a:lnRef idx="2">
+            <a:schemeClr val="accent1">
+              <a:lumMod val="75000"/>
+            </a:schemeClr>
+          </a:lnRef>
+          <a:fillRef idx="1">
+            <a:schemeClr val="accent1"/>
+          </a:fillRef>
+          <a:effectRef idx="0">
+            <a:srgbClr val="FFFFFF"/>
+          </a:effectRef>
+          <a:fontRef idx="minor">
+            <a:schemeClr val="lt1"/>
+          </a:fontRef>
+        </p:style>
+        <p:txBody>
+          <a:bodyPr rtlCol="0" anchor="ctr"/>
+          <a:p>
+            <a:pPr algn="ctr"/>
+            <a:r>
+              <a:rPr lang="en-US" altLang="zh-CN" sz="1200"/>
+              <a:t>Codec</a:t>
+            </a:r>
+            <a:endParaRPr lang="en-US" altLang="zh-CN" sz="1200"/>
+          </a:p>
+        </p:txBody>
+      </p:sp>
+      <p:sp>
+        <p:nvSpPr>
+          <p:cNvPr id="6" name="矩形 5"/>
+          <p:cNvSpPr/>
+          <p:nvPr>
+            <p:custDataLst>
+              <p:tags r:id="rId4"/>
+            </p:custDataLst>
+          </p:nvPr>
+        </p:nvSpPr>
+        <p:spPr>
+          <a:xfrm>
+            <a:off x="9667875" y="5577840"/>
+            <a:ext cx="982345" cy="428625"/>
+          </a:xfrm>
+          <a:prstGeom prst="rect">
+            <a:avLst/>
+          </a:prstGeom>
+        </p:spPr>
+        <p:style>
+          <a:lnRef idx="2">
+            <a:schemeClr val="accent1">
+              <a:lumMod val="75000"/>
+            </a:schemeClr>
+          </a:lnRef>
+          <a:fillRef idx="1">
+            <a:schemeClr val="accent1"/>
+          </a:fillRef>
+          <a:effectRef idx="0">
+            <a:srgbClr val="FFFFFF"/>
+          </a:effectRef>
+          <a:fontRef idx="minor">
+            <a:schemeClr val="lt1"/>
+          </a:fontRef>
+        </p:style>
+        <p:txBody>
+          <a:bodyPr rtlCol="0" anchor="ctr"/>
+          <a:p>
+            <a:pPr algn="ctr"/>
+            <a:r>
+              <a:rPr lang="en-US" altLang="zh-CN" sz="1200"/>
+              <a:t>Color</a:t>
+            </a:r>
+            <a:endParaRPr lang="en-US" altLang="zh-CN" sz="1200"/>
+          </a:p>
+        </p:txBody>
+      </p:sp>
+      <p:sp>
+        <p:nvSpPr>
+          <p:cNvPr id="14" name="圆角矩形 13"/>
+          <p:cNvSpPr/>
+          <p:nvPr>
+            <p:custDataLst>
+              <p:tags r:id="rId5"/>
+            </p:custDataLst>
+          </p:nvPr>
+        </p:nvSpPr>
+        <p:spPr>
+          <a:xfrm>
+            <a:off x="7434580" y="1115060"/>
+            <a:ext cx="4474210" cy="1392555"/>
+          </a:xfrm>
+          <a:prstGeom prst="roundRect">
+            <a:avLst/>
+          </a:prstGeom>
+          <a:noFill/>
+        </p:spPr>
+        <p:style>
+          <a:lnRef idx="2">
+            <a:schemeClr val="accent1">
+              <a:lumMod val="75000"/>
+            </a:schemeClr>
+          </a:lnRef>
+          <a:fillRef idx="1">
+            <a:schemeClr val="accent1"/>
+          </a:fillRef>
+          <a:effectRef idx="0">
+            <a:srgbClr val="FFFFFF"/>
+          </a:effectRef>
+          <a:fontRef idx="minor">
+            <a:schemeClr val="lt1"/>
+          </a:fontRef>
+        </p:style>
+        <p:txBody>
+          <a:bodyPr rtlCol="0" anchor="t" anchorCtr="0"/>
+          <a:p>
+            <a:pPr algn="ctr"/>
+            <a:r>
+              <a:rPr lang="en-US" altLang="zh-CN" sz="2000">
+                <a:solidFill>
+                  <a:schemeClr val="tx1"/>
+                </a:solidFill>
+              </a:rPr>
+              <a:t>dart:io</a:t>
+            </a:r>
+            <a:endParaRPr lang="en-US" altLang="zh-CN" sz="2000">
+              <a:solidFill>
+                <a:schemeClr val="tx1"/>
+              </a:solidFill>
+            </a:endParaRPr>
+          </a:p>
+        </p:txBody>
+      </p:sp>
+      <p:sp>
+        <p:nvSpPr>
+          <p:cNvPr id="15" name="矩形 14"/>
+          <p:cNvSpPr/>
+          <p:nvPr>
+            <p:custDataLst>
+              <p:tags r:id="rId6"/>
+            </p:custDataLst>
+          </p:nvPr>
+        </p:nvSpPr>
+        <p:spPr>
+          <a:xfrm>
+            <a:off x="10820400" y="1726565"/>
+            <a:ext cx="982345" cy="419100"/>
+          </a:xfrm>
+          <a:prstGeom prst="rect">
+            <a:avLst/>
+          </a:prstGeom>
+        </p:spPr>
+        <p:style>
+          <a:lnRef idx="2">
+            <a:schemeClr val="accent1">
+              <a:lumMod val="75000"/>
+            </a:schemeClr>
+          </a:lnRef>
+          <a:fillRef idx="1">
+            <a:schemeClr val="accent1"/>
+          </a:fillRef>
+          <a:effectRef idx="0">
+            <a:srgbClr val="FFFFFF"/>
+          </a:effectRef>
+          <a:fontRef idx="minor">
+            <a:schemeClr val="lt1"/>
+          </a:fontRef>
+        </p:style>
+        <p:txBody>
+          <a:bodyPr rtlCol="0" anchor="ctr"/>
+          <a:p>
+            <a:pPr algn="ctr"/>
+            <a:r>
+              <a:rPr lang="en-US" altLang="zh-CN" sz="1400"/>
+              <a:t>Platform</a:t>
+            </a:r>
+            <a:endParaRPr lang="en-US" altLang="zh-CN" sz="1400"/>
+          </a:p>
+        </p:txBody>
+      </p:sp>
+      <p:sp>
+        <p:nvSpPr>
+          <p:cNvPr id="16" name="矩形 15"/>
+          <p:cNvSpPr/>
+          <p:nvPr>
+            <p:custDataLst>
+              <p:tags r:id="rId7"/>
+            </p:custDataLst>
+          </p:nvPr>
+        </p:nvSpPr>
+        <p:spPr>
+          <a:xfrm>
+            <a:off x="7502525" y="1726565"/>
+            <a:ext cx="982345" cy="419100"/>
+          </a:xfrm>
+          <a:prstGeom prst="rect">
+            <a:avLst/>
+          </a:prstGeom>
+        </p:spPr>
+        <p:style>
+          <a:lnRef idx="2">
+            <a:schemeClr val="accent1">
+              <a:lumMod val="75000"/>
+            </a:schemeClr>
+          </a:lnRef>
+          <a:fillRef idx="1">
+            <a:schemeClr val="accent1"/>
+          </a:fillRef>
+          <a:effectRef idx="0">
+            <a:srgbClr val="FFFFFF"/>
+          </a:effectRef>
+          <a:fontRef idx="minor">
+            <a:schemeClr val="lt1"/>
+          </a:fontRef>
+        </p:style>
+        <p:txBody>
+          <a:bodyPr rtlCol="0" anchor="ctr"/>
+          <a:p>
+            <a:pPr algn="ctr"/>
+            <a:r>
+              <a:rPr lang="en-US" altLang="zh-CN" sz="1400"/>
+              <a:t>File</a:t>
+            </a:r>
+            <a:endParaRPr lang="en-US" altLang="zh-CN" sz="1400"/>
+          </a:p>
+        </p:txBody>
+      </p:sp>
+      <p:sp>
+        <p:nvSpPr>
+          <p:cNvPr id="17" name="矩形 16"/>
+          <p:cNvSpPr/>
+          <p:nvPr>
+            <p:custDataLst>
+              <p:tags r:id="rId8"/>
+            </p:custDataLst>
+          </p:nvPr>
+        </p:nvSpPr>
+        <p:spPr>
+          <a:xfrm>
+            <a:off x="8585200" y="1726565"/>
+            <a:ext cx="982345" cy="419100"/>
+          </a:xfrm>
+          <a:prstGeom prst="rect">
+            <a:avLst/>
+          </a:prstGeom>
+        </p:spPr>
+        <p:style>
+          <a:lnRef idx="2">
+            <a:schemeClr val="accent1">
+              <a:lumMod val="75000"/>
+            </a:schemeClr>
+          </a:lnRef>
+          <a:fillRef idx="1">
+            <a:schemeClr val="accent1"/>
+          </a:fillRef>
+          <a:effectRef idx="0">
+            <a:srgbClr val="FFFFFF"/>
+          </a:effectRef>
+          <a:fontRef idx="minor">
+            <a:schemeClr val="lt1"/>
+          </a:fontRef>
+        </p:style>
+        <p:txBody>
+          <a:bodyPr rtlCol="0" anchor="ctr"/>
+          <a:p>
+            <a:pPr algn="ctr"/>
+            <a:r>
+              <a:rPr lang="en-US" altLang="zh-CN" sz="1400"/>
+              <a:t>Directory</a:t>
+            </a:r>
+            <a:endParaRPr lang="en-US" altLang="zh-CN" sz="1400"/>
+          </a:p>
+        </p:txBody>
+      </p:sp>
+      <p:sp>
+        <p:nvSpPr>
+          <p:cNvPr id="18" name="矩形 17"/>
+          <p:cNvSpPr/>
+          <p:nvPr>
+            <p:custDataLst>
+              <p:tags r:id="rId9"/>
+            </p:custDataLst>
+          </p:nvPr>
+        </p:nvSpPr>
+        <p:spPr>
+          <a:xfrm>
+            <a:off x="9667875" y="1726565"/>
+            <a:ext cx="982345" cy="419100"/>
+          </a:xfrm>
+          <a:prstGeom prst="rect">
+            <a:avLst/>
+          </a:prstGeom>
+        </p:spPr>
+        <p:style>
+          <a:lnRef idx="2">
+            <a:schemeClr val="accent1">
+              <a:lumMod val="75000"/>
+            </a:schemeClr>
+          </a:lnRef>
+          <a:fillRef idx="1">
+            <a:schemeClr val="accent1"/>
+          </a:fillRef>
+          <a:effectRef idx="0">
+            <a:srgbClr val="FFFFFF"/>
+          </a:effectRef>
+          <a:fontRef idx="minor">
+            <a:schemeClr val="lt1"/>
+          </a:fontRef>
+        </p:style>
+        <p:txBody>
+          <a:bodyPr rtlCol="0" anchor="ctr"/>
+          <a:p>
+            <a:pPr algn="ctr"/>
+            <a:r>
+              <a:rPr lang="en-US" altLang="zh-CN" sz="1400"/>
+              <a:t>FileStat</a:t>
+            </a:r>
+            <a:endParaRPr lang="en-US" altLang="zh-CN" sz="1400"/>
+          </a:p>
+        </p:txBody>
+      </p:sp>
+      <p:sp>
+        <p:nvSpPr>
+          <p:cNvPr id="19" name="矩形 18"/>
+          <p:cNvSpPr/>
+          <p:nvPr>
+            <p:custDataLst>
+              <p:tags r:id="rId10"/>
+            </p:custDataLst>
+          </p:nvPr>
+        </p:nvSpPr>
+        <p:spPr>
+          <a:xfrm>
+            <a:off x="7502525" y="4544060"/>
+            <a:ext cx="982345" cy="428625"/>
+          </a:xfrm>
+          <a:prstGeom prst="rect">
+            <a:avLst/>
+          </a:prstGeom>
+        </p:spPr>
+        <p:style>
+          <a:lnRef idx="2">
+            <a:schemeClr val="accent1">
+              <a:lumMod val="75000"/>
+            </a:schemeClr>
+          </a:lnRef>
+          <a:fillRef idx="1">
+            <a:schemeClr val="accent1"/>
+          </a:fillRef>
+          <a:effectRef idx="0">
+            <a:srgbClr val="FFFFFF"/>
+          </a:effectRef>
+          <a:fontRef idx="minor">
+            <a:schemeClr val="lt1"/>
+          </a:fontRef>
+        </p:style>
+        <p:txBody>
+          <a:bodyPr rtlCol="0" anchor="ctr"/>
+          <a:p>
+            <a:pPr algn="ctr"/>
+            <a:r>
+              <a:rPr lang="en-US" altLang="zh-CN" sz="1200"/>
+              <a:t>Display</a:t>
+            </a:r>
+            <a:endParaRPr lang="en-US" altLang="zh-CN" sz="1200"/>
+          </a:p>
+        </p:txBody>
+      </p:sp>
+      <p:sp>
+        <p:nvSpPr>
+          <p:cNvPr id="20" name="矩形 19"/>
+          <p:cNvSpPr/>
+          <p:nvPr>
+            <p:custDataLst>
+              <p:tags r:id="rId11"/>
+            </p:custDataLst>
+          </p:nvPr>
+        </p:nvSpPr>
+        <p:spPr>
+          <a:xfrm>
+            <a:off x="7502525" y="5060950"/>
+            <a:ext cx="982345" cy="428625"/>
+          </a:xfrm>
+          <a:prstGeom prst="rect">
+            <a:avLst/>
+          </a:prstGeom>
+        </p:spPr>
+        <p:style>
+          <a:lnRef idx="2">
+            <a:schemeClr val="accent1">
+              <a:lumMod val="75000"/>
+            </a:schemeClr>
+          </a:lnRef>
+          <a:fillRef idx="1">
+            <a:schemeClr val="accent1"/>
+          </a:fillRef>
+          <a:effectRef idx="0">
+            <a:srgbClr val="FFFFFF"/>
+          </a:effectRef>
+          <a:fontRef idx="minor">
+            <a:schemeClr val="lt1"/>
+          </a:fontRef>
+        </p:style>
+        <p:txBody>
+          <a:bodyPr rtlCol="0" anchor="ctr"/>
+          <a:p>
+            <a:pPr algn="ctr"/>
+            <a:r>
+              <a:rPr lang="en-US" altLang="zh-CN" sz="1200"/>
+              <a:t>FontFeature</a:t>
+            </a:r>
+            <a:endParaRPr lang="en-US" altLang="zh-CN" sz="1200"/>
+          </a:p>
+        </p:txBody>
+      </p:sp>
+      <p:sp>
+        <p:nvSpPr>
+          <p:cNvPr id="21" name="矩形 20"/>
+          <p:cNvSpPr/>
+          <p:nvPr>
+            <p:custDataLst>
+              <p:tags r:id="rId12"/>
+            </p:custDataLst>
+          </p:nvPr>
+        </p:nvSpPr>
+        <p:spPr>
+          <a:xfrm>
+            <a:off x="8585200" y="5060950"/>
+            <a:ext cx="982345" cy="428625"/>
+          </a:xfrm>
+          <a:prstGeom prst="rect">
+            <a:avLst/>
+          </a:prstGeom>
+        </p:spPr>
+        <p:style>
+          <a:lnRef idx="2">
+            <a:schemeClr val="accent1">
+              <a:lumMod val="75000"/>
+            </a:schemeClr>
+          </a:lnRef>
+          <a:fillRef idx="1">
+            <a:schemeClr val="accent1"/>
+          </a:fillRef>
+          <a:effectRef idx="0">
+            <a:srgbClr val="FFFFFF"/>
+          </a:effectRef>
+          <a:fontRef idx="minor">
+            <a:schemeClr val="lt1"/>
+          </a:fontRef>
+        </p:style>
+        <p:txBody>
+          <a:bodyPr rtlCol="0" anchor="ctr"/>
+          <a:p>
+            <a:pPr algn="ctr"/>
+            <a:r>
+              <a:rPr lang="en-US" altLang="zh-CN" sz="1200"/>
+              <a:t>FontVariation</a:t>
+            </a:r>
+            <a:endParaRPr lang="en-US" altLang="zh-CN" sz="1200"/>
+          </a:p>
+        </p:txBody>
+      </p:sp>
+      <p:sp>
+        <p:nvSpPr>
+          <p:cNvPr id="22" name="矩形 21"/>
+          <p:cNvSpPr/>
+          <p:nvPr>
+            <p:custDataLst>
+              <p:tags r:id="rId13"/>
+            </p:custDataLst>
+          </p:nvPr>
+        </p:nvSpPr>
+        <p:spPr>
+          <a:xfrm>
+            <a:off x="9667875" y="5060950"/>
+            <a:ext cx="982345" cy="428625"/>
+          </a:xfrm>
+          <a:prstGeom prst="rect">
+            <a:avLst/>
+          </a:prstGeom>
+        </p:spPr>
+        <p:style>
+          <a:lnRef idx="2">
+            <a:schemeClr val="accent1">
+              <a:lumMod val="75000"/>
+            </a:schemeClr>
+          </a:lnRef>
+          <a:fillRef idx="1">
+            <a:schemeClr val="accent1"/>
+          </a:fillRef>
+          <a:effectRef idx="0">
+            <a:srgbClr val="FFFFFF"/>
+          </a:effectRef>
+          <a:fontRef idx="minor">
+            <a:schemeClr val="lt1"/>
+          </a:fontRef>
+        </p:style>
+        <p:txBody>
+          <a:bodyPr rtlCol="0" anchor="ctr"/>
+          <a:p>
+            <a:pPr algn="ctr"/>
+            <a:r>
+              <a:rPr lang="en-US" altLang="zh-CN" sz="1200"/>
+              <a:t>FontWeight</a:t>
+            </a:r>
+            <a:endParaRPr lang="en-US" altLang="zh-CN" sz="1200"/>
+          </a:p>
+        </p:txBody>
+      </p:sp>
+      <p:sp>
+        <p:nvSpPr>
+          <p:cNvPr id="23" name="矩形 22"/>
+          <p:cNvSpPr/>
+          <p:nvPr>
+            <p:custDataLst>
+              <p:tags r:id="rId14"/>
+            </p:custDataLst>
+          </p:nvPr>
+        </p:nvSpPr>
+        <p:spPr>
+          <a:xfrm>
+            <a:off x="8585200" y="4544060"/>
+            <a:ext cx="982345" cy="428625"/>
+          </a:xfrm>
+          <a:prstGeom prst="rect">
+            <a:avLst/>
+          </a:prstGeom>
+        </p:spPr>
+        <p:style>
+          <a:lnRef idx="2">
+            <a:schemeClr val="accent1">
+              <a:lumMod val="75000"/>
+            </a:schemeClr>
+          </a:lnRef>
+          <a:fillRef idx="1">
+            <a:schemeClr val="accent1"/>
+          </a:fillRef>
+          <a:effectRef idx="0">
+            <a:srgbClr val="FFFFFF"/>
+          </a:effectRef>
+          <a:fontRef idx="minor">
+            <a:schemeClr val="lt1"/>
+          </a:fontRef>
+        </p:style>
+        <p:txBody>
+          <a:bodyPr rtlCol="0" anchor="ctr"/>
+          <a:p>
+            <a:pPr algn="ctr"/>
+            <a:r>
+              <a:rPr lang="en-US" altLang="zh-CN" sz="1200"/>
+              <a:t>FlutterView</a:t>
+            </a:r>
+            <a:endParaRPr lang="en-US" altLang="zh-CN" sz="1200"/>
+          </a:p>
+        </p:txBody>
+      </p:sp>
+      <p:sp>
+        <p:nvSpPr>
+          <p:cNvPr id="24" name="矩形 23"/>
+          <p:cNvSpPr/>
+          <p:nvPr>
+            <p:custDataLst>
+              <p:tags r:id="rId15"/>
+            </p:custDataLst>
+          </p:nvPr>
+        </p:nvSpPr>
+        <p:spPr>
+          <a:xfrm>
+            <a:off x="10750550" y="5577840"/>
+            <a:ext cx="982345" cy="428625"/>
+          </a:xfrm>
+          <a:prstGeom prst="rect">
+            <a:avLst/>
+          </a:prstGeom>
+        </p:spPr>
+        <p:style>
+          <a:lnRef idx="2">
+            <a:schemeClr val="accent1">
+              <a:lumMod val="75000"/>
+            </a:schemeClr>
+          </a:lnRef>
+          <a:fillRef idx="1">
+            <a:schemeClr val="accent1"/>
+          </a:fillRef>
+          <a:effectRef idx="0">
+            <a:srgbClr val="FFFFFF"/>
+          </a:effectRef>
+          <a:fontRef idx="minor">
+            <a:schemeClr val="lt1"/>
+          </a:fontRef>
+        </p:style>
+        <p:txBody>
+          <a:bodyPr rtlCol="0" anchor="ctr"/>
+          <a:p>
+            <a:pPr algn="ctr"/>
+            <a:r>
+              <a:rPr lang="en-US" altLang="zh-CN" sz="1200"/>
+              <a:t>Gradient</a:t>
+            </a:r>
+            <a:endParaRPr lang="en-US" altLang="zh-CN" sz="1200"/>
+          </a:p>
+        </p:txBody>
+      </p:sp>
+      <p:sp>
+        <p:nvSpPr>
+          <p:cNvPr id="25" name="矩形 24"/>
+          <p:cNvSpPr/>
+          <p:nvPr>
+            <p:custDataLst>
+              <p:tags r:id="rId16"/>
+            </p:custDataLst>
+          </p:nvPr>
+        </p:nvSpPr>
+        <p:spPr>
+          <a:xfrm>
+            <a:off x="10750550" y="4544060"/>
+            <a:ext cx="982345" cy="428625"/>
+          </a:xfrm>
+          <a:prstGeom prst="rect">
+            <a:avLst/>
+          </a:prstGeom>
+        </p:spPr>
+        <p:style>
+          <a:lnRef idx="2">
+            <a:schemeClr val="accent1">
+              <a:lumMod val="75000"/>
+            </a:schemeClr>
+          </a:lnRef>
+          <a:fillRef idx="1">
+            <a:schemeClr val="accent1"/>
+          </a:fillRef>
+          <a:effectRef idx="0">
+            <a:srgbClr val="FFFFFF"/>
+          </a:effectRef>
+          <a:fontRef idx="minor">
+            <a:schemeClr val="lt1"/>
+          </a:fontRef>
+        </p:style>
+        <p:txBody>
+          <a:bodyPr rtlCol="0" anchor="ctr"/>
+          <a:p>
+            <a:pPr algn="ctr"/>
+            <a:r>
+              <a:rPr lang="en-US" altLang="zh-CN" sz="1200"/>
+              <a:t>Image</a:t>
+            </a:r>
+            <a:endParaRPr lang="en-US" altLang="zh-CN" sz="1200"/>
+          </a:p>
+        </p:txBody>
+      </p:sp>
+      <p:sp>
+        <p:nvSpPr>
+          <p:cNvPr id="26" name="矩形 25"/>
+          <p:cNvSpPr/>
+          <p:nvPr>
+            <p:custDataLst>
+              <p:tags r:id="rId17"/>
+            </p:custDataLst>
+          </p:nvPr>
+        </p:nvSpPr>
+        <p:spPr>
+          <a:xfrm>
+            <a:off x="9667875" y="4544060"/>
+            <a:ext cx="982345" cy="428625"/>
+          </a:xfrm>
+          <a:prstGeom prst="rect">
+            <a:avLst/>
+          </a:prstGeom>
+        </p:spPr>
+        <p:style>
+          <a:lnRef idx="2">
+            <a:schemeClr val="accent1">
+              <a:lumMod val="75000"/>
+            </a:schemeClr>
+          </a:lnRef>
+          <a:fillRef idx="1">
+            <a:schemeClr val="accent1"/>
+          </a:fillRef>
+          <a:effectRef idx="0">
+            <a:srgbClr val="FFFFFF"/>
+          </a:effectRef>
+          <a:fontRef idx="minor">
+            <a:schemeClr val="lt1"/>
+          </a:fontRef>
+        </p:style>
+        <p:txBody>
+          <a:bodyPr rtlCol="0" anchor="ctr"/>
+          <a:p>
+            <a:pPr algn="ctr"/>
+            <a:r>
+              <a:rPr lang="en-US" altLang="zh-CN" sz="1200"/>
+              <a:t>Paint</a:t>
+            </a:r>
+            <a:endParaRPr lang="en-US" altLang="zh-CN" sz="1200"/>
+          </a:p>
+        </p:txBody>
+      </p:sp>
+      <p:sp>
+        <p:nvSpPr>
+          <p:cNvPr id="27" name="矩形 26"/>
+          <p:cNvSpPr/>
+          <p:nvPr>
+            <p:custDataLst>
+              <p:tags r:id="rId18"/>
+            </p:custDataLst>
+          </p:nvPr>
+        </p:nvSpPr>
+        <p:spPr>
+          <a:xfrm>
+            <a:off x="10750550" y="5060950"/>
+            <a:ext cx="982345" cy="428625"/>
+          </a:xfrm>
+          <a:prstGeom prst="rect">
+            <a:avLst/>
+          </a:prstGeom>
+        </p:spPr>
+        <p:style>
+          <a:lnRef idx="2">
+            <a:schemeClr val="accent1">
+              <a:lumMod val="75000"/>
+            </a:schemeClr>
+          </a:lnRef>
+          <a:fillRef idx="1">
+            <a:schemeClr val="accent1"/>
+          </a:fillRef>
+          <a:effectRef idx="0">
+            <a:srgbClr val="FFFFFF"/>
+          </a:effectRef>
+          <a:fontRef idx="minor">
+            <a:schemeClr val="lt1"/>
+          </a:fontRef>
+        </p:style>
+        <p:txBody>
+          <a:bodyPr rtlCol="0" anchor="ctr"/>
+          <a:p>
+            <a:pPr algn="ctr"/>
+            <a:r>
+              <a:rPr lang="en-US" altLang="zh-CN" sz="1200"/>
+              <a:t>Paragraph</a:t>
+            </a:r>
+            <a:endParaRPr lang="en-US" altLang="zh-CN" sz="1200"/>
+          </a:p>
+        </p:txBody>
+      </p:sp>
+      <p:sp>
+        <p:nvSpPr>
+          <p:cNvPr id="28" name="矩形 27"/>
+          <p:cNvSpPr/>
+          <p:nvPr>
+            <p:custDataLst>
+              <p:tags r:id="rId19"/>
+            </p:custDataLst>
+          </p:nvPr>
+        </p:nvSpPr>
+        <p:spPr>
+          <a:xfrm>
+            <a:off x="7502525" y="4027170"/>
+            <a:ext cx="982345" cy="428625"/>
+          </a:xfrm>
+          <a:prstGeom prst="rect">
+            <a:avLst/>
+          </a:prstGeom>
+        </p:spPr>
+        <p:style>
+          <a:lnRef idx="2">
+            <a:schemeClr val="accent1">
+              <a:lumMod val="75000"/>
+            </a:schemeClr>
+          </a:lnRef>
+          <a:fillRef idx="1">
+            <a:schemeClr val="accent1"/>
+          </a:fillRef>
+          <a:effectRef idx="0">
+            <a:srgbClr val="FFFFFF"/>
+          </a:effectRef>
+          <a:fontRef idx="minor">
+            <a:schemeClr val="lt1"/>
+          </a:fontRef>
+        </p:style>
+        <p:txBody>
+          <a:bodyPr rtlCol="0" anchor="ctr"/>
+          <a:p>
+            <a:pPr algn="ctr"/>
+            <a:r>
+              <a:rPr lang="en-US" altLang="zh-CN" sz="1200"/>
+              <a:t>Scene</a:t>
+            </a:r>
+            <a:endParaRPr lang="en-US" altLang="zh-CN" sz="1200"/>
+          </a:p>
+        </p:txBody>
+      </p:sp>
+      <p:sp>
+        <p:nvSpPr>
+          <p:cNvPr id="29" name="矩形 28"/>
+          <p:cNvSpPr/>
+          <p:nvPr>
+            <p:custDataLst>
+              <p:tags r:id="rId20"/>
+            </p:custDataLst>
+          </p:nvPr>
+        </p:nvSpPr>
+        <p:spPr>
+          <a:xfrm>
+            <a:off x="8585200" y="4027170"/>
+            <a:ext cx="982345" cy="428625"/>
+          </a:xfrm>
+          <a:prstGeom prst="rect">
+            <a:avLst/>
+          </a:prstGeom>
+        </p:spPr>
+        <p:style>
+          <a:lnRef idx="2">
+            <a:schemeClr val="accent1">
+              <a:lumMod val="75000"/>
+            </a:schemeClr>
+          </a:lnRef>
+          <a:fillRef idx="1">
+            <a:schemeClr val="accent1"/>
+          </a:fillRef>
+          <a:effectRef idx="0">
+            <a:srgbClr val="FFFFFF"/>
+          </a:effectRef>
+          <a:fontRef idx="minor">
+            <a:schemeClr val="lt1"/>
+          </a:fontRef>
+        </p:style>
+        <p:txBody>
+          <a:bodyPr rtlCol="0" anchor="ctr"/>
+          <a:p>
+            <a:pPr algn="ctr"/>
+            <a:r>
+              <a:rPr lang="en-US" altLang="zh-CN" sz="1200"/>
+              <a:t>TextBox</a:t>
+            </a:r>
+            <a:endParaRPr lang="en-US" altLang="zh-CN" sz="1200"/>
+          </a:p>
+        </p:txBody>
+      </p:sp>
+      <p:sp>
+        <p:nvSpPr>
+          <p:cNvPr id="30" name="矩形 29"/>
+          <p:cNvSpPr/>
+          <p:nvPr>
+            <p:custDataLst>
+              <p:tags r:id="rId21"/>
+            </p:custDataLst>
+          </p:nvPr>
+        </p:nvSpPr>
+        <p:spPr>
+          <a:xfrm>
+            <a:off x="9667875" y="4027170"/>
+            <a:ext cx="982345" cy="428625"/>
+          </a:xfrm>
+          <a:prstGeom prst="rect">
+            <a:avLst/>
+          </a:prstGeom>
+        </p:spPr>
+        <p:style>
+          <a:lnRef idx="2">
+            <a:schemeClr val="accent1">
+              <a:lumMod val="75000"/>
+            </a:schemeClr>
+          </a:lnRef>
+          <a:fillRef idx="1">
+            <a:schemeClr val="accent1"/>
+          </a:fillRef>
+          <a:effectRef idx="0">
+            <a:srgbClr val="FFFFFF"/>
+          </a:effectRef>
+          <a:fontRef idx="minor">
+            <a:schemeClr val="lt1"/>
+          </a:fontRef>
+        </p:style>
+        <p:txBody>
+          <a:bodyPr rtlCol="0" anchor="ctr"/>
+          <a:p>
+            <a:pPr algn="ctr"/>
+            <a:r>
+              <a:rPr lang="en-US" altLang="zh-CN" sz="1200"/>
+              <a:t>TextDecoration</a:t>
+            </a:r>
+            <a:endParaRPr lang="en-US" altLang="zh-CN" sz="1200"/>
+          </a:p>
+        </p:txBody>
+      </p:sp>
+      <p:sp>
+        <p:nvSpPr>
+          <p:cNvPr id="32" name="矩形 31"/>
+          <p:cNvSpPr/>
+          <p:nvPr>
+            <p:custDataLst>
+              <p:tags r:id="rId22"/>
+            </p:custDataLst>
+          </p:nvPr>
+        </p:nvSpPr>
+        <p:spPr>
+          <a:xfrm>
+            <a:off x="10750550" y="4027170"/>
+            <a:ext cx="982345" cy="428625"/>
+          </a:xfrm>
+          <a:prstGeom prst="rect">
+            <a:avLst/>
+          </a:prstGeom>
+        </p:spPr>
+        <p:style>
+          <a:lnRef idx="2">
+            <a:schemeClr val="accent1">
+              <a:lumMod val="75000"/>
+            </a:schemeClr>
+          </a:lnRef>
+          <a:fillRef idx="1">
+            <a:schemeClr val="accent1"/>
+          </a:fillRef>
+          <a:effectRef idx="0">
+            <a:srgbClr val="FFFFFF"/>
+          </a:effectRef>
+          <a:fontRef idx="minor">
+            <a:schemeClr val="lt1"/>
+          </a:fontRef>
+        </p:style>
+        <p:txBody>
+          <a:bodyPr rtlCol="0" anchor="ctr"/>
+          <a:p>
+            <a:pPr algn="ctr"/>
+            <a:r>
+              <a:rPr lang="en-US" altLang="zh-CN" sz="1200"/>
+              <a:t>TextStyle</a:t>
+            </a:r>
+            <a:endParaRPr lang="en-US" altLang="zh-CN" sz="1200"/>
+          </a:p>
+        </p:txBody>
+      </p:sp>
+    </p:spTree>
+    <p:custDataLst>
+      <p:tags r:id="rId23"/>
+    </p:custDataLst>
+  </p:cSld>
+  <p:clrMapOvr>
+    <a:masterClrMapping/>
+  </p:clrMapOvr>
+</p:sld>
+</file>
+
+<file path=ppt/slides/slide28.xml><?xml version="1.0" encoding="utf-8"?>
+<p:sld xmlns:a="http://schemas.openxmlformats.org/drawingml/2006/main" xmlns:r="http://schemas.openxmlformats.org/officeDocument/2006/relationships" xmlns:p="http://schemas.openxmlformats.org/presentationml/2006/main">
+  <p:cSld>
+    <p:spTree>
+      <p:nvGrpSpPr>
+        <p:cNvPr id="1" name=""/>
+        <p:cNvGrpSpPr/>
+        <p:nvPr/>
+      </p:nvGrpSpPr>
+      <p:grpSpPr/>
+      <p:sp>
+        <p:nvSpPr>
+          <p:cNvPr id="2" name="标题 1"/>
+          <p:cNvSpPr>
+            <a:spLocks noGrp="1"/>
+          </p:cNvSpPr>
+          <p:nvPr>
+            <p:ph type="title"/>
+          </p:nvPr>
+        </p:nvSpPr>
+        <p:spPr/>
+        <p:txBody>
+          <a:bodyPr/>
+          <a:p>
+            <a:r>
+              <a:rPr lang="en-US" altLang="zh-CN"/>
+              <a:t>Internal</a:t>
+            </a:r>
+            <a:endParaRPr lang="en-US" altLang="zh-CN"/>
+          </a:p>
+        </p:txBody>
+      </p:sp>
+      <p:pic>
+        <p:nvPicPr>
+          <p:cNvPr id="100" name="图片 99"/>
+          <p:cNvPicPr/>
+          <p:nvPr/>
+        </p:nvPicPr>
+        <p:blipFill>
+          <a:blip r:embed="rId1"/>
+          <a:stretch>
+            <a:fillRect/>
+          </a:stretch>
+        </p:blipFill>
+        <p:spPr>
+          <a:xfrm>
+            <a:off x="1204595" y="1490980"/>
+            <a:ext cx="6548120" cy="3006725"/>
+          </a:xfrm>
+          <a:prstGeom prst="rect">
+            <a:avLst/>
+          </a:prstGeom>
+          <a:noFill/>
+          <a:ln w="9525">
+            <a:noFill/>
+          </a:ln>
+        </p:spPr>
+      </p:pic>
+    </p:spTree>
+    <p:custDataLst>
+      <p:tags r:id="rId2"/>
+    </p:custDataLst>
+  </p:cSld>
+  <p:clrMapOvr>
+    <a:masterClrMapping/>
+  </p:clrMapOvr>
+</p:sld>
+</file>
+
+<file path=ppt/slides/slide29.xml><?xml version="1.0" encoding="utf-8"?>
+<p:sld xmlns:a="http://schemas.openxmlformats.org/drawingml/2006/main" xmlns:r="http://schemas.openxmlformats.org/officeDocument/2006/relationships" xmlns:p="http://schemas.openxmlformats.org/presentationml/2006/main">
+  <p:cSld>
+    <p:spTree>
+      <p:nvGrpSpPr>
+        <p:cNvPr id="1" name=""/>
+        <p:cNvGrpSpPr/>
+        <p:nvPr/>
+      </p:nvGrpSpPr>
+      <p:grpSpPr/>
+      <p:sp>
+        <p:nvSpPr>
+          <p:cNvPr id="2" name="标题 1"/>
+          <p:cNvSpPr>
+            <a:spLocks noGrp="1"/>
+          </p:cNvSpPr>
+          <p:nvPr>
+            <p:ph type="title"/>
+          </p:nvPr>
+        </p:nvSpPr>
+        <p:spPr/>
+        <p:txBody>
+          <a:bodyPr/>
+          <a:p>
+            <a:r>
+              <a:rPr lang="en-US" altLang="zh-CN"/>
+              <a:t>Dart Package</a:t>
+            </a:r>
+            <a:endParaRPr lang="en-US" altLang="zh-CN"/>
+          </a:p>
+        </p:txBody>
+      </p:sp>
+      <p:sp>
+        <p:nvSpPr>
+          <p:cNvPr id="3" name="内容占位符 2"/>
+          <p:cNvSpPr>
+            <a:spLocks noGrp="1"/>
+          </p:cNvSpPr>
+          <p:nvPr>
+            <p:ph idx="1"/>
+          </p:nvPr>
+        </p:nvSpPr>
+        <p:spPr/>
+        <p:txBody>
+          <a:bodyPr/>
+          <a:p>
+            <a:r>
+              <a:rPr lang="en-US" altLang="zh-CN"/>
+              <a:t>Refrences</a:t>
+            </a:r>
+            <a:endParaRPr lang="en-US" altLang="zh-CN"/>
+          </a:p>
+          <a:p>
+            <a:pPr lvl="1"/>
+            <a:r>
+              <a:rPr lang="en-US" altLang="zh-CN"/>
+              <a:t>https://docs.flutter.dev/packages-and-plugins/developing-packages</a:t>
+            </a:r>
+            <a:endParaRPr lang="en-US" altLang="zh-CN"/>
+          </a:p>
+          <a:p>
+            <a:pPr lvl="0"/>
+            <a:r>
+              <a:rPr lang="en-US" altLang="zh-CN"/>
+              <a:t>Concept</a:t>
+            </a:r>
+            <a:endParaRPr lang="en-US" altLang="zh-CN"/>
+          </a:p>
+          <a:p>
+            <a:pPr lvl="1"/>
+            <a:r>
+              <a:rPr lang="en-US" altLang="zh-CN"/>
+              <a:t>dart package</a:t>
+            </a:r>
+            <a:endParaRPr lang="en-US" altLang="zh-CN"/>
+          </a:p>
+          <a:p>
+            <a:pPr lvl="1"/>
+            <a:r>
+              <a:rPr lang="en-US" altLang="zh-CN" sz="2000"/>
+              <a:t>plugin package</a:t>
+            </a:r>
+            <a:endParaRPr lang="en-US" altLang="zh-CN" sz="2000"/>
+          </a:p>
+          <a:p>
+            <a:pPr lvl="2"/>
+            <a:r>
+              <a:rPr lang="en-US" altLang="zh-CN"/>
+              <a:t>a specialized Dart package that contains an API written in Dart code combined with one or more platform-specific implementations.</a:t>
+            </a:r>
+            <a:endParaRPr lang="en-US" altLang="zh-CN"/>
+          </a:p>
+          <a:p>
+            <a:pPr lvl="0"/>
+            <a:r>
+              <a:rPr lang="en-US" altLang="zh-CN"/>
+              <a:t>Steps</a:t>
+            </a:r>
+            <a:endParaRPr lang="en-US" altLang="zh-CN"/>
+          </a:p>
+          <a:p>
+            <a:pPr lvl="1"/>
+            <a:r>
+              <a:rPr lang="en-US" altLang="zh-CN"/>
+              <a:t>flutter create --template=package hello</a:t>
+            </a:r>
+            <a:endParaRPr lang="en-US" altLang="zh-CN"/>
+          </a:p>
+          <a:p>
+            <a:pPr lvl="1"/>
+            <a:r>
+              <a:rPr lang="en-US" altLang="zh-CN"/>
+              <a:t>pubspec.yaml</a:t>
+            </a:r>
+            <a:endParaRPr lang="en-US" altLang="zh-CN"/>
+          </a:p>
+          <a:p>
+            <a:pPr lvl="1"/>
+            <a:r>
+              <a:rPr lang="en-US" altLang="zh-CN"/>
+              <a:t>lib/hello.dart</a:t>
+            </a:r>
+            <a:endParaRPr lang="en-US" altLang="zh-CN"/>
+          </a:p>
+        </p:txBody>
+      </p:sp>
+    </p:spTree>
+    <p:custDataLst>
+      <p:tags r:id="rId1"/>
+    </p:custDataLst>
+  </p:cSld>
+  <p:clrMapOvr>
+    <a:masterClrMapping/>
+  </p:clrMapOvr>
+</p:sld>
+</file>
+
+<file path=ppt/slides/slide3.xml><?xml version="1.0" encoding="utf-8"?>
+<p:sld xmlns:a="http://schemas.openxmlformats.org/drawingml/2006/main" xmlns:r="http://schemas.openxmlformats.org/officeDocument/2006/relationships" xmlns:p="http://schemas.openxmlformats.org/presentationml/2006/main">
+  <p:cSld>
+    <p:spTree>
+      <p:nvGrpSpPr>
+        <p:cNvPr id="1" name=""/>
+        <p:cNvGrpSpPr/>
+        <p:nvPr/>
+      </p:nvGrpSpPr>
+      <p:grpSpPr/>
+      <p:sp>
+        <p:nvSpPr>
+          <p:cNvPr id="2" name="标题 1"/>
+          <p:cNvSpPr>
+            <a:spLocks noGrp="1"/>
+          </p:cNvSpPr>
+          <p:nvPr>
+            <p:ph type="title"/>
+          </p:nvPr>
+        </p:nvSpPr>
+        <p:spPr/>
+        <p:txBody>
+          <a:bodyPr/>
+          <a:p>
+            <a:r>
+              <a:rPr lang="en-US" altLang="zh-CN"/>
+              <a:t>References</a:t>
+            </a:r>
+            <a:endParaRPr lang="en-US" altLang="zh-CN"/>
+          </a:p>
+        </p:txBody>
+      </p:sp>
+      <p:sp>
+        <p:nvSpPr>
+          <p:cNvPr id="3" name="内容占位符 2"/>
+          <p:cNvSpPr>
+            <a:spLocks noGrp="1"/>
+          </p:cNvSpPr>
+          <p:nvPr>
+            <p:ph idx="1"/>
+          </p:nvPr>
+        </p:nvSpPr>
+        <p:spPr/>
+        <p:txBody>
+          <a:bodyPr/>
+          <a:p>
+            <a:pPr marL="342900" lvl="1" algn="l">
+              <a:spcBef>
+                <a:spcPts val="1000"/>
+              </a:spcBef>
+              <a:buClrTx/>
+              <a:buSzTx/>
+              <a:buFont typeface="黑体" panose="02010609060101010101" pitchFamily="49" charset="-122"/>
+              <a:buChar char="〉"/>
+            </a:pPr>
+            <a:r>
+              <a:rPr lang="zh-CN" altLang="en-US" sz="2400">
+                <a:sym typeface="+mn-ea"/>
+              </a:rPr>
+              <a:t>https://www.tutorialspoint.com/flutter/index.htm</a:t>
+            </a:r>
+            <a:endParaRPr lang="zh-CN" altLang="en-US" sz="2400">
+              <a:sym typeface="+mn-ea"/>
+            </a:endParaRPr>
+          </a:p>
+          <a:p>
+            <a:pPr marL="342900" lvl="1" algn="l">
+              <a:spcBef>
+                <a:spcPts val="1000"/>
+              </a:spcBef>
+              <a:buClrTx/>
+              <a:buSzTx/>
+              <a:buFont typeface="黑体" panose="02010609060101010101" pitchFamily="49" charset="-122"/>
+              <a:buChar char="〉"/>
+            </a:pPr>
+            <a:r>
+              <a:rPr lang="zh-CN" altLang="en-US" sz="2400"/>
+              <a:t>https://docs.flutter.dev/</a:t>
+            </a:r>
+            <a:endParaRPr lang="zh-CN" altLang="en-US" sz="2400"/>
+          </a:p>
+          <a:p>
+            <a:pPr marL="342900" lvl="1" algn="l">
+              <a:spcBef>
+                <a:spcPts val="1000"/>
+              </a:spcBef>
+              <a:buClrTx/>
+              <a:buSzTx/>
+              <a:buFont typeface="黑体" panose="02010609060101010101" pitchFamily="49" charset="-122"/>
+              <a:buChar char="〉"/>
+            </a:pPr>
+            <a:r>
+              <a:rPr lang="zh-CN" altLang="en-US" sz="2400"/>
+              <a:t>https://flutter.cn/</a:t>
+            </a:r>
+            <a:endParaRPr lang="zh-CN" altLang="en-US" sz="2400"/>
+          </a:p>
+          <a:p>
+            <a:pPr marL="342900" lvl="1" algn="l">
+              <a:spcBef>
+                <a:spcPts val="1000"/>
+              </a:spcBef>
+              <a:buClrTx/>
+              <a:buSzTx/>
+              <a:buFont typeface="黑体" panose="02010609060101010101" pitchFamily="49" charset="-122"/>
+              <a:buChar char="〉"/>
+            </a:pPr>
+            <a:r>
+              <a:rPr lang="zh-CN" altLang="en-US" sz="2400"/>
+              <a:t>https://docs.flutter.dev/community/china</a:t>
+            </a:r>
+            <a:endParaRPr lang="zh-CN" altLang="en-US" sz="2400"/>
+          </a:p>
+          <a:p>
+            <a:endParaRPr lang="zh-CN" altLang="en-US"/>
+          </a:p>
+        </p:txBody>
+      </p:sp>
+    </p:spTree>
+    <p:custDataLst>
+      <p:tags r:id="rId1"/>
+    </p:custDataLst>
+  </p:cSld>
+  <p:clrMapOvr>
+    <a:masterClrMapping/>
+  </p:clrMapOvr>
+</p:sld>
+</file>
+
+<file path=ppt/slides/slide30.xml><?xml version="1.0" encoding="utf-8"?>
+<p:sld xmlns:a="http://schemas.openxmlformats.org/drawingml/2006/main" xmlns:r="http://schemas.openxmlformats.org/officeDocument/2006/relationships" xmlns:p="http://schemas.openxmlformats.org/presentationml/2006/main">
+  <p:cSld>
+    <p:spTree>
+      <p:nvGrpSpPr>
+        <p:cNvPr id="1" name=""/>
+        <p:cNvGrpSpPr/>
+        <p:nvPr/>
+      </p:nvGrpSpPr>
+      <p:grpSpPr/>
+      <p:sp>
+        <p:nvSpPr>
+          <p:cNvPr id="2" name="标题 1"/>
+          <p:cNvSpPr>
+            <a:spLocks noGrp="1"/>
+          </p:cNvSpPr>
+          <p:nvPr>
+            <p:ph type="title"/>
+          </p:nvPr>
+        </p:nvSpPr>
+        <p:spPr/>
+        <p:txBody>
+          <a:bodyPr/>
+          <a:p>
+            <a:r>
+              <a:rPr lang="en-US" altLang="zh-CN"/>
+              <a:t>Dart Library</a:t>
+            </a:r>
+            <a:endParaRPr lang="en-US" altLang="zh-CN"/>
+          </a:p>
+        </p:txBody>
+      </p:sp>
+      <p:sp>
+        <p:nvSpPr>
+          <p:cNvPr id="3" name="内容占位符 2"/>
+          <p:cNvSpPr>
+            <a:spLocks noGrp="1"/>
+          </p:cNvSpPr>
+          <p:nvPr>
+            <p:ph idx="1"/>
+          </p:nvPr>
+        </p:nvSpPr>
+        <p:spPr/>
+        <p:txBody>
+          <a:bodyPr/>
+          <a:p>
+            <a:r>
+              <a:rPr lang="en-US" altLang="zh-CN"/>
+              <a:t>Create a library</a:t>
+            </a:r>
+            <a:endParaRPr lang="en-US" altLang="zh-CN"/>
+          </a:p>
+          <a:p>
+            <a:pPr lvl="1"/>
+            <a:r>
+              <a:rPr lang="en-US" altLang="zh-CN"/>
+              <a:t>Add a library declarition at the top of .dart file</a:t>
+            </a:r>
+            <a:endParaRPr lang="zh-CN" altLang="en-US"/>
+          </a:p>
+          <a:p>
+            <a:pPr lvl="2"/>
+            <a:r>
+              <a:rPr lang="zh-CN" altLang="en-US"/>
+              <a:t>library library_name;</a:t>
+            </a:r>
+            <a:endParaRPr lang="zh-CN" altLang="en-US"/>
+          </a:p>
+          <a:p>
+            <a:pPr lvl="0"/>
+            <a:r>
+              <a:rPr lang="en-US" altLang="zh-CN"/>
+              <a:t>Use a library</a:t>
+            </a:r>
+            <a:endParaRPr lang="en-US" altLang="zh-CN"/>
+          </a:p>
+          <a:p>
+            <a:pPr lvl="1"/>
+            <a:r>
+              <a:rPr lang="en-US" altLang="zh-CN"/>
+              <a:t>import</a:t>
+            </a:r>
+            <a:endParaRPr lang="en-US" altLang="zh-CN"/>
+          </a:p>
+        </p:txBody>
+      </p:sp>
+    </p:spTree>
+    <p:custDataLst>
+      <p:tags r:id="rId1"/>
+    </p:custDataLst>
+  </p:cSld>
+  <p:clrMapOvr>
+    <a:masterClrMapping/>
+  </p:clrMapOvr>
+</p:sld>
+</file>
+
+<file path=ppt/slides/slide31.xml><?xml version="1.0" encoding="utf-8"?>
+<p:sld xmlns:a="http://schemas.openxmlformats.org/drawingml/2006/main" xmlns:r="http://schemas.openxmlformats.org/officeDocument/2006/relationships" xmlns:p="http://schemas.openxmlformats.org/presentationml/2006/main">
+  <p:cSld>
+    <p:spTree>
+      <p:nvGrpSpPr>
+        <p:cNvPr id="1" name=""/>
+        <p:cNvGrpSpPr/>
+        <p:nvPr/>
+      </p:nvGrpSpPr>
+      <p:grpSpPr/>
+      <p:sp>
+        <p:nvSpPr>
+          <p:cNvPr id="2" name="标题 1"/>
+          <p:cNvSpPr>
+            <a:spLocks noGrp="1"/>
+          </p:cNvSpPr>
+          <p:nvPr>
+            <p:ph type="title"/>
+          </p:nvPr>
+        </p:nvSpPr>
+        <p:spPr/>
+        <p:txBody>
+          <a:bodyPr/>
+          <a:p>
+            <a:r>
+              <a:rPr lang="en-US" altLang="zh-CN"/>
+              <a:t>Packages</a:t>
+            </a:r>
+            <a:endParaRPr lang="en-US" altLang="zh-CN"/>
+          </a:p>
+        </p:txBody>
+      </p:sp>
+      <p:sp>
+        <p:nvSpPr>
+          <p:cNvPr id="3" name="内容占位符 2"/>
+          <p:cNvSpPr>
+            <a:spLocks noGrp="1"/>
+          </p:cNvSpPr>
+          <p:nvPr>
+            <p:ph idx="1"/>
+          </p:nvPr>
+        </p:nvSpPr>
+        <p:spPr>
+          <a:xfrm>
+            <a:off x="838200" y="1211580"/>
+            <a:ext cx="4423410" cy="4549140"/>
+          </a:xfrm>
+        </p:spPr>
+        <p:txBody>
+          <a:bodyPr/>
+          <a:p>
+            <a:r>
+              <a:rPr lang="en-US" altLang="zh-CN"/>
+              <a:t>pub</a:t>
+            </a:r>
+            <a:endParaRPr lang="en-US" altLang="zh-CN"/>
+          </a:p>
+          <a:p>
+            <a:r>
+              <a:rPr lang="en-US" altLang="zh-CN"/>
+              <a:t>https://pub.dev/</a:t>
+            </a:r>
+            <a:endParaRPr lang="en-US" altLang="zh-CN"/>
+          </a:p>
+          <a:p>
+            <a:r>
+              <a:rPr lang="en-US" altLang="zh-CN"/>
+              <a:t>pubspec</a:t>
+            </a:r>
+            <a:endParaRPr lang="en-US" altLang="zh-CN"/>
+          </a:p>
+          <a:p>
+            <a:pPr lvl="1"/>
+            <a:r>
+              <a:rPr lang="en-US" altLang="zh-CN"/>
+              <a:t>pubspec.yaml</a:t>
+            </a:r>
+            <a:endParaRPr lang="en-US" altLang="zh-CN"/>
+          </a:p>
+          <a:p>
+            <a:pPr lvl="0"/>
+            <a:r>
+              <a:rPr lang="en-US" altLang="zh-CN"/>
+              <a:t>general-purpose packages</a:t>
+            </a:r>
+            <a:endParaRPr lang="en-US" altLang="zh-CN"/>
+          </a:p>
+          <a:p>
+            <a:pPr lvl="1"/>
+            <a:r>
+              <a:rPr lang="en-US" altLang="zh-CN"/>
+              <a:t>archive, characters, http, intl, json_serializable, logging, mockito, path, quiver, shelf, stack_trace, test, yaml</a:t>
+            </a:r>
+            <a:endParaRPr lang="en-US" altLang="zh-CN"/>
+          </a:p>
+          <a:p>
+            <a:pPr lvl="1"/>
+            <a:r>
+              <a:rPr lang="en-US" altLang="zh-CN"/>
+              <a:t>async, collection, convert, io</a:t>
+            </a:r>
+            <a:endParaRPr lang="en-US" altLang="zh-CN"/>
+          </a:p>
+        </p:txBody>
+      </p:sp>
+      <p:graphicFrame>
+        <p:nvGraphicFramePr>
+          <p:cNvPr id="4" name="表格 3"/>
+          <p:cNvGraphicFramePr/>
+          <p:nvPr>
+            <p:custDataLst>
+              <p:tags r:id="rId1"/>
+            </p:custDataLst>
+          </p:nvPr>
+        </p:nvGraphicFramePr>
+        <p:xfrm>
+          <a:off x="5467985" y="914400"/>
+          <a:ext cx="5966460" cy="2667000"/>
+        </p:xfrm>
+        <a:graphic>
+          <a:graphicData uri="http://schemas.openxmlformats.org/drawingml/2006/table">
+            <a:tbl>
+              <a:tblPr firstRow="1" bandRow="1">
+                <a:tableStyleId>{5C22544A-7EE6-4342-B048-85BDC9FD1C3A}</a:tableStyleId>
+              </a:tblPr>
+              <a:tblGrid>
+                <a:gridCol w="1939290"/>
+                <a:gridCol w="4027170"/>
+              </a:tblGrid>
+              <a:tr h="381000">
+                <a:tc>
+                  <a:txBody>
+                    <a:bodyPr/>
+                    <a:p>
+                      <a:pPr algn="ctr">
+                        <a:buNone/>
+                      </a:pPr>
+                      <a:r>
+                        <a:rPr lang="en-US" altLang="zh-CN"/>
+                        <a:t>Command</a:t>
+                      </a:r>
+                      <a:endParaRPr lang="en-US" altLang="zh-CN"/>
+                    </a:p>
+                  </a:txBody>
+                  <a:tcPr anchor="ctr" anchorCtr="0"/>
+                </a:tc>
+                <a:tc>
+                  <a:txBody>
+                    <a:bodyPr/>
+                    <a:p>
+                      <a:pPr algn="ctr">
+                        <a:buNone/>
+                      </a:pPr>
+                      <a:r>
+                        <a:rPr lang="en-US" altLang="zh-CN"/>
+                        <a:t>Note</a:t>
+                      </a:r>
+                      <a:endParaRPr lang="en-US" altLang="zh-CN"/>
+                    </a:p>
+                  </a:txBody>
+                  <a:tcPr anchor="ctr" anchorCtr="0"/>
+                </a:tc>
+              </a:tr>
+              <a:tr h="381000">
+                <a:tc>
+                  <a:txBody>
+                    <a:bodyPr/>
+                    <a:p>
+                      <a:pPr>
+                        <a:buNone/>
+                      </a:pPr>
+                      <a:r>
+                        <a:rPr lang="en-US" altLang="zh-CN"/>
+                        <a:t>dart pub get</a:t>
+                      </a:r>
+                      <a:endParaRPr lang="en-US" altLang="zh-CN"/>
+                    </a:p>
+                  </a:txBody>
+                  <a:tcPr/>
+                </a:tc>
+                <a:tc>
+                  <a:txBody>
+                    <a:bodyPr/>
+                    <a:p>
+                      <a:pPr>
+                        <a:buNone/>
+                      </a:pPr>
+                      <a:r>
+                        <a:rPr lang="en-US" altLang="zh-CN"/>
+                        <a:t>get all packages the application is dependent upon</a:t>
+                      </a:r>
+                      <a:endParaRPr lang="en-US" altLang="zh-CN"/>
+                    </a:p>
+                  </a:txBody>
+                  <a:tcPr/>
+                </a:tc>
+              </a:tr>
+              <a:tr h="381000">
+                <a:tc>
+                  <a:txBody>
+                    <a:bodyPr/>
+                    <a:p>
+                      <a:pPr>
+                        <a:buNone/>
+                      </a:pPr>
+                      <a:r>
+                        <a:rPr lang="en-US" altLang="zh-CN" sz="1800">
+                          <a:sym typeface="+mn-ea"/>
+                        </a:rPr>
+                        <a:t>dart </a:t>
+                      </a:r>
+                      <a:r>
+                        <a:rPr lang="en-US" altLang="zh-CN"/>
+                        <a:t>pub upgrade</a:t>
+                      </a:r>
+                      <a:endParaRPr lang="en-US" altLang="zh-CN"/>
+                    </a:p>
+                  </a:txBody>
+                  <a:tcPr/>
+                </a:tc>
+                <a:tc>
+                  <a:txBody>
+                    <a:bodyPr/>
+                    <a:p>
+                      <a:pPr>
+                        <a:buNone/>
+                      </a:pPr>
+                      <a:endParaRPr lang="zh-CN" altLang="en-US"/>
+                    </a:p>
+                  </a:txBody>
+                  <a:tcPr/>
+                </a:tc>
+              </a:tr>
+              <a:tr h="381000">
+                <a:tc>
+                  <a:txBody>
+                    <a:bodyPr/>
+                    <a:p>
+                      <a:pPr>
+                        <a:buNone/>
+                      </a:pPr>
+                      <a:r>
+                        <a:rPr lang="en-US" altLang="zh-CN" sz="1800">
+                          <a:sym typeface="+mn-ea"/>
+                        </a:rPr>
+                        <a:t>dart </a:t>
+                      </a:r>
+                      <a:r>
+                        <a:rPr lang="en-US" altLang="zh-CN"/>
+                        <a:t>pub build</a:t>
+                      </a:r>
+                      <a:endParaRPr lang="en-US" altLang="zh-CN"/>
+                    </a:p>
+                  </a:txBody>
+                  <a:tcPr/>
+                </a:tc>
+                <a:tc>
+                  <a:txBody>
+                    <a:bodyPr/>
+                    <a:p>
+                      <a:pPr>
+                        <a:buNone/>
+                      </a:pPr>
+                      <a:endParaRPr lang="zh-CN" altLang="en-US"/>
+                    </a:p>
+                  </a:txBody>
+                  <a:tcPr/>
+                </a:tc>
+              </a:tr>
+              <a:tr h="381000">
+                <a:tc>
+                  <a:txBody>
+                    <a:bodyPr/>
+                    <a:p>
+                      <a:pPr>
+                        <a:buNone/>
+                      </a:pPr>
+                      <a:r>
+                        <a:rPr lang="en-US" altLang="zh-CN" sz="1800">
+                          <a:sym typeface="+mn-ea"/>
+                        </a:rPr>
+                        <a:t>dart </a:t>
+                      </a:r>
+                      <a:r>
+                        <a:rPr lang="en-US" altLang="zh-CN"/>
+                        <a:t>pub add</a:t>
+                      </a:r>
+                      <a:endParaRPr lang="en-US" altLang="zh-CN"/>
+                    </a:p>
+                  </a:txBody>
+                  <a:tcPr/>
+                </a:tc>
+                <a:tc>
+                  <a:txBody>
+                    <a:bodyPr/>
+                    <a:p>
+                      <a:pPr>
+                        <a:buNone/>
+                      </a:pPr>
+                      <a:r>
+                        <a:rPr lang="en-US" altLang="zh-CN"/>
+                        <a:t>add a dependency</a:t>
+                      </a:r>
+                      <a:endParaRPr lang="en-US" altLang="zh-CN"/>
+                    </a:p>
+                  </a:txBody>
+                  <a:tcPr/>
+                </a:tc>
+              </a:tr>
+              <a:tr h="381000">
+                <a:tc>
+                  <a:txBody>
+                    <a:bodyPr/>
+                    <a:p>
+                      <a:pPr>
+                        <a:buNone/>
+                      </a:pPr>
+                      <a:r>
+                        <a:rPr lang="en-US" altLang="zh-CN"/>
+                        <a:t>dart pub deps</a:t>
+                      </a:r>
+                      <a:endParaRPr lang="en-US" altLang="zh-CN"/>
+                    </a:p>
+                  </a:txBody>
+                  <a:tcPr/>
+                </a:tc>
+                <a:tc>
+                  <a:txBody>
+                    <a:bodyPr/>
+                    <a:p>
+                      <a:pPr>
+                        <a:buNone/>
+                      </a:pPr>
+                      <a:r>
+                        <a:rPr lang="en-US" altLang="zh-CN"/>
+                        <a:t>print dependencies</a:t>
+                      </a:r>
+                      <a:endParaRPr lang="en-US" altLang="zh-CN"/>
+                    </a:p>
+                  </a:txBody>
+                  <a:tcPr/>
+                </a:tc>
+              </a:tr>
+              <a:tr h="381000">
+                <a:tc>
+                  <a:txBody>
+                    <a:bodyPr/>
+                    <a:p>
+                      <a:pPr>
+                        <a:buNone/>
+                      </a:pPr>
+                      <a:endParaRPr lang="zh-CN" altLang="en-US"/>
+                    </a:p>
+                  </a:txBody>
+                  <a:tcPr/>
+                </a:tc>
+                <a:tc>
+                  <a:txBody>
+                    <a:bodyPr/>
+                    <a:p>
+                      <a:pPr>
+                        <a:buNone/>
+                      </a:pPr>
+                      <a:endParaRPr lang="zh-CN" altLang="en-US"/>
+                    </a:p>
+                  </a:txBody>
+                  <a:tcPr/>
+                </a:tc>
+              </a:tr>
+            </a:tbl>
+          </a:graphicData>
+        </a:graphic>
+      </p:graphicFrame>
+    </p:spTree>
+    <p:custDataLst>
+      <p:tags r:id="rId2"/>
+    </p:custDataLst>
+  </p:cSld>
+  <p:clrMapOvr>
+    <a:masterClrMapping/>
+  </p:clrMapOvr>
+</p:sld>
+</file>
+
+<file path=ppt/slides/slide32.xml><?xml version="1.0" encoding="utf-8"?>
+<p:sld xmlns:a="http://schemas.openxmlformats.org/drawingml/2006/main" xmlns:r="http://schemas.openxmlformats.org/officeDocument/2006/relationships" xmlns:p="http://schemas.openxmlformats.org/presentationml/2006/main">
+  <p:cSld>
+    <p:spTree>
+      <p:nvGrpSpPr>
+        <p:cNvPr id="1" name=""/>
+        <p:cNvGrpSpPr/>
+        <p:nvPr/>
+      </p:nvGrpSpPr>
+      <p:grpSpPr/>
+      <p:sp>
+        <p:nvSpPr>
+          <p:cNvPr id="2" name="标题 1"/>
+          <p:cNvSpPr>
+            <a:spLocks noGrp="1"/>
+          </p:cNvSpPr>
+          <p:nvPr>
+            <p:ph type="title"/>
+          </p:nvPr>
+        </p:nvSpPr>
+        <p:spPr/>
+        <p:txBody>
+          <a:bodyPr/>
+          <a:p>
+            <a:r>
+              <a:rPr lang="en-US" altLang="zh-CN"/>
+              <a:t>Drawing</a:t>
+            </a:r>
+            <a:endParaRPr lang="en-US" altLang="zh-CN"/>
+          </a:p>
+        </p:txBody>
+      </p:sp>
+      <p:sp>
+        <p:nvSpPr>
+          <p:cNvPr id="3" name="内容占位符 2"/>
+          <p:cNvSpPr>
+            <a:spLocks noGrp="1"/>
+          </p:cNvSpPr>
+          <p:nvPr>
+            <p:ph idx="1"/>
+          </p:nvPr>
+        </p:nvSpPr>
+        <p:spPr/>
+        <p:txBody>
+          <a:bodyPr/>
+          <a:p>
+            <a:r>
+              <a:rPr lang="en-US" altLang="zh-CN"/>
+              <a:t>Drawing plugins</a:t>
+            </a:r>
+            <a:endParaRPr lang="en-US" altLang="zh-CN"/>
+          </a:p>
+          <a:p>
+            <a:pPr lvl="1"/>
+            <a:r>
+              <a:rPr lang="en-US" altLang="zh-CN"/>
+              <a:t>https://api.dart.dev/stable/3.1.2/dart-html/OffscreenCanvasRenderingContext2D-class.html</a:t>
+            </a:r>
+            <a:endParaRPr lang="en-US" altLang="zh-CN"/>
+          </a:p>
+          <a:p>
+            <a:pPr lvl="1"/>
+            <a:r>
+              <a:rPr lang="en-US" altLang="zh-CN"/>
+              <a:t>https://pub.dev/packages/flutter_painter</a:t>
+            </a:r>
+            <a:endParaRPr lang="en-US" altLang="zh-CN"/>
+          </a:p>
+        </p:txBody>
+      </p:sp>
+    </p:spTree>
+    <p:custDataLst>
+      <p:tags r:id="rId1"/>
+    </p:custDataLst>
+  </p:cSld>
+  <p:clrMapOvr>
+    <a:masterClrMapping/>
+  </p:clrMapOvr>
+</p:sld>
+</file>
+
+<file path=ppt/slides/slide33.xml><?xml version="1.0" encoding="utf-8"?>
+<p:sld xmlns:a="http://schemas.openxmlformats.org/drawingml/2006/main" xmlns:r="http://schemas.openxmlformats.org/officeDocument/2006/relationships" xmlns:p="http://schemas.openxmlformats.org/presentationml/2006/main">
+  <p:cSld>
+    <p:spTree>
+      <p:nvGrpSpPr>
+        <p:cNvPr id="1" name=""/>
+        <p:cNvGrpSpPr/>
+        <p:nvPr/>
+      </p:nvGrpSpPr>
+      <p:grpSpPr/>
+      <p:sp>
+        <p:nvSpPr>
+          <p:cNvPr id="2" name="标题 1"/>
+          <p:cNvSpPr>
+            <a:spLocks noGrp="1"/>
+          </p:cNvSpPr>
+          <p:nvPr>
+            <p:ph type="title"/>
+          </p:nvPr>
+        </p:nvSpPr>
+        <p:spPr/>
+        <p:txBody>
+          <a:bodyPr/>
+          <a:p>
+            <a:r>
+              <a:rPr lang="en-US" altLang="zh-CN"/>
+              <a:t>Audio/Video</a:t>
+            </a:r>
+            <a:endParaRPr lang="en-US" altLang="zh-CN"/>
+          </a:p>
+        </p:txBody>
+      </p:sp>
+      <p:sp>
+        <p:nvSpPr>
+          <p:cNvPr id="3" name="内容占位符 2"/>
+          <p:cNvSpPr>
+            <a:spLocks noGrp="1"/>
+          </p:cNvSpPr>
+          <p:nvPr>
+            <p:ph idx="1"/>
+          </p:nvPr>
+        </p:nvSpPr>
+        <p:spPr/>
+        <p:txBody>
+          <a:bodyPr/>
+          <a:p>
+            <a:r>
+              <a:rPr lang="en-US" altLang="zh-CN"/>
+              <a:t>media_kit</a:t>
+            </a:r>
+            <a:endParaRPr lang="en-US" altLang="zh-CN"/>
+          </a:p>
+          <a:p>
+            <a:pPr lvl="1"/>
+            <a:r>
+              <a:rPr lang="en-US" altLang="zh-CN"/>
+              <a:t>https://github.com/media-kit/media-kit</a:t>
+            </a:r>
+            <a:endParaRPr lang="en-US" altLang="zh-CN"/>
+          </a:p>
+          <a:p>
+            <a:pPr lvl="1"/>
+            <a:r>
+              <a:rPr lang="en-US" altLang="zh-CN"/>
+              <a:t>dart pub add media_kit</a:t>
+            </a:r>
+            <a:endParaRPr lang="en-US" altLang="zh-CN"/>
+          </a:p>
+          <a:p>
+            <a:pPr lvl="0"/>
+            <a:r>
+              <a:rPr lang="en-US" altLang="zh-CN"/>
+              <a:t>ffmpeg-kit</a:t>
+            </a:r>
+            <a:endParaRPr lang="en-US" altLang="zh-CN"/>
+          </a:p>
+          <a:p>
+            <a:pPr lvl="1"/>
+            <a:r>
+              <a:rPr lang="en-US" altLang="zh-CN"/>
+              <a:t>https://github.com/arthenica/ffmpeg-kit/tree/main/flutter/flutter</a:t>
+            </a:r>
+            <a:endParaRPr lang="en-US" altLang="zh-CN"/>
+          </a:p>
+        </p:txBody>
+      </p:sp>
+    </p:spTree>
+    <p:custDataLst>
+      <p:tags r:id="rId1"/>
+    </p:custDataLst>
+  </p:cSld>
+  <p:clrMapOvr>
+    <a:masterClrMapping/>
+  </p:clrMapOvr>
+</p:sld>
+</file>
+
+<file path=ppt/slides/slide4.xml><?xml version="1.0" encoding="utf-8"?>
+<p:sld xmlns:a="http://schemas.openxmlformats.org/drawingml/2006/main" xmlns:r="http://schemas.openxmlformats.org/officeDocument/2006/relationships" xmlns:p="http://schemas.openxmlformats.org/presentationml/2006/main">
+  <p:cSld>
+    <p:spTree>
+      <p:nvGrpSpPr>
+        <p:cNvPr id="1" name=""/>
+        <p:cNvGrpSpPr/>
+        <p:nvPr/>
+      </p:nvGrpSpPr>
+      <p:grpSpPr/>
+      <p:sp>
+        <p:nvSpPr>
+          <p:cNvPr id="2" name="标题 1"/>
+          <p:cNvSpPr>
+            <a:spLocks noGrp="1"/>
+          </p:cNvSpPr>
+          <p:nvPr>
+            <p:ph type="title"/>
+          </p:nvPr>
+        </p:nvSpPr>
+        <p:spPr/>
+        <p:txBody>
+          <a:bodyPr/>
+          <a:p>
+            <a:r>
+              <a:rPr lang="en-US" altLang="zh-CN"/>
+              <a:t>Intro</a:t>
+            </a:r>
+            <a:endParaRPr lang="en-US" altLang="zh-CN"/>
+          </a:p>
+        </p:txBody>
+      </p:sp>
+      <p:sp>
+        <p:nvSpPr>
+          <p:cNvPr id="3" name="内容占位符 2"/>
+          <p:cNvSpPr>
+            <a:spLocks noGrp="1"/>
+          </p:cNvSpPr>
+          <p:nvPr>
+            <p:ph idx="1"/>
+          </p:nvPr>
+        </p:nvSpPr>
+        <p:spPr/>
+        <p:txBody>
+          <a:bodyPr/>
+          <a:p>
+            <a:r>
+              <a:rPr lang="en-US" altLang="zh-CN" sz="2400">
+                <a:sym typeface="+mn-ea"/>
+              </a:rPr>
+              <a:t>Features</a:t>
+            </a:r>
+            <a:endParaRPr lang="en-US" altLang="zh-CN" sz="2400"/>
+          </a:p>
+          <a:p>
+            <a:pPr lvl="1" algn="l">
+              <a:buClrTx/>
+              <a:buSzTx/>
+            </a:pPr>
+            <a:r>
+              <a:rPr lang="en-US" altLang="zh-CN">
+                <a:sym typeface="+mn-ea"/>
+              </a:rPr>
+              <a:t>Modern and reactive framework</a:t>
+            </a:r>
+            <a:endParaRPr lang="en-US" altLang="zh-CN"/>
+          </a:p>
+          <a:p>
+            <a:pPr lvl="1" algn="l">
+              <a:buClrTx/>
+              <a:buSzTx/>
+            </a:pPr>
+            <a:r>
+              <a:rPr lang="en-US" altLang="zh-CN">
+                <a:sym typeface="+mn-ea"/>
+              </a:rPr>
+              <a:t>Uses Dart programming language and it is very easy to learn</a:t>
+            </a:r>
+            <a:endParaRPr lang="en-US" altLang="zh-CN"/>
+          </a:p>
+          <a:p>
+            <a:pPr lvl="1" algn="l">
+              <a:buClrTx/>
+              <a:buSzTx/>
+            </a:pPr>
+            <a:r>
+              <a:rPr lang="en-US" altLang="zh-CN">
+                <a:sym typeface="+mn-ea"/>
+              </a:rPr>
+              <a:t>Fast development</a:t>
+            </a:r>
+            <a:endParaRPr lang="en-US" altLang="zh-CN"/>
+          </a:p>
+          <a:p>
+            <a:pPr lvl="1" algn="l">
+              <a:buClrTx/>
+              <a:buSzTx/>
+            </a:pPr>
+            <a:r>
+              <a:rPr lang="en-US" altLang="zh-CN">
+                <a:sym typeface="+mn-ea"/>
+              </a:rPr>
+              <a:t>Beautiful and fluid user interfaces</a:t>
+            </a:r>
+            <a:endParaRPr lang="en-US" altLang="zh-CN"/>
+          </a:p>
+          <a:p>
+            <a:pPr lvl="1" algn="l">
+              <a:buClrTx/>
+              <a:buSzTx/>
+            </a:pPr>
+            <a:r>
+              <a:rPr lang="en-US" altLang="zh-CN">
+                <a:sym typeface="+mn-ea"/>
+              </a:rPr>
+              <a:t>Huge widget catalog</a:t>
+            </a:r>
+            <a:endParaRPr lang="en-US" altLang="zh-CN"/>
+          </a:p>
+          <a:p>
+            <a:pPr lvl="1" algn="l">
+              <a:buClrTx/>
+              <a:buSzTx/>
+            </a:pPr>
+            <a:r>
+              <a:rPr lang="en-US" altLang="zh-CN">
+                <a:sym typeface="+mn-ea"/>
+              </a:rPr>
+              <a:t>Runs same UI for multiple platforms</a:t>
+            </a:r>
+            <a:endParaRPr lang="en-US" altLang="zh-CN"/>
+          </a:p>
+          <a:p>
+            <a:pPr lvl="1" algn="l">
+              <a:buClrTx/>
+              <a:buSzTx/>
+            </a:pPr>
+            <a:r>
+              <a:rPr lang="en-US" altLang="zh-CN">
+                <a:sym typeface="+mn-ea"/>
+              </a:rPr>
+              <a:t>High performance application</a:t>
+            </a:r>
+            <a:endParaRPr lang="en-US" altLang="zh-CN"/>
+          </a:p>
+          <a:p>
+            <a:pPr lvl="0"/>
+            <a:r>
+              <a:rPr lang="en-US" altLang="zh-CN" sz="2400">
+                <a:sym typeface="+mn-ea"/>
+              </a:rPr>
+              <a:t>Disadvantages</a:t>
+            </a:r>
+            <a:endParaRPr lang="en-US" altLang="zh-CN" sz="2400"/>
+          </a:p>
+          <a:p>
+            <a:pPr lvl="1"/>
+            <a:r>
+              <a:rPr lang="en-US" altLang="zh-CN">
+                <a:sym typeface="+mn-ea"/>
+              </a:rPr>
+              <a:t>user interface and logic is intermixed</a:t>
+            </a:r>
+            <a:endParaRPr lang="en-US" altLang="zh-CN"/>
+          </a:p>
+          <a:p>
+            <a:endParaRPr lang="en-US" altLang="zh-CN"/>
+          </a:p>
+        </p:txBody>
+      </p:sp>
+    </p:spTree>
+    <p:custDataLst>
+      <p:tags r:id="rId1"/>
+    </p:custDataLst>
+  </p:cSld>
+  <p:clrMapOvr>
+    <a:masterClrMapping/>
+  </p:clrMapOvr>
+</p:sld>
+</file>
+
+<file path=ppt/slides/slide5.xml><?xml version="1.0" encoding="utf-8"?>
+<p:sld xmlns:a="http://schemas.openxmlformats.org/drawingml/2006/main" xmlns:r="http://schemas.openxmlformats.org/officeDocument/2006/relationships" xmlns:p="http://schemas.openxmlformats.org/presentationml/2006/main">
+  <p:cSld>
+    <p:spTree>
+      <p:nvGrpSpPr>
+        <p:cNvPr id="1" name=""/>
+        <p:cNvGrpSpPr/>
+        <p:nvPr/>
+      </p:nvGrpSpPr>
+      <p:grpSpPr/>
+      <p:sp>
+        <p:nvSpPr>
+          <p:cNvPr id="2" name="标题 1"/>
+          <p:cNvSpPr>
+            <a:spLocks noGrp="1"/>
+          </p:cNvSpPr>
+          <p:nvPr>
+            <p:ph type="title"/>
+          </p:nvPr>
+        </p:nvSpPr>
+        <p:spPr/>
+        <p:txBody>
+          <a:bodyPr/>
+          <a:p>
+            <a:r>
+              <a:rPr lang="en-US" altLang="zh-CN"/>
+              <a:t>Flutter vs. React Native</a:t>
+            </a:r>
+            <a:endParaRPr lang="en-US" altLang="zh-CN"/>
+          </a:p>
+        </p:txBody>
+      </p:sp>
+      <p:pic>
+        <p:nvPicPr>
+          <p:cNvPr id="100" name="图片 99"/>
+          <p:cNvPicPr/>
+          <p:nvPr/>
+        </p:nvPicPr>
+        <p:blipFill>
+          <a:blip r:embed="rId1"/>
+          <a:stretch>
+            <a:fillRect/>
+          </a:stretch>
+        </p:blipFill>
+        <p:spPr>
+          <a:xfrm>
+            <a:off x="2812415" y="1114425"/>
+            <a:ext cx="6755765" cy="5303520"/>
+          </a:xfrm>
+          <a:prstGeom prst="rect">
+            <a:avLst/>
+          </a:prstGeom>
+          <a:noFill/>
+          <a:ln w="9525">
+            <a:noFill/>
+          </a:ln>
+        </p:spPr>
+      </p:pic>
+    </p:spTree>
+    <p:custDataLst>
+      <p:tags r:id="rId2"/>
+    </p:custDataLst>
+  </p:cSld>
+  <p:clrMapOvr>
+    <a:masterClrMapping/>
+  </p:clrMapOvr>
+</p:sld>
+</file>
+
+<file path=ppt/slides/slide6.xml><?xml version="1.0" encoding="utf-8"?>
+<p:sld xmlns:a="http://schemas.openxmlformats.org/drawingml/2006/main" xmlns:r="http://schemas.openxmlformats.org/officeDocument/2006/relationships" xmlns:p="http://schemas.openxmlformats.org/presentationml/2006/main">
+  <p:cSld>
+    <p:spTree>
+      <p:nvGrpSpPr>
+        <p:cNvPr id="1" name=""/>
+        <p:cNvGrpSpPr/>
+        <p:nvPr/>
+      </p:nvGrpSpPr>
+      <p:grpSpPr/>
+      <p:sp>
+        <p:nvSpPr>
+          <p:cNvPr id="2" name="标题 1"/>
+          <p:cNvSpPr>
+            <a:spLocks noGrp="1"/>
+          </p:cNvSpPr>
+          <p:nvPr>
+            <p:ph type="title"/>
+          </p:nvPr>
+        </p:nvSpPr>
+        <p:spPr/>
+        <p:txBody>
+          <a:bodyPr/>
+          <a:p>
+            <a:r>
+              <a:rPr lang="en-US" altLang="zh-CN"/>
+              <a:t>Install</a:t>
+            </a:r>
+            <a:endParaRPr lang="en-US" altLang="zh-CN"/>
+          </a:p>
+        </p:txBody>
+      </p:sp>
+      <p:sp>
+        <p:nvSpPr>
+          <p:cNvPr id="3" name="内容占位符 2"/>
+          <p:cNvSpPr>
+            <a:spLocks noGrp="1"/>
+          </p:cNvSpPr>
+          <p:nvPr>
+            <p:ph idx="1"/>
+          </p:nvPr>
+        </p:nvSpPr>
+        <p:spPr>
+          <a:xfrm>
+            <a:off x="838200" y="1211580"/>
+            <a:ext cx="5153660" cy="5027930"/>
+          </a:xfrm>
+        </p:spPr>
+        <p:txBody>
+          <a:bodyPr>
+            <a:noAutofit/>
+          </a:bodyPr>
+          <a:p>
+            <a:r>
+              <a:rPr lang="en-US" altLang="zh-CN" sz="1400"/>
+              <a:t>References</a:t>
+            </a:r>
+            <a:endParaRPr lang="en-US" altLang="zh-CN" sz="1400"/>
+          </a:p>
+          <a:p>
+            <a:pPr lvl="1"/>
+            <a:r>
+              <a:rPr lang="en-US" altLang="zh-CN" sz="1200"/>
+              <a:t>https://flutter.cn/docs/get-started/install/windows</a:t>
+            </a:r>
+            <a:endParaRPr lang="en-US" altLang="zh-CN" sz="1200"/>
+          </a:p>
+          <a:p>
+            <a:pPr lvl="0"/>
+            <a:r>
+              <a:rPr lang="en-US" altLang="zh-CN" sz="1400"/>
+              <a:t>Windows Install</a:t>
+            </a:r>
+            <a:endParaRPr lang="en-US" altLang="zh-CN" sz="1400"/>
+          </a:p>
+          <a:p>
+            <a:pPr lvl="1"/>
+            <a:r>
+              <a:rPr lang="en-US" altLang="zh-CN" sz="1200"/>
+              <a:t>Download installer</a:t>
+            </a:r>
+            <a:endParaRPr lang="en-US" altLang="zh-CN" sz="1200"/>
+          </a:p>
+          <a:p>
+            <a:pPr lvl="1"/>
+            <a:r>
+              <a:rPr lang="en-US" altLang="zh-CN" sz="1200"/>
+              <a:t>Unzip to “D:\Programs\flutter”</a:t>
+            </a:r>
+            <a:endParaRPr lang="en-US" altLang="zh-CN" sz="1200"/>
+          </a:p>
+          <a:p>
+            <a:pPr lvl="1"/>
+            <a:r>
+              <a:rPr lang="en-US" altLang="zh-CN" sz="1200"/>
+              <a:t>Added </a:t>
+            </a:r>
+            <a:r>
+              <a:rPr lang="en-US" altLang="zh-CN" sz="1200">
+                <a:sym typeface="+mn-ea"/>
+              </a:rPr>
+              <a:t> “D:\Programs\flutter\bin” to Path env variable</a:t>
+            </a:r>
+            <a:endParaRPr lang="en-US" altLang="zh-CN" sz="1200">
+              <a:sym typeface="+mn-ea"/>
+            </a:endParaRPr>
+          </a:p>
+          <a:p>
+            <a:pPr lvl="1"/>
+            <a:r>
+              <a:rPr lang="en-US" altLang="zh-CN" sz="1200"/>
+              <a:t>run “flutter doctor”</a:t>
+            </a:r>
+            <a:endParaRPr lang="en-US" altLang="zh-CN" sz="1200"/>
+          </a:p>
+          <a:p>
+            <a:pPr lvl="1"/>
+            <a:r>
+              <a:rPr lang="en-US" altLang="zh-CN" sz="1200"/>
+              <a:t>Install Android Studio</a:t>
+            </a:r>
+            <a:endParaRPr lang="en-US" altLang="zh-CN" sz="1200"/>
+          </a:p>
+          <a:p>
+            <a:pPr lvl="1"/>
+            <a:r>
+              <a:rPr lang="en-US" altLang="zh-CN" sz="1200"/>
+              <a:t>Run Android Studio, set up</a:t>
+            </a:r>
+            <a:endParaRPr lang="en-US" altLang="zh-CN" sz="1200"/>
+          </a:p>
+          <a:p>
+            <a:pPr lvl="1"/>
+            <a:r>
+              <a:rPr lang="en-US" altLang="zh-CN" sz="1200"/>
+              <a:t>flutter doctor --android-licenses</a:t>
+            </a:r>
+            <a:endParaRPr lang="en-US" altLang="zh-CN" sz="1200"/>
+          </a:p>
+          <a:p>
+            <a:pPr lvl="1"/>
+            <a:r>
+              <a:rPr lang="en-US" altLang="zh-CN" sz="1200"/>
+              <a:t>/path-to-flutter-sdk/packages/flutter_tools/lib/src/http_host_validator.dart</a:t>
+            </a:r>
+            <a:endParaRPr lang="en-US" altLang="zh-CN" sz="1200"/>
+          </a:p>
+          <a:p>
+            <a:pPr lvl="2"/>
+            <a:r>
+              <a:rPr lang="en-US" altLang="zh-CN" sz="1200"/>
+              <a:t>修改https://maven.google.com/为 google maven 的国内镜像，如https://maven.aliyun.com/repository/google/</a:t>
+            </a:r>
+            <a:endParaRPr lang="en-US" altLang="zh-CN" sz="1200"/>
+          </a:p>
+          <a:p>
+            <a:pPr lvl="1"/>
+            <a:r>
+              <a:rPr lang="en-US" altLang="zh-CN" sz="1200"/>
+              <a:t>Set env variables</a:t>
+            </a:r>
+            <a:endParaRPr lang="en-US" altLang="zh-CN" sz="1200"/>
+          </a:p>
+          <a:p>
+            <a:pPr lvl="2"/>
+            <a:r>
+              <a:rPr lang="en-US" altLang="zh-CN" sz="1200"/>
+              <a:t>PUB_HOSTED_URL=https://mirrors.tuna.tsinghua.edu.cn/dart-pub</a:t>
+            </a:r>
+            <a:endParaRPr lang="en-US" altLang="zh-CN" sz="1200"/>
+          </a:p>
+          <a:p>
+            <a:pPr lvl="2"/>
+            <a:r>
+              <a:rPr lang="en-US" altLang="zh-CN" sz="1200"/>
+              <a:t>FLUTTER_STORAGE_BASE_URL=https://mirrors.tuna.tsinghua.edu.cn/flutter</a:t>
+            </a:r>
+            <a:endParaRPr lang="en-US" altLang="zh-CN" sz="1200"/>
+          </a:p>
+          <a:p>
+            <a:pPr lvl="1"/>
+            <a:r>
+              <a:rPr lang="en-US" altLang="zh-CN" sz="1330"/>
+              <a:t>Java</a:t>
+            </a:r>
+            <a:endParaRPr lang="en-US" altLang="zh-CN" sz="1330"/>
+          </a:p>
+          <a:p>
+            <a:pPr lvl="2"/>
+            <a:r>
+              <a:rPr lang="en-US" altLang="zh-CN" sz="1195"/>
+              <a:t>The Android Studio app includes a version of Java, which Flutter uses by default.</a:t>
+            </a:r>
+            <a:endParaRPr lang="en-US" altLang="zh-CN" sz="1195"/>
+          </a:p>
+          <a:p>
+            <a:pPr lvl="2"/>
+            <a:r>
+              <a:rPr lang="en-US" altLang="zh-CN" sz="1195"/>
+              <a:t>If you don’t have Android Studio installed, Flutter relies on the version defined by your shell script’s JAVA_HOME environment variable.</a:t>
+            </a:r>
+            <a:endParaRPr lang="en-US" altLang="zh-CN" sz="1195"/>
+          </a:p>
+        </p:txBody>
+      </p:sp>
+      <p:pic>
+        <p:nvPicPr>
+          <p:cNvPr id="102" name="图片 101"/>
+          <p:cNvPicPr/>
+          <p:nvPr/>
+        </p:nvPicPr>
+        <p:blipFill>
+          <a:blip r:embed="rId1"/>
+          <a:stretch>
+            <a:fillRect/>
+          </a:stretch>
+        </p:blipFill>
+        <p:spPr>
+          <a:xfrm>
+            <a:off x="6168390" y="1029335"/>
+            <a:ext cx="5810885" cy="4196080"/>
+          </a:xfrm>
+          <a:prstGeom prst="rect">
+            <a:avLst/>
+          </a:prstGeom>
+          <a:noFill/>
+          <a:ln w="9525">
+            <a:noFill/>
+          </a:ln>
+        </p:spPr>
+      </p:pic>
+    </p:spTree>
+    <p:custDataLst>
+      <p:tags r:id="rId2"/>
+    </p:custDataLst>
+  </p:cSld>
+  <p:clrMapOvr>
+    <a:masterClrMapping/>
+  </p:clrMapOvr>
+</p:sld>
+</file>
+
+<file path=ppt/slides/slide7.xml><?xml version="1.0" encoding="utf-8"?>
+<p:sld xmlns:a="http://schemas.openxmlformats.org/drawingml/2006/main" xmlns:r="http://schemas.openxmlformats.org/officeDocument/2006/relationships" xmlns:p="http://schemas.openxmlformats.org/presentationml/2006/main">
+  <p:cSld>
+    <p:spTree>
+      <p:nvGrpSpPr>
+        <p:cNvPr id="1" name=""/>
+        <p:cNvGrpSpPr/>
+        <p:nvPr/>
+      </p:nvGrpSpPr>
+      <p:grpSpPr/>
+      <p:sp>
+        <p:nvSpPr>
+          <p:cNvPr id="2" name="标题 1"/>
+          <p:cNvSpPr>
+            <a:spLocks noGrp="1"/>
+          </p:cNvSpPr>
+          <p:nvPr>
+            <p:ph type="title"/>
+          </p:nvPr>
+        </p:nvSpPr>
+        <p:spPr/>
+        <p:txBody>
+          <a:bodyPr/>
+          <a:p>
+            <a:r>
+              <a:rPr lang="en-US" altLang="zh-CN"/>
+              <a:t>Linux Install</a:t>
+            </a:r>
+            <a:endParaRPr lang="en-US" altLang="zh-CN"/>
+          </a:p>
+        </p:txBody>
+      </p:sp>
+      <p:sp>
+        <p:nvSpPr>
+          <p:cNvPr id="3" name="内容占位符 2"/>
+          <p:cNvSpPr>
+            <a:spLocks noGrp="1"/>
+          </p:cNvSpPr>
+          <p:nvPr>
+            <p:ph idx="1"/>
+          </p:nvPr>
+        </p:nvSpPr>
+        <p:spPr/>
+        <p:txBody>
+          <a:bodyPr/>
+          <a:p>
+            <a:r>
+              <a:rPr lang="en-US" altLang="zh-CN"/>
+              <a:t>Steps</a:t>
+            </a:r>
+            <a:endParaRPr lang="en-US" altLang="zh-CN"/>
+          </a:p>
+          <a:p>
+            <a:pPr lvl="1"/>
+            <a:r>
+              <a:rPr lang="en-US" altLang="zh-CN"/>
+              <a:t>sudo snap install flutter --classic</a:t>
+            </a:r>
+            <a:endParaRPr lang="en-US" altLang="zh-CN"/>
+          </a:p>
+          <a:p>
+            <a:pPr lvl="1"/>
+            <a:r>
+              <a:rPr lang="en-US" altLang="zh-CN"/>
+              <a:t> export PUB_HOSTED_URL=https://pub.flutter-io.cn</a:t>
+            </a:r>
+            <a:endParaRPr lang="en-US" altLang="zh-CN"/>
+          </a:p>
+          <a:p>
+            <a:pPr lvl="1"/>
+            <a:r>
+              <a:rPr lang="en-US" altLang="zh-CN"/>
+              <a:t> export FLUTTER_STORAGE_BASE_URL=https://storage.flutter-io.cn</a:t>
+            </a:r>
+            <a:endParaRPr lang="en-US" altLang="zh-CN"/>
+          </a:p>
+          <a:p>
+            <a:pPr lvl="1"/>
+            <a:r>
+              <a:rPr lang="en-US" altLang="zh-CN"/>
+              <a:t> git clone -b dev https://github.com/flutter/flutter.git</a:t>
+            </a:r>
+            <a:endParaRPr lang="en-US" altLang="zh-CN"/>
+          </a:p>
+          <a:p>
+            <a:pPr lvl="1"/>
+            <a:r>
+              <a:rPr lang="en-US" altLang="zh-CN"/>
+              <a:t> export PATH="$PWD/flutter/bin:$PATH"</a:t>
+            </a:r>
+            <a:endParaRPr lang="en-US" altLang="zh-CN"/>
+          </a:p>
+          <a:p>
+            <a:pPr lvl="1"/>
+            <a:r>
+              <a:rPr lang="en-US" altLang="zh-CN"/>
+              <a:t> cd ./flutter</a:t>
+            </a:r>
+            <a:endParaRPr lang="en-US" altLang="zh-CN"/>
+          </a:p>
+          <a:p>
+            <a:pPr lvl="1"/>
+            <a:r>
+              <a:rPr lang="en-US" altLang="zh-CN"/>
+              <a:t> flutter doctor</a:t>
+            </a:r>
+            <a:endParaRPr lang="en-US" altLang="zh-CN"/>
+          </a:p>
+        </p:txBody>
+      </p:sp>
+    </p:spTree>
+    <p:custDataLst>
+      <p:tags r:id="rId1"/>
+    </p:custDataLst>
+  </p:cSld>
+  <p:clrMapOvr>
+    <a:masterClrMapping/>
+  </p:clrMapOvr>
+</p:sld>
+</file>
+
+<file path=ppt/slides/slide8.xml><?xml version="1.0" encoding="utf-8"?>
+<p:sld xmlns:a="http://schemas.openxmlformats.org/drawingml/2006/main" xmlns:r="http://schemas.openxmlformats.org/officeDocument/2006/relationships" xmlns:p="http://schemas.openxmlformats.org/presentationml/2006/main">
+  <p:cSld>
+    <p:spTree>
+      <p:nvGrpSpPr>
+        <p:cNvPr id="1" name=""/>
+        <p:cNvGrpSpPr/>
+        <p:nvPr/>
+      </p:nvGrpSpPr>
+      <p:grpSpPr/>
+      <p:sp>
+        <p:nvSpPr>
+          <p:cNvPr id="2" name="标题 1"/>
+          <p:cNvSpPr>
+            <a:spLocks noGrp="1"/>
+          </p:cNvSpPr>
+          <p:nvPr>
+            <p:ph type="title"/>
+          </p:nvPr>
+        </p:nvSpPr>
+        <p:spPr/>
+        <p:txBody>
+          <a:bodyPr/>
+          <a:p>
+            <a:r>
+              <a:rPr lang="en-US" altLang="zh-CN"/>
+              <a:t>App Basic</a:t>
+            </a:r>
+            <a:endParaRPr lang="en-US" altLang="zh-CN"/>
+          </a:p>
+        </p:txBody>
+      </p:sp>
+      <p:sp>
+        <p:nvSpPr>
+          <p:cNvPr id="3" name="内容占位符 2"/>
+          <p:cNvSpPr>
+            <a:spLocks noGrp="1"/>
+          </p:cNvSpPr>
+          <p:nvPr>
+            <p:ph idx="1"/>
+          </p:nvPr>
+        </p:nvSpPr>
+        <p:spPr>
+          <a:xfrm>
+            <a:off x="838200" y="1211580"/>
+            <a:ext cx="5535295" cy="4549140"/>
+          </a:xfrm>
+        </p:spPr>
+        <p:txBody>
+          <a:bodyPr/>
+          <a:p>
+            <a:r>
+              <a:rPr lang="en-US" altLang="zh-CN"/>
+              <a:t>Create app</a:t>
+            </a:r>
+            <a:endParaRPr lang="en-US" altLang="zh-CN"/>
+          </a:p>
+          <a:p>
+            <a:pPr lvl="1"/>
+            <a:r>
+              <a:rPr lang="en-US" altLang="zh-CN"/>
+              <a:t>flutter create my_app</a:t>
+            </a:r>
+            <a:endParaRPr lang="en-US" altLang="zh-CN"/>
+          </a:p>
+          <a:p>
+            <a:pPr lvl="1"/>
+            <a:r>
+              <a:rPr lang="en-US" altLang="zh-CN"/>
+              <a:t>flutter devices</a:t>
+            </a:r>
+            <a:endParaRPr lang="en-US" altLang="zh-CN"/>
+          </a:p>
+          <a:p>
+            <a:pPr lvl="1"/>
+            <a:r>
+              <a:rPr lang="en-US" altLang="zh-CN"/>
+              <a:t>flutter run</a:t>
+            </a:r>
+            <a:endParaRPr lang="en-US" altLang="zh-CN"/>
+          </a:p>
+          <a:p>
+            <a:pPr lvl="2"/>
+            <a:r>
+              <a:rPr lang="en-US" altLang="zh-CN"/>
+              <a:t>--info --debug --scan --stacktrace</a:t>
+            </a:r>
+            <a:endParaRPr lang="en-US" altLang="zh-CN"/>
+          </a:p>
+          <a:p>
+            <a:pPr lvl="0"/>
+            <a:r>
+              <a:rPr lang="en-US" altLang="zh-CN"/>
+              <a:t>Project structure</a:t>
+            </a:r>
+            <a:endParaRPr lang="en-US" altLang="zh-CN"/>
+          </a:p>
+          <a:p>
+            <a:pPr lvl="1"/>
+            <a:r>
+              <a:rPr lang="en-US" altLang="zh-CN">
+                <a:sym typeface="+mn-ea"/>
+              </a:rPr>
+              <a:t>lib/main.dart</a:t>
+            </a:r>
+            <a:endParaRPr lang="en-US" altLang="zh-CN">
+              <a:sym typeface="+mn-ea"/>
+            </a:endParaRPr>
+          </a:p>
+          <a:p>
+            <a:pPr lvl="1"/>
+            <a:r>
+              <a:rPr lang="en-US" altLang="zh-CN">
+                <a:sym typeface="+mn-ea"/>
+              </a:rPr>
+              <a:t>pubspec.yaml</a:t>
+            </a:r>
+            <a:endParaRPr lang="en-US" altLang="zh-CN">
+              <a:sym typeface="+mn-ea"/>
+            </a:endParaRPr>
+          </a:p>
+          <a:p>
+            <a:pPr lvl="1"/>
+            <a:r>
+              <a:rPr lang="en-US" altLang="zh-CN">
+                <a:sym typeface="+mn-ea"/>
+              </a:rPr>
+              <a:t>android/</a:t>
+            </a:r>
+            <a:endParaRPr lang="en-US" altLang="zh-CN">
+              <a:sym typeface="+mn-ea"/>
+            </a:endParaRPr>
+          </a:p>
+          <a:p>
+            <a:pPr lvl="2"/>
+            <a:r>
+              <a:rPr lang="en-US" altLang="zh-CN" sz="1800">
+                <a:sym typeface="+mn-ea"/>
+              </a:rPr>
+              <a:t>build.gradle</a:t>
+            </a:r>
+            <a:endParaRPr lang="en-US" altLang="zh-CN" sz="1800">
+              <a:sym typeface="+mn-ea"/>
+            </a:endParaRPr>
+          </a:p>
+          <a:p>
+            <a:pPr lvl="3"/>
+            <a:r>
+              <a:rPr lang="en-US" altLang="zh-CN" sz="1800">
+                <a:sym typeface="+mn-ea"/>
+              </a:rPr>
+              <a:t>compileSdkVersion</a:t>
+            </a:r>
+            <a:endParaRPr lang="en-US" altLang="zh-CN" sz="1800">
+              <a:sym typeface="+mn-ea"/>
+            </a:endParaRPr>
+          </a:p>
+          <a:p>
+            <a:pPr lvl="2"/>
+            <a:r>
+              <a:rPr lang="en-US" altLang="zh-CN"/>
+              <a:t>gradle</a:t>
+            </a:r>
+            <a:endParaRPr lang="en-US" altLang="zh-CN"/>
+          </a:p>
+          <a:p>
+            <a:pPr lvl="3"/>
+            <a:r>
+              <a:rPr lang="en-US" altLang="zh-CN"/>
+              <a:t>wrapper/gradle-wrapper.properties</a:t>
+            </a:r>
+            <a:endParaRPr lang="en-US" altLang="zh-CN"/>
+          </a:p>
+          <a:p>
+            <a:pPr lvl="1"/>
+            <a:endParaRPr lang="en-US" altLang="zh-CN"/>
+          </a:p>
+        </p:txBody>
+      </p:sp>
+      <p:sp>
+        <p:nvSpPr>
+          <p:cNvPr id="4" name="文本框 3"/>
+          <p:cNvSpPr txBox="1"/>
+          <p:nvPr/>
+        </p:nvSpPr>
+        <p:spPr>
+          <a:xfrm>
+            <a:off x="7416800" y="1273175"/>
+            <a:ext cx="3937000" cy="1476375"/>
+          </a:xfrm>
+          <a:prstGeom prst="rect">
+            <a:avLst/>
+          </a:prstGeom>
+          <a:noFill/>
+          <a:ln>
+            <a:solidFill>
+              <a:srgbClr val="C00000"/>
+            </a:solidFill>
+          </a:ln>
+        </p:spPr>
+        <p:txBody>
+          <a:bodyPr wrap="square" rtlCol="0">
+            <a:spAutoFit/>
+          </a:bodyPr>
+          <a:p>
+            <a:r>
+              <a:rPr lang="zh-CN" altLang="en-US"/>
+              <a:t>flutter:</a:t>
+            </a:r>
+            <a:endParaRPr lang="zh-CN" altLang="en-US"/>
+          </a:p>
+          <a:p>
+            <a:r>
+              <a:rPr lang="zh-CN" altLang="en-US"/>
+              <a:t>  platforms:</a:t>
+            </a:r>
+            <a:endParaRPr lang="zh-CN" altLang="en-US"/>
+          </a:p>
+          <a:p>
+            <a:r>
+              <a:rPr lang="zh-CN" altLang="en-US"/>
+              <a:t>    android:</a:t>
+            </a:r>
+            <a:endParaRPr lang="zh-CN" altLang="en-US"/>
+          </a:p>
+          <a:p>
+            <a:r>
+              <a:rPr lang="zh-CN" altLang="en-US"/>
+              <a:t>      sdk: '&gt;=29.0.0 &lt;32.0.0'</a:t>
+            </a:r>
+            <a:endParaRPr lang="zh-CN" altLang="en-US"/>
+          </a:p>
+          <a:p>
+            <a:r>
+              <a:rPr lang="zh-CN" altLang="en-US"/>
+              <a:t>    ios: '9.0'</a:t>
+            </a:r>
+            <a:endParaRPr lang="zh-CN" altLang="en-US"/>
+          </a:p>
+        </p:txBody>
+      </p:sp>
+    </p:spTree>
+    <p:custDataLst>
+      <p:tags r:id="rId1"/>
+    </p:custDataLst>
+  </p:cSld>
+  <p:clrMapOvr>
+    <a:masterClrMapping/>
+  </p:clrMapOvr>
+</p:sld>
+</file>
+
 <file path=ppt/slides/slide9.xml><?xml version="1.0" encoding="utf-8"?>
 <p:sld xmlns:a="http://schemas.openxmlformats.org/drawingml/2006/main" xmlns:r="http://schemas.openxmlformats.org/officeDocument/2006/relationships" xmlns:p="http://schemas.openxmlformats.org/presentationml/2006/main">
   <p:cSld>
@@ -4558,7 +10564,7 @@
           <a:p>
             <a:r>
               <a:rPr lang="en-US" altLang="zh-CN"/>
-              <a:t>Channel</a:t>
+              <a:t>Flutter Commands</a:t>
             </a:r>
             <a:endParaRPr lang="en-US" altLang="zh-CN"/>
           </a:p>
@@ -4574,49 +10580,485 @@
             <p:ph idx="1"/>
           </p:nvPr>
         </p:nvSpPr>
-        <p:spPr/>
+        <p:spPr>
+          <a:xfrm>
+            <a:off x="838200" y="1211580"/>
+            <a:ext cx="4404995" cy="4549140"/>
+          </a:xfrm>
+        </p:spPr>
         <p:txBody>
           <a:bodyPr/>
           <a:p>
             <a:r>
               <a:rPr lang="en-US" altLang="zh-CN"/>
-              <a:t>Type</a:t>
+              <a:t>Flutter</a:t>
             </a:r>
             <a:endParaRPr lang="en-US" altLang="zh-CN"/>
           </a:p>
           <a:p>
             <a:pPr lvl="1"/>
             <a:r>
-              <a:rPr lang="zh-CN" altLang="en-US"/>
-              <a:t>BasicMessageChannel：用于传递字符串和半结构化的信息</a:t>
-            </a:r>
-            <a:endParaRPr lang="zh-CN" altLang="en-US"/>
+              <a:rPr lang="en-US" altLang="zh-CN" sz="2000"/>
+              <a:t>flutter --version</a:t>
+            </a:r>
+            <a:endParaRPr lang="en-US" altLang="zh-CN"/>
+          </a:p>
+          <a:p>
+            <a:r>
+              <a:rPr lang="en-US" altLang="zh-CN"/>
+              <a:t>Dart</a:t>
+            </a:r>
+            <a:endParaRPr lang="en-US" altLang="zh-CN"/>
           </a:p>
           <a:p>
             <a:pPr lvl="1"/>
             <a:r>
-              <a:rPr lang="zh-CN" altLang="en-US"/>
-              <a:t>MethodChannel：用于传递方法调用（method invocation）</a:t>
-            </a:r>
-            <a:r>
-              <a:rPr lang="en-US" altLang="zh-CN"/>
-              <a:t>,非线程安全的</a:t>
-            </a:r>
-            <a:endParaRPr lang="en-US" altLang="zh-CN"/>
-          </a:p>
-          <a:p>
-            <a:pPr lvl="1"/>
-            <a:r>
-              <a:rPr lang="zh-CN" altLang="en-US"/>
-              <a:t>EventChannel: 用于数据流（event streams）的通信</a:t>
-            </a:r>
-            <a:endParaRPr lang="zh-CN" altLang="en-US"/>
-          </a:p>
-        </p:txBody>
-      </p:sp>
+              <a:rPr lang="en-US" altLang="zh-CN"/>
+              <a:t>dart --version</a:t>
+            </a:r>
+            <a:endParaRPr lang="en-US" altLang="zh-CN"/>
+          </a:p>
+        </p:txBody>
+      </p:sp>
+      <p:graphicFrame>
+        <p:nvGraphicFramePr>
+          <p:cNvPr id="4" name="表格 3"/>
+          <p:cNvGraphicFramePr/>
+          <p:nvPr>
+            <p:custDataLst>
+              <p:tags r:id="rId1"/>
+            </p:custDataLst>
+          </p:nvPr>
+        </p:nvGraphicFramePr>
+        <p:xfrm>
+          <a:off x="4834890" y="1211580"/>
+          <a:ext cx="6771005" cy="4831080"/>
+        </p:xfrm>
+        <a:graphic>
+          <a:graphicData uri="http://schemas.openxmlformats.org/drawingml/2006/table">
+            <a:tbl>
+              <a:tblPr firstRow="1" bandRow="1">
+                <a:tableStyleId>{5C22544A-7EE6-4342-B048-85BDC9FD1C3A}</a:tableStyleId>
+              </a:tblPr>
+              <a:tblGrid>
+                <a:gridCol w="3144520"/>
+                <a:gridCol w="3626485"/>
+              </a:tblGrid>
+              <a:tr h="381000">
+                <a:tc>
+                  <a:txBody>
+                    <a:bodyPr/>
+                    <a:p>
+                      <a:pPr algn="ctr">
+                        <a:buNone/>
+                      </a:pPr>
+                      <a:r>
+                        <a:rPr lang="en-US" altLang="zh-CN"/>
+                        <a:t>Command</a:t>
+                      </a:r>
+                      <a:endParaRPr lang="en-US" altLang="zh-CN"/>
+                    </a:p>
+                  </a:txBody>
+                  <a:tcPr/>
+                </a:tc>
+                <a:tc>
+                  <a:txBody>
+                    <a:bodyPr/>
+                    <a:p>
+                      <a:pPr algn="ctr">
+                        <a:buNone/>
+                      </a:pPr>
+                      <a:r>
+                        <a:rPr lang="en-US" altLang="zh-CN"/>
+                        <a:t>Note</a:t>
+                      </a:r>
+                      <a:endParaRPr lang="en-US" altLang="zh-CN"/>
+                    </a:p>
+                  </a:txBody>
+                  <a:tcPr/>
+                </a:tc>
+              </a:tr>
+              <a:tr h="381000">
+                <a:tc>
+                  <a:txBody>
+                    <a:bodyPr/>
+                    <a:p>
+                      <a:pPr>
+                        <a:buNone/>
+                      </a:pPr>
+                      <a:r>
+                        <a:rPr lang="en-US" altLang="zh-CN"/>
+                        <a:t>flutter --help --verbose</a:t>
+                      </a:r>
+                      <a:endParaRPr lang="en-US" altLang="zh-CN"/>
+                    </a:p>
+                  </a:txBody>
+                  <a:tcPr/>
+                </a:tc>
+                <a:tc>
+                  <a:txBody>
+                    <a:bodyPr/>
+                    <a:p>
+                      <a:pPr>
+                        <a:buNone/>
+                      </a:pPr>
+                      <a:r>
+                        <a:rPr lang="en-US" altLang="zh-CN"/>
+                        <a:t>Show help</a:t>
+                      </a:r>
+                      <a:endParaRPr lang="en-US" altLang="zh-CN"/>
+                    </a:p>
+                  </a:txBody>
+                  <a:tcPr/>
+                </a:tc>
+              </a:tr>
+              <a:tr h="381000">
+                <a:tc>
+                  <a:txBody>
+                    <a:bodyPr/>
+                    <a:p>
+                      <a:pPr>
+                        <a:buNone/>
+                      </a:pPr>
+                      <a:r>
+                        <a:rPr lang="en-US" altLang="zh-CN"/>
+                        <a:t>flutter version</a:t>
+                      </a:r>
+                      <a:endParaRPr lang="en-US" altLang="zh-CN"/>
+                    </a:p>
+                  </a:txBody>
+                  <a:tcPr/>
+                </a:tc>
+                <a:tc>
+                  <a:txBody>
+                    <a:bodyPr/>
+                    <a:p>
+                      <a:pPr>
+                        <a:buNone/>
+                      </a:pPr>
+                      <a:r>
+                        <a:rPr lang="en-US" altLang="zh-CN"/>
+                        <a:t>Show version</a:t>
+                      </a:r>
+                      <a:endParaRPr lang="en-US" altLang="zh-CN"/>
+                    </a:p>
+                  </a:txBody>
+                  <a:tcPr/>
+                </a:tc>
+              </a:tr>
+              <a:tr h="381000">
+                <a:tc>
+                  <a:txBody>
+                    <a:bodyPr/>
+                    <a:p>
+                      <a:pPr>
+                        <a:buNone/>
+                      </a:pPr>
+                      <a:r>
+                        <a:rPr lang="en-US" altLang="zh-CN"/>
+                        <a:t>flutter upgrade</a:t>
+                      </a:r>
+                      <a:endParaRPr lang="en-US" altLang="zh-CN"/>
+                    </a:p>
+                  </a:txBody>
+                  <a:tcPr/>
+                </a:tc>
+                <a:tc>
+                  <a:txBody>
+                    <a:bodyPr/>
+                    <a:p>
+                      <a:pPr>
+                        <a:buNone/>
+                      </a:pPr>
+                      <a:r>
+                        <a:rPr lang="en-US" altLang="zh-CN"/>
+                        <a:t>Upgrade flutter system</a:t>
+                      </a:r>
+                      <a:endParaRPr lang="en-US" altLang="zh-CN"/>
+                    </a:p>
+                  </a:txBody>
+                  <a:tcPr/>
+                </a:tc>
+              </a:tr>
+              <a:tr h="381000">
+                <a:tc>
+                  <a:txBody>
+                    <a:bodyPr/>
+                    <a:p>
+                      <a:pPr>
+                        <a:buNone/>
+                      </a:pPr>
+                      <a:r>
+                        <a:rPr lang="en-US" altLang="zh-CN"/>
+                        <a:t>flutter doctor --verbose</a:t>
+                      </a:r>
+                      <a:endParaRPr lang="en-US" altLang="zh-CN"/>
+                    </a:p>
+                  </a:txBody>
+                  <a:tcPr/>
+                </a:tc>
+                <a:tc>
+                  <a:txBody>
+                    <a:bodyPr/>
+                    <a:p>
+                      <a:pPr>
+                        <a:buNone/>
+                      </a:pPr>
+                      <a:r>
+                        <a:rPr lang="en-US" altLang="zh-CN"/>
+                        <a:t>Check project health</a:t>
+                      </a:r>
+                      <a:endParaRPr lang="en-US" altLang="zh-CN"/>
+                    </a:p>
+                  </a:txBody>
+                  <a:tcPr/>
+                </a:tc>
+              </a:tr>
+              <a:tr h="381000">
+                <a:tc>
+                  <a:txBody>
+                    <a:bodyPr/>
+                    <a:p>
+                      <a:pPr>
+                        <a:buNone/>
+                      </a:pPr>
+                      <a:r>
+                        <a:rPr lang="en-US" altLang="zh-CN"/>
+                        <a:t>flutter create app_name</a:t>
+                      </a:r>
+                      <a:endParaRPr lang="en-US" altLang="zh-CN"/>
+                    </a:p>
+                  </a:txBody>
+                  <a:tcPr/>
+                </a:tc>
+                <a:tc>
+                  <a:txBody>
+                    <a:bodyPr/>
+                    <a:p>
+                      <a:pPr>
+                        <a:buNone/>
+                      </a:pPr>
+                      <a:r>
+                        <a:rPr lang="en-US" altLang="zh-CN"/>
+                        <a:t>Create flutter app</a:t>
+                      </a:r>
+                      <a:endParaRPr lang="en-US" altLang="zh-CN"/>
+                    </a:p>
+                  </a:txBody>
+                  <a:tcPr/>
+                </a:tc>
+              </a:tr>
+              <a:tr h="381000">
+                <a:tc>
+                  <a:txBody>
+                    <a:bodyPr/>
+                    <a:p>
+                      <a:pPr>
+                        <a:buNone/>
+                      </a:pPr>
+                      <a:r>
+                        <a:rPr lang="en-US" altLang="zh-CN"/>
+                        <a:t>flutter run dart_file --verbose --ignore-deprecation</a:t>
+                      </a:r>
+                      <a:endParaRPr lang="en-US" altLang="zh-CN"/>
+                    </a:p>
+                  </a:txBody>
+                  <a:tcPr/>
+                </a:tc>
+                <a:tc>
+                  <a:txBody>
+                    <a:bodyPr/>
+                    <a:p>
+                      <a:pPr>
+                        <a:buNone/>
+                      </a:pPr>
+                      <a:r>
+                        <a:rPr lang="en-US" altLang="zh-CN"/>
+                        <a:t>Run a dart file</a:t>
+                      </a:r>
+                      <a:endParaRPr lang="en-US" altLang="zh-CN"/>
+                    </a:p>
+                  </a:txBody>
+                  <a:tcPr/>
+                </a:tc>
+              </a:tr>
+              <a:tr h="381000">
+                <a:tc>
+                  <a:txBody>
+                    <a:bodyPr/>
+                    <a:p>
+                      <a:pPr>
+                        <a:buNone/>
+                      </a:pPr>
+                      <a:r>
+                        <a:rPr lang="en-US" altLang="zh-CN"/>
+                        <a:t>flutter pub get</a:t>
+                      </a:r>
+                      <a:endParaRPr lang="en-US" altLang="zh-CN"/>
+                    </a:p>
+                  </a:txBody>
+                  <a:tcPr/>
+                </a:tc>
+                <a:tc>
+                  <a:txBody>
+                    <a:bodyPr/>
+                    <a:p>
+                      <a:pPr>
+                        <a:buNone/>
+                      </a:pPr>
+                      <a:r>
+                        <a:rPr lang="en-US" altLang="zh-CN"/>
+                        <a:t>Download dependencies</a:t>
+                      </a:r>
+                      <a:endParaRPr lang="en-US" altLang="zh-CN"/>
+                    </a:p>
+                  </a:txBody>
+                  <a:tcPr/>
+                </a:tc>
+              </a:tr>
+              <a:tr h="381000">
+                <a:tc>
+                  <a:txBody>
+                    <a:bodyPr/>
+                    <a:p>
+                      <a:pPr>
+                        <a:buNone/>
+                      </a:pPr>
+                      <a:r>
+                        <a:rPr lang="en-US" altLang="zh-CN"/>
+                        <a:t>flutter pub update</a:t>
+                      </a:r>
+                      <a:endParaRPr lang="en-US" altLang="zh-CN"/>
+                    </a:p>
+                  </a:txBody>
+                  <a:tcPr/>
+                </a:tc>
+                <a:tc>
+                  <a:txBody>
+                    <a:bodyPr/>
+                    <a:p>
+                      <a:pPr>
+                        <a:buNone/>
+                      </a:pPr>
+                      <a:r>
+                        <a:rPr lang="en-US" altLang="zh-CN"/>
+                        <a:t>Update dependencies</a:t>
+                      </a:r>
+                      <a:endParaRPr lang="en-US" altLang="zh-CN"/>
+                    </a:p>
+                  </a:txBody>
+                  <a:tcPr/>
+                </a:tc>
+              </a:tr>
+              <a:tr h="381000">
+                <a:tc>
+                  <a:txBody>
+                    <a:bodyPr/>
+                    <a:p>
+                      <a:pPr>
+                        <a:buNone/>
+                      </a:pPr>
+                      <a:r>
+                        <a:rPr lang="en-US" altLang="zh-CN"/>
+                        <a:t>flutter build dir</a:t>
+                      </a:r>
+                      <a:endParaRPr lang="en-US" altLang="zh-CN"/>
+                    </a:p>
+                  </a:txBody>
+                  <a:tcPr/>
+                </a:tc>
+                <a:tc>
+                  <a:txBody>
+                    <a:bodyPr/>
+                    <a:p>
+                      <a:pPr>
+                        <a:buNone/>
+                      </a:pPr>
+                      <a:r>
+                        <a:rPr lang="en-US" altLang="zh-CN"/>
+                        <a:t>Build a dir</a:t>
+                      </a:r>
+                      <a:endParaRPr lang="en-US" altLang="zh-CN"/>
+                    </a:p>
+                  </a:txBody>
+                  <a:tcPr/>
+                </a:tc>
+              </a:tr>
+              <a:tr h="381000">
+                <a:tc>
+                  <a:txBody>
+                    <a:bodyPr/>
+                    <a:p>
+                      <a:pPr>
+                        <a:buNone/>
+                      </a:pPr>
+                      <a:r>
+                        <a:rPr lang="en-US" altLang="zh-CN"/>
+                        <a:t>flutter devices</a:t>
+                      </a:r>
+                      <a:endParaRPr lang="en-US" altLang="zh-CN"/>
+                    </a:p>
+                  </a:txBody>
+                  <a:tcPr/>
+                </a:tc>
+                <a:tc>
+                  <a:txBody>
+                    <a:bodyPr/>
+                    <a:p>
+                      <a:pPr>
+                        <a:buNone/>
+                      </a:pPr>
+                      <a:r>
+                        <a:rPr lang="en-US" altLang="zh-CN"/>
+                        <a:t>Show connected devices</a:t>
+                      </a:r>
+                      <a:endParaRPr lang="en-US" altLang="zh-CN"/>
+                    </a:p>
+                  </a:txBody>
+                  <a:tcPr/>
+                </a:tc>
+              </a:tr>
+              <a:tr h="381000">
+                <a:tc>
+                  <a:txBody>
+                    <a:bodyPr/>
+                    <a:p>
+                      <a:pPr>
+                        <a:buNone/>
+                      </a:pPr>
+                      <a:r>
+                        <a:rPr lang="en-US" altLang="zh-CN"/>
+                        <a:t>flutter logs</a:t>
+                      </a:r>
+                      <a:endParaRPr lang="en-US" altLang="zh-CN"/>
+                    </a:p>
+                  </a:txBody>
+                  <a:tcPr/>
+                </a:tc>
+                <a:tc>
+                  <a:txBody>
+                    <a:bodyPr/>
+                    <a:p>
+                      <a:pPr>
+                        <a:buNone/>
+                      </a:pPr>
+                      <a:r>
+                        <a:rPr lang="en-US" altLang="zh-CN"/>
+                        <a:t>Show logs</a:t>
+                      </a:r>
+                      <a:endParaRPr lang="en-US" altLang="zh-CN"/>
+                    </a:p>
+                  </a:txBody>
+                  <a:tcPr/>
+                </a:tc>
+              </a:tr>
+            </a:tbl>
+          </a:graphicData>
+        </a:graphic>
+      </p:graphicFrame>
     </p:spTree>
     <p:custDataLst>
-      <p:tags r:id="rId1"/>
+      <p:tags r:id="rId2"/>
     </p:custDataLst>
   </p:cSld>
   <p:clrMapOvr>
@@ -4667,9 +11109,8 @@
 
 <file path=ppt/tags/tag14.xml><?xml version="1.0" encoding="utf-8"?>
 <p:tagLst xmlns:p="http://schemas.openxmlformats.org/presentationml/2006/main">
-  <p:tag name="KSO_WM_BEAUTIFY_FLAG" val="#wm#"/>
-  <p:tag name="KSO_WM_TEMPLATE_CATEGORY" val="custom"/>
-  <p:tag name="KSO_WM_TEMPLATE_INDEX" val="160402"/>
+  <p:tag name="TABLE_ENDDRAG_ORIGIN_RECT" val="533*150"/>
+  <p:tag name="TABLE_ENDDRAG_RECT" val="380*95*533*150"/>
 </p:tagLst>
 </file>
 
@@ -4683,8 +11124,33 @@
 
 <file path=ppt/tags/tag16.xml><?xml version="1.0" encoding="utf-8"?>
 <p:tagLst xmlns:p="http://schemas.openxmlformats.org/presentationml/2006/main">
-  <p:tag name="COMMONDATA" val="eyJoZGlkIjoiODcwZjc5M2RmYzUwOWE5MjVkODVjZGMyZDUwOTRjYmEifQ=="/>
-  <p:tag name="KSO_WPP_MARK_KEY" val="368d8392-101a-4960-91a1-58ab14917b93"/>
+  <p:tag name="KSO_WM_BEAUTIFY_FLAG" val="#wm#"/>
+  <p:tag name="KSO_WM_TEMPLATE_CATEGORY" val="custom"/>
+  <p:tag name="KSO_WM_TEMPLATE_INDEX" val="160402"/>
+</p:tagLst>
+</file>
+
+<file path=ppt/tags/tag17.xml><?xml version="1.0" encoding="utf-8"?>
+<p:tagLst xmlns:p="http://schemas.openxmlformats.org/presentationml/2006/main">
+  <p:tag name="KSO_WM_BEAUTIFY_FLAG" val="#wm#"/>
+  <p:tag name="KSO_WM_TEMPLATE_CATEGORY" val="custom"/>
+  <p:tag name="KSO_WM_TEMPLATE_INDEX" val="160402"/>
+</p:tagLst>
+</file>
+
+<file path=ppt/tags/tag18.xml><?xml version="1.0" encoding="utf-8"?>
+<p:tagLst xmlns:p="http://schemas.openxmlformats.org/presentationml/2006/main">
+  <p:tag name="KSO_WM_BEAUTIFY_FLAG" val="#wm#"/>
+  <p:tag name="KSO_WM_TEMPLATE_CATEGORY" val="custom"/>
+  <p:tag name="KSO_WM_TEMPLATE_INDEX" val="160402"/>
+</p:tagLst>
+</file>
+
+<file path=ppt/tags/tag19.xml><?xml version="1.0" encoding="utf-8"?>
+<p:tagLst xmlns:p="http://schemas.openxmlformats.org/presentationml/2006/main">
+  <p:tag name="KSO_WM_BEAUTIFY_FLAG" val="#wm#"/>
+  <p:tag name="KSO_WM_TEMPLATE_CATEGORY" val="custom"/>
+  <p:tag name="KSO_WM_TEMPLATE_INDEX" val="160402"/>
 </p:tagLst>
 </file>
 
@@ -4693,6 +11159,85 @@
   <p:tag name="KSO_WM_TAG_VERSION" val="1.0"/>
   <p:tag name="KSO_WM_TEMPLATE_CATEGORY" val="custom"/>
   <p:tag name="KSO_WM_TEMPLATE_INDEX" val="160402"/>
+</p:tagLst>
+</file>
+
+<file path=ppt/tags/tag20.xml><?xml version="1.0" encoding="utf-8"?>
+<p:tagLst xmlns:p="http://schemas.openxmlformats.org/presentationml/2006/main">
+  <p:tag name="KSO_WM_BEAUTIFY_FLAG" val="#wm#"/>
+  <p:tag name="KSO_WM_TEMPLATE_CATEGORY" val="custom"/>
+  <p:tag name="KSO_WM_TEMPLATE_INDEX" val="160402"/>
+</p:tagLst>
+</file>
+
+<file path=ppt/tags/tag21.xml><?xml version="1.0" encoding="utf-8"?>
+<p:tagLst xmlns:p="http://schemas.openxmlformats.org/presentationml/2006/main">
+  <p:tag name="KSO_WM_BEAUTIFY_FLAG" val="#wm#"/>
+  <p:tag name="KSO_WM_TEMPLATE_CATEGORY" val="custom"/>
+  <p:tag name="KSO_WM_TEMPLATE_INDEX" val="160402"/>
+</p:tagLst>
+</file>
+
+<file path=ppt/tags/tag22.xml><?xml version="1.0" encoding="utf-8"?>
+<p:tagLst xmlns:p="http://schemas.openxmlformats.org/presentationml/2006/main">
+  <p:tag name="KSO_WM_BEAUTIFY_FLAG" val="#wm#"/>
+  <p:tag name="KSO_WM_TEMPLATE_CATEGORY" val="custom"/>
+  <p:tag name="KSO_WM_TEMPLATE_INDEX" val="160402"/>
+</p:tagLst>
+</file>
+
+<file path=ppt/tags/tag23.xml><?xml version="1.0" encoding="utf-8"?>
+<p:tagLst xmlns:p="http://schemas.openxmlformats.org/presentationml/2006/main">
+  <p:tag name="KSO_WM_BEAUTIFY_FLAG" val="#wm#"/>
+  <p:tag name="KSO_WM_TEMPLATE_CATEGORY" val="custom"/>
+  <p:tag name="KSO_WM_TEMPLATE_INDEX" val="160402"/>
+</p:tagLst>
+</file>
+
+<file path=ppt/tags/tag24.xml><?xml version="1.0" encoding="utf-8"?>
+<p:tagLst xmlns:p="http://schemas.openxmlformats.org/presentationml/2006/main">
+  <p:tag name="KSO_WM_BEAUTIFY_FLAG" val="#wm#"/>
+  <p:tag name="KSO_WM_TEMPLATE_CATEGORY" val="custom"/>
+  <p:tag name="KSO_WM_TEMPLATE_INDEX" val="160402"/>
+</p:tagLst>
+</file>
+
+<file path=ppt/tags/tag25.xml><?xml version="1.0" encoding="utf-8"?>
+<p:tagLst xmlns:p="http://schemas.openxmlformats.org/presentationml/2006/main">
+  <p:tag name="KSO_WM_BEAUTIFY_FLAG" val="#wm#"/>
+  <p:tag name="KSO_WM_TEMPLATE_CATEGORY" val="custom"/>
+  <p:tag name="KSO_WM_TEMPLATE_INDEX" val="160402"/>
+</p:tagLst>
+</file>
+
+<file path=ppt/tags/tag26.xml><?xml version="1.0" encoding="utf-8"?>
+<p:tagLst xmlns:p="http://schemas.openxmlformats.org/presentationml/2006/main">
+  <p:tag name="KSO_WM_BEAUTIFY_FLAG" val="#wm#"/>
+  <p:tag name="KSO_WM_TEMPLATE_CATEGORY" val="custom"/>
+  <p:tag name="KSO_WM_TEMPLATE_INDEX" val="160402"/>
+</p:tagLst>
+</file>
+
+<file path=ppt/tags/tag27.xml><?xml version="1.0" encoding="utf-8"?>
+<p:tagLst xmlns:p="http://schemas.openxmlformats.org/presentationml/2006/main">
+  <p:tag name="KSO_WM_BEAUTIFY_FLAG" val="#wm#"/>
+  <p:tag name="KSO_WM_TEMPLATE_CATEGORY" val="custom"/>
+  <p:tag name="KSO_WM_TEMPLATE_INDEX" val="160402"/>
+</p:tagLst>
+</file>
+
+<file path=ppt/tags/tag28.xml><?xml version="1.0" encoding="utf-8"?>
+<p:tagLst xmlns:p="http://schemas.openxmlformats.org/presentationml/2006/main">
+  <p:tag name="KSO_WM_BEAUTIFY_FLAG" val="#wm#"/>
+  <p:tag name="KSO_WM_TEMPLATE_CATEGORY" val="custom"/>
+  <p:tag name="KSO_WM_TEMPLATE_INDEX" val="160402"/>
+</p:tagLst>
+</file>
+
+<file path=ppt/tags/tag29.xml><?xml version="1.0" encoding="utf-8"?>
+<p:tagLst xmlns:p="http://schemas.openxmlformats.org/presentationml/2006/main">
+  <p:tag name="TABLE_ENDDRAG_ORIGIN_RECT" val="469*210"/>
+  <p:tag name="TABLE_ENDDRAG_RECT" val="346*165*469*210"/>
 </p:tagLst>
 </file>
 
@@ -4703,6 +11248,72 @@
   <p:tag name="KSO_WM_TEMPLATE_INDEX" val="160402"/>
   <p:tag name="KSO_WM_TAG_VERSION" val="1.0"/>
   <p:tag name="KSO_WM_BEAUTIFY_FLAG" val="#wm#"/>
+</p:tagLst>
+</file>
+
+<file path=ppt/tags/tag30.xml><?xml version="1.0" encoding="utf-8"?>
+<p:tagLst xmlns:p="http://schemas.openxmlformats.org/presentationml/2006/main">
+  <p:tag name="KSO_WM_BEAUTIFY_FLAG" val="#wm#"/>
+  <p:tag name="KSO_WM_TEMPLATE_CATEGORY" val="custom"/>
+  <p:tag name="KSO_WM_TEMPLATE_INDEX" val="160402"/>
+</p:tagLst>
+</file>
+
+<file path=ppt/tags/tag31.xml><?xml version="1.0" encoding="utf-8"?>
+<p:tagLst xmlns:p="http://schemas.openxmlformats.org/presentationml/2006/main">
+  <p:tag name="KSO_WM_BEAUTIFY_FLAG" val="#wm#"/>
+  <p:tag name="KSO_WM_TEMPLATE_CATEGORY" val="custom"/>
+  <p:tag name="KSO_WM_TEMPLATE_INDEX" val="160402"/>
+</p:tagLst>
+</file>
+
+<file path=ppt/tags/tag32.xml><?xml version="1.0" encoding="utf-8"?>
+<p:tagLst xmlns:p="http://schemas.openxmlformats.org/presentationml/2006/main">
+  <p:tag name="KSO_WM_BEAUTIFY_FLAG" val="#wm#"/>
+  <p:tag name="KSO_WM_TEMPLATE_CATEGORY" val="custom"/>
+  <p:tag name="KSO_WM_TEMPLATE_INDEX" val="160402"/>
+</p:tagLst>
+</file>
+
+<file path=ppt/tags/tag33.xml><?xml version="1.0" encoding="utf-8"?>
+<p:tagLst xmlns:p="http://schemas.openxmlformats.org/presentationml/2006/main">
+  <p:tag name="KSO_WM_BEAUTIFY_FLAG" val=""/>
+</p:tagLst>
+</file>
+
+<file path=ppt/tags/tag34.xml><?xml version="1.0" encoding="utf-8"?>
+<p:tagLst xmlns:p="http://schemas.openxmlformats.org/presentationml/2006/main">
+  <p:tag name="KSO_WM_BEAUTIFY_FLAG" val=""/>
+</p:tagLst>
+</file>
+
+<file path=ppt/tags/tag35.xml><?xml version="1.0" encoding="utf-8"?>
+<p:tagLst xmlns:p="http://schemas.openxmlformats.org/presentationml/2006/main">
+  <p:tag name="KSO_WM_BEAUTIFY_FLAG" val=""/>
+</p:tagLst>
+</file>
+
+<file path=ppt/tags/tag36.xml><?xml version="1.0" encoding="utf-8"?>
+<p:tagLst xmlns:p="http://schemas.openxmlformats.org/presentationml/2006/main">
+  <p:tag name="KSO_WM_BEAUTIFY_FLAG" val=""/>
+</p:tagLst>
+</file>
+
+<file path=ppt/tags/tag37.xml><?xml version="1.0" encoding="utf-8"?>
+<p:tagLst xmlns:p="http://schemas.openxmlformats.org/presentationml/2006/main">
+  <p:tag name="KSO_WM_BEAUTIFY_FLAG" val=""/>
+</p:tagLst>
+</file>
+
+<file path=ppt/tags/tag38.xml><?xml version="1.0" encoding="utf-8"?>
+<p:tagLst xmlns:p="http://schemas.openxmlformats.org/presentationml/2006/main">
+  <p:tag name="KSO_WM_BEAUTIFY_FLAG" val=""/>
+</p:tagLst>
+</file>
+
+<file path=ppt/tags/tag39.xml><?xml version="1.0" encoding="utf-8"?>
+<p:tagLst xmlns:p="http://schemas.openxmlformats.org/presentationml/2006/main">
+  <p:tag name="KSO_WM_BEAUTIFY_FLAG" val=""/>
 </p:tagLst>
 </file>
 
@@ -4726,6 +11337,68 @@
 </p:tagLst>
 </file>
 
+<file path=ppt/tags/tag40.xml><?xml version="1.0" encoding="utf-8"?>
+<p:tagLst xmlns:p="http://schemas.openxmlformats.org/presentationml/2006/main">
+  <p:tag name="KSO_WM_BEAUTIFY_FLAG" val=""/>
+</p:tagLst>
+</file>
+
+<file path=ppt/tags/tag41.xml><?xml version="1.0" encoding="utf-8"?>
+<p:tagLst xmlns:p="http://schemas.openxmlformats.org/presentationml/2006/main">
+  <p:tag name="KSO_WM_BEAUTIFY_FLAG" val=""/>
+</p:tagLst>
+</file>
+
+<file path=ppt/tags/tag42.xml><?xml version="1.0" encoding="utf-8"?>
+<p:tagLst xmlns:p="http://schemas.openxmlformats.org/presentationml/2006/main">
+  <p:tag name="KSO_WM_BEAUTIFY_FLAG" val=""/>
+</p:tagLst>
+</file>
+
+<file path=ppt/tags/tag43.xml><?xml version="1.0" encoding="utf-8"?>
+<p:tagLst xmlns:p="http://schemas.openxmlformats.org/presentationml/2006/main">
+  <p:tag name="KSO_WM_BEAUTIFY_FLAG" val=""/>
+</p:tagLst>
+</file>
+
+<file path=ppt/tags/tag44.xml><?xml version="1.0" encoding="utf-8"?>
+<p:tagLst xmlns:p="http://schemas.openxmlformats.org/presentationml/2006/main">
+  <p:tag name="KSO_WM_BEAUTIFY_FLAG" val=""/>
+</p:tagLst>
+</file>
+
+<file path=ppt/tags/tag45.xml><?xml version="1.0" encoding="utf-8"?>
+<p:tagLst xmlns:p="http://schemas.openxmlformats.org/presentationml/2006/main">
+  <p:tag name="KSO_WM_BEAUTIFY_FLAG" val=""/>
+</p:tagLst>
+</file>
+
+<file path=ppt/tags/tag46.xml><?xml version="1.0" encoding="utf-8"?>
+<p:tagLst xmlns:p="http://schemas.openxmlformats.org/presentationml/2006/main">
+  <p:tag name="KSO_WM_BEAUTIFY_FLAG" val=""/>
+</p:tagLst>
+</file>
+
+<file path=ppt/tags/tag47.xml><?xml version="1.0" encoding="utf-8"?>
+<p:tagLst xmlns:p="http://schemas.openxmlformats.org/presentationml/2006/main">
+  <p:tag name="KSO_WM_BEAUTIFY_FLAG" val=""/>
+</p:tagLst>
+</file>
+
+<file path=ppt/tags/tag48.xml><?xml version="1.0" encoding="utf-8"?>
+<p:tagLst xmlns:p="http://schemas.openxmlformats.org/presentationml/2006/main">
+  <p:tag name="KSO_WM_BEAUTIFY_FLAG" val="#wm#"/>
+  <p:tag name="KSO_WM_TEMPLATE_CATEGORY" val="custom"/>
+  <p:tag name="KSO_WM_TEMPLATE_INDEX" val="160402"/>
+</p:tagLst>
+</file>
+
+<file path=ppt/tags/tag49.xml><?xml version="1.0" encoding="utf-8"?>
+<p:tagLst xmlns:p="http://schemas.openxmlformats.org/presentationml/2006/main">
+  <p:tag name="KSO_WM_BEAUTIFY_FLAG" val=""/>
+</p:tagLst>
+</file>
+
 <file path=ppt/tags/tag5.xml><?xml version="1.0" encoding="utf-8"?>
 <p:tagLst xmlns:p="http://schemas.openxmlformats.org/presentationml/2006/main">
   <p:tag name="KSO_WM_TAG_VERSION" val="1.0"/>
@@ -4746,6 +11419,66 @@
 </p:tagLst>
 </file>
 
+<file path=ppt/tags/tag50.xml><?xml version="1.0" encoding="utf-8"?>
+<p:tagLst xmlns:p="http://schemas.openxmlformats.org/presentationml/2006/main">
+  <p:tag name="KSO_WM_BEAUTIFY_FLAG" val=""/>
+</p:tagLst>
+</file>
+
+<file path=ppt/tags/tag51.xml><?xml version="1.0" encoding="utf-8"?>
+<p:tagLst xmlns:p="http://schemas.openxmlformats.org/presentationml/2006/main">
+  <p:tag name="KSO_WM_BEAUTIFY_FLAG" val=""/>
+</p:tagLst>
+</file>
+
+<file path=ppt/tags/tag52.xml><?xml version="1.0" encoding="utf-8"?>
+<p:tagLst xmlns:p="http://schemas.openxmlformats.org/presentationml/2006/main">
+  <p:tag name="KSO_WM_BEAUTIFY_FLAG" val=""/>
+</p:tagLst>
+</file>
+
+<file path=ppt/tags/tag53.xml><?xml version="1.0" encoding="utf-8"?>
+<p:tagLst xmlns:p="http://schemas.openxmlformats.org/presentationml/2006/main">
+  <p:tag name="KSO_WM_BEAUTIFY_FLAG" val=""/>
+</p:tagLst>
+</file>
+
+<file path=ppt/tags/tag54.xml><?xml version="1.0" encoding="utf-8"?>
+<p:tagLst xmlns:p="http://schemas.openxmlformats.org/presentationml/2006/main">
+  <p:tag name="KSO_WM_BEAUTIFY_FLAG" val=""/>
+</p:tagLst>
+</file>
+
+<file path=ppt/tags/tag55.xml><?xml version="1.0" encoding="utf-8"?>
+<p:tagLst xmlns:p="http://schemas.openxmlformats.org/presentationml/2006/main">
+  <p:tag name="KSO_WM_BEAUTIFY_FLAG" val=""/>
+</p:tagLst>
+</file>
+
+<file path=ppt/tags/tag56.xml><?xml version="1.0" encoding="utf-8"?>
+<p:tagLst xmlns:p="http://schemas.openxmlformats.org/presentationml/2006/main">
+  <p:tag name="KSO_WM_BEAUTIFY_FLAG" val=""/>
+</p:tagLst>
+</file>
+
+<file path=ppt/tags/tag57.xml><?xml version="1.0" encoding="utf-8"?>
+<p:tagLst xmlns:p="http://schemas.openxmlformats.org/presentationml/2006/main">
+  <p:tag name="KSO_WM_BEAUTIFY_FLAG" val=""/>
+</p:tagLst>
+</file>
+
+<file path=ppt/tags/tag58.xml><?xml version="1.0" encoding="utf-8"?>
+<p:tagLst xmlns:p="http://schemas.openxmlformats.org/presentationml/2006/main">
+  <p:tag name="KSO_WM_BEAUTIFY_FLAG" val=""/>
+</p:tagLst>
+</file>
+
+<file path=ppt/tags/tag59.xml><?xml version="1.0" encoding="utf-8"?>
+<p:tagLst xmlns:p="http://schemas.openxmlformats.org/presentationml/2006/main">
+  <p:tag name="KSO_WM_BEAUTIFY_FLAG" val=""/>
+</p:tagLst>
+</file>
+
 <file path=ppt/tags/tag6.xml><?xml version="1.0" encoding="utf-8"?>
 <p:tagLst xmlns:p="http://schemas.openxmlformats.org/presentationml/2006/main">
   <p:tag name="KSO_WM_TEMPLATE_THUMBS_INDEX" val="1、9、12、16、19、20、24、27、28"/>
@@ -4764,11 +11497,148 @@
 </p:tagLst>
 </file>
 
+<file path=ppt/tags/tag60.xml><?xml version="1.0" encoding="utf-8"?>
+<p:tagLst xmlns:p="http://schemas.openxmlformats.org/presentationml/2006/main">
+  <p:tag name="KSO_WM_BEAUTIFY_FLAG" val=""/>
+</p:tagLst>
+</file>
+
+<file path=ppt/tags/tag61.xml><?xml version="1.0" encoding="utf-8"?>
+<p:tagLst xmlns:p="http://schemas.openxmlformats.org/presentationml/2006/main">
+  <p:tag name="KSO_WM_BEAUTIFY_FLAG" val=""/>
+</p:tagLst>
+</file>
+
+<file path=ppt/tags/tag62.xml><?xml version="1.0" encoding="utf-8"?>
+<p:tagLst xmlns:p="http://schemas.openxmlformats.org/presentationml/2006/main">
+  <p:tag name="KSO_WM_BEAUTIFY_FLAG" val=""/>
+</p:tagLst>
+</file>
+
+<file path=ppt/tags/tag63.xml><?xml version="1.0" encoding="utf-8"?>
+<p:tagLst xmlns:p="http://schemas.openxmlformats.org/presentationml/2006/main">
+  <p:tag name="KSO_WM_BEAUTIFY_FLAG" val=""/>
+</p:tagLst>
+</file>
+
+<file path=ppt/tags/tag64.xml><?xml version="1.0" encoding="utf-8"?>
+<p:tagLst xmlns:p="http://schemas.openxmlformats.org/presentationml/2006/main">
+  <p:tag name="KSO_WM_BEAUTIFY_FLAG" val=""/>
+</p:tagLst>
+</file>
+
+<file path=ppt/tags/tag65.xml><?xml version="1.0" encoding="utf-8"?>
+<p:tagLst xmlns:p="http://schemas.openxmlformats.org/presentationml/2006/main">
+  <p:tag name="KSO_WM_BEAUTIFY_FLAG" val=""/>
+</p:tagLst>
+</file>
+
+<file path=ppt/tags/tag66.xml><?xml version="1.0" encoding="utf-8"?>
+<p:tagLst xmlns:p="http://schemas.openxmlformats.org/presentationml/2006/main">
+  <p:tag name="KSO_WM_BEAUTIFY_FLAG" val=""/>
+</p:tagLst>
+</file>
+
+<file path=ppt/tags/tag67.xml><?xml version="1.0" encoding="utf-8"?>
+<p:tagLst xmlns:p="http://schemas.openxmlformats.org/presentationml/2006/main">
+  <p:tag name="KSO_WM_BEAUTIFY_FLAG" val=""/>
+</p:tagLst>
+</file>
+
+<file path=ppt/tags/tag68.xml><?xml version="1.0" encoding="utf-8"?>
+<p:tagLst xmlns:p="http://schemas.openxmlformats.org/presentationml/2006/main">
+  <p:tag name="KSO_WM_BEAUTIFY_FLAG" val=""/>
+</p:tagLst>
+</file>
+
+<file path=ppt/tags/tag69.xml><?xml version="1.0" encoding="utf-8"?>
+<p:tagLst xmlns:p="http://schemas.openxmlformats.org/presentationml/2006/main">
+  <p:tag name="KSO_WM_BEAUTIFY_FLAG" val=""/>
+</p:tagLst>
+</file>
+
 <file path=ppt/tags/tag7.xml><?xml version="1.0" encoding="utf-8"?>
 <p:tagLst xmlns:p="http://schemas.openxmlformats.org/presentationml/2006/main">
   <p:tag name="KSO_WM_BEAUTIFY_FLAG" val="#wm#"/>
   <p:tag name="KSO_WM_TEMPLATE_CATEGORY" val="custom"/>
   <p:tag name="KSO_WM_TEMPLATE_INDEX" val="160402"/>
+</p:tagLst>
+</file>
+
+<file path=ppt/tags/tag70.xml><?xml version="1.0" encoding="utf-8"?>
+<p:tagLst xmlns:p="http://schemas.openxmlformats.org/presentationml/2006/main">
+  <p:tag name="KSO_WM_BEAUTIFY_FLAG" val=""/>
+</p:tagLst>
+</file>
+
+<file path=ppt/tags/tag71.xml><?xml version="1.0" encoding="utf-8"?>
+<p:tagLst xmlns:p="http://schemas.openxmlformats.org/presentationml/2006/main">
+  <p:tag name="KSO_WM_BEAUTIFY_FLAG" val="#wm#"/>
+  <p:tag name="KSO_WM_TEMPLATE_CATEGORY" val="custom"/>
+  <p:tag name="KSO_WM_TEMPLATE_INDEX" val="160402"/>
+</p:tagLst>
+</file>
+
+<file path=ppt/tags/tag72.xml><?xml version="1.0" encoding="utf-8"?>
+<p:tagLst xmlns:p="http://schemas.openxmlformats.org/presentationml/2006/main">
+  <p:tag name="KSO_WM_BEAUTIFY_FLAG" val="#wm#"/>
+  <p:tag name="KSO_WM_TEMPLATE_CATEGORY" val="custom"/>
+  <p:tag name="KSO_WM_TEMPLATE_INDEX" val="160402"/>
+</p:tagLst>
+</file>
+
+<file path=ppt/tags/tag73.xml><?xml version="1.0" encoding="utf-8"?>
+<p:tagLst xmlns:p="http://schemas.openxmlformats.org/presentationml/2006/main">
+  <p:tag name="KSO_WM_BEAUTIFY_FLAG" val="#wm#"/>
+  <p:tag name="KSO_WM_TEMPLATE_CATEGORY" val="custom"/>
+  <p:tag name="KSO_WM_TEMPLATE_INDEX" val="160402"/>
+</p:tagLst>
+</file>
+
+<file path=ppt/tags/tag74.xml><?xml version="1.0" encoding="utf-8"?>
+<p:tagLst xmlns:p="http://schemas.openxmlformats.org/presentationml/2006/main">
+  <p:tag name="KSO_WM_BEAUTIFY_FLAG" val="#wm#"/>
+  <p:tag name="KSO_WM_TEMPLATE_CATEGORY" val="custom"/>
+  <p:tag name="KSO_WM_TEMPLATE_INDEX" val="160402"/>
+</p:tagLst>
+</file>
+
+<file path=ppt/tags/tag75.xml><?xml version="1.0" encoding="utf-8"?>
+<p:tagLst xmlns:p="http://schemas.openxmlformats.org/presentationml/2006/main">
+  <p:tag name="TABLE_ENDDRAG_ORIGIN_RECT" val="469*210"/>
+  <p:tag name="TABLE_ENDDRAG_RECT" val="346*165*469*210"/>
+  <p:tag name="KSO_WM_BEAUTIFY_FLAG" val=""/>
+</p:tagLst>
+</file>
+
+<file path=ppt/tags/tag76.xml><?xml version="1.0" encoding="utf-8"?>
+<p:tagLst xmlns:p="http://schemas.openxmlformats.org/presentationml/2006/main">
+  <p:tag name="KSO_WM_BEAUTIFY_FLAG" val="#wm#"/>
+  <p:tag name="KSO_WM_TEMPLATE_CATEGORY" val="custom"/>
+  <p:tag name="KSO_WM_TEMPLATE_INDEX" val="160402"/>
+</p:tagLst>
+</file>
+
+<file path=ppt/tags/tag77.xml><?xml version="1.0" encoding="utf-8"?>
+<p:tagLst xmlns:p="http://schemas.openxmlformats.org/presentationml/2006/main">
+  <p:tag name="KSO_WM_BEAUTIFY_FLAG" val="#wm#"/>
+  <p:tag name="KSO_WM_TEMPLATE_CATEGORY" val="custom"/>
+  <p:tag name="KSO_WM_TEMPLATE_INDEX" val="160402"/>
+</p:tagLst>
+</file>
+
+<file path=ppt/tags/tag78.xml><?xml version="1.0" encoding="utf-8"?>
+<p:tagLst xmlns:p="http://schemas.openxmlformats.org/presentationml/2006/main">
+  <p:tag name="KSO_WM_BEAUTIFY_FLAG" val="#wm#"/>
+  <p:tag name="KSO_WM_TEMPLATE_CATEGORY" val="custom"/>
+  <p:tag name="KSO_WM_TEMPLATE_INDEX" val="160402"/>
+</p:tagLst>
+</file>
+
+<file path=ppt/tags/tag79.xml><?xml version="1.0" encoding="utf-8"?>
+<p:tagLst xmlns:p="http://schemas.openxmlformats.org/presentationml/2006/main">
+  <p:tag name="COMMONDATA" val="eyJoZGlkIjoiYjRhZjQ5NWVmZmQxNmM3NmNkNDYxNWRmNzNmMjA1ZDAifQ=="/>
+  <p:tag name="KSO_WPP_MARK_KEY" val="368d8392-101a-4960-91a1-58ab14917b93"/>
 </p:tagLst>
 </file>
 
